--- a/lights/how to debug smartcontract(NEO).pptx
+++ b/lights/how to debug smartcontract(NEO).pptx
@@ -12,15 +12,13 @@
     <p:sldId id="260" r:id="rId6"/>
     <p:sldId id="261" r:id="rId7"/>
     <p:sldId id="262" r:id="rId8"/>
-    <p:sldId id="271" r:id="rId9"/>
-    <p:sldId id="263" r:id="rId10"/>
-    <p:sldId id="264" r:id="rId11"/>
-    <p:sldId id="265" r:id="rId12"/>
-    <p:sldId id="266" r:id="rId13"/>
-    <p:sldId id="267" r:id="rId14"/>
-    <p:sldId id="268" r:id="rId15"/>
-    <p:sldId id="269" r:id="rId16"/>
-    <p:sldId id="270" r:id="rId17"/>
+    <p:sldId id="264" r:id="rId9"/>
+    <p:sldId id="265" r:id="rId10"/>
+    <p:sldId id="266" r:id="rId11"/>
+    <p:sldId id="267" r:id="rId12"/>
+    <p:sldId id="268" r:id="rId13"/>
+    <p:sldId id="269" r:id="rId14"/>
+    <p:sldId id="270" r:id="rId15"/>
   </p:sldIdLst>
   <p:sldSz cx="12192000" cy="6858000"/>
   <p:notesSz cx="6858000" cy="9144000"/>
@@ -119,6 +117,11 @@
       </a:defRPr>
     </a:lvl9pPr>
   </p:defaultTextStyle>
+  <p:extLst>
+    <p:ext uri="{EFAFB233-063F-42B5-8137-9DF3F51BA10A}">
+      <p15:sldGuideLst xmlns:p15="http://schemas.microsoft.com/office/powerpoint/2012/main"/>
+    </p:ext>
+  </p:extLst>
 </p:presentation>
 </file>
 
@@ -253,7 +256,7 @@
           <a:p>
             <a:fld id="{C2CBB46F-7929-4FEB-9B94-57C72ACA3978}" type="datetimeFigureOut">
               <a:rPr lang="zh-CN" altLang="en-US" smtClean="0"/>
-              <a:t>2018-1-7</a:t>
+              <a:t>2018-1-8</a:t>
             </a:fld>
             <a:endParaRPr lang="zh-CN" altLang="en-US"/>
           </a:p>
@@ -423,7 +426,7 @@
           <a:p>
             <a:fld id="{C2CBB46F-7929-4FEB-9B94-57C72ACA3978}" type="datetimeFigureOut">
               <a:rPr lang="zh-CN" altLang="en-US" smtClean="0"/>
-              <a:t>2018-1-7</a:t>
+              <a:t>2018-1-8</a:t>
             </a:fld>
             <a:endParaRPr lang="zh-CN" altLang="en-US"/>
           </a:p>
@@ -603,7 +606,7 @@
           <a:p>
             <a:fld id="{C2CBB46F-7929-4FEB-9B94-57C72ACA3978}" type="datetimeFigureOut">
               <a:rPr lang="zh-CN" altLang="en-US" smtClean="0"/>
-              <a:t>2018-1-7</a:t>
+              <a:t>2018-1-8</a:t>
             </a:fld>
             <a:endParaRPr lang="zh-CN" altLang="en-US"/>
           </a:p>
@@ -773,7 +776,7 @@
           <a:p>
             <a:fld id="{C2CBB46F-7929-4FEB-9B94-57C72ACA3978}" type="datetimeFigureOut">
               <a:rPr lang="zh-CN" altLang="en-US" smtClean="0"/>
-              <a:t>2018-1-7</a:t>
+              <a:t>2018-1-8</a:t>
             </a:fld>
             <a:endParaRPr lang="zh-CN" altLang="en-US"/>
           </a:p>
@@ -1019,7 +1022,7 @@
           <a:p>
             <a:fld id="{C2CBB46F-7929-4FEB-9B94-57C72ACA3978}" type="datetimeFigureOut">
               <a:rPr lang="zh-CN" altLang="en-US" smtClean="0"/>
-              <a:t>2018-1-7</a:t>
+              <a:t>2018-1-8</a:t>
             </a:fld>
             <a:endParaRPr lang="zh-CN" altLang="en-US"/>
           </a:p>
@@ -1251,7 +1254,7 @@
           <a:p>
             <a:fld id="{C2CBB46F-7929-4FEB-9B94-57C72ACA3978}" type="datetimeFigureOut">
               <a:rPr lang="zh-CN" altLang="en-US" smtClean="0"/>
-              <a:t>2018-1-7</a:t>
+              <a:t>2018-1-8</a:t>
             </a:fld>
             <a:endParaRPr lang="zh-CN" altLang="en-US"/>
           </a:p>
@@ -1618,7 +1621,7 @@
           <a:p>
             <a:fld id="{C2CBB46F-7929-4FEB-9B94-57C72ACA3978}" type="datetimeFigureOut">
               <a:rPr lang="zh-CN" altLang="en-US" smtClean="0"/>
-              <a:t>2018-1-7</a:t>
+              <a:t>2018-1-8</a:t>
             </a:fld>
             <a:endParaRPr lang="zh-CN" altLang="en-US"/>
           </a:p>
@@ -1736,7 +1739,7 @@
           <a:p>
             <a:fld id="{C2CBB46F-7929-4FEB-9B94-57C72ACA3978}" type="datetimeFigureOut">
               <a:rPr lang="zh-CN" altLang="en-US" smtClean="0"/>
-              <a:t>2018-1-7</a:t>
+              <a:t>2018-1-8</a:t>
             </a:fld>
             <a:endParaRPr lang="zh-CN" altLang="en-US"/>
           </a:p>
@@ -1831,7 +1834,7 @@
           <a:p>
             <a:fld id="{C2CBB46F-7929-4FEB-9B94-57C72ACA3978}" type="datetimeFigureOut">
               <a:rPr lang="zh-CN" altLang="en-US" smtClean="0"/>
-              <a:t>2018-1-7</a:t>
+              <a:t>2018-1-8</a:t>
             </a:fld>
             <a:endParaRPr lang="zh-CN" altLang="en-US"/>
           </a:p>
@@ -2108,7 +2111,7 @@
           <a:p>
             <a:fld id="{C2CBB46F-7929-4FEB-9B94-57C72ACA3978}" type="datetimeFigureOut">
               <a:rPr lang="zh-CN" altLang="en-US" smtClean="0"/>
-              <a:t>2018-1-7</a:t>
+              <a:t>2018-1-8</a:t>
             </a:fld>
             <a:endParaRPr lang="zh-CN" altLang="en-US"/>
           </a:p>
@@ -2361,7 +2364,7 @@
           <a:p>
             <a:fld id="{C2CBB46F-7929-4FEB-9B94-57C72ACA3978}" type="datetimeFigureOut">
               <a:rPr lang="zh-CN" altLang="en-US" smtClean="0"/>
-              <a:t>2018-1-7</a:t>
+              <a:t>2018-1-8</a:t>
             </a:fld>
             <a:endParaRPr lang="zh-CN" altLang="en-US"/>
           </a:p>
@@ -2574,7 +2577,7 @@
           <a:p>
             <a:fld id="{C2CBB46F-7929-4FEB-9B94-57C72ACA3978}" type="datetimeFigureOut">
               <a:rPr lang="zh-CN" altLang="en-US" smtClean="0"/>
-              <a:t>2018-1-7</a:t>
+              <a:t>2018-1-8</a:t>
             </a:fld>
             <a:endParaRPr lang="zh-CN" altLang="en-US"/>
           </a:p>
@@ -3039,7 +3042,7 @@
           <a:graphicData uri="http://schemas.openxmlformats.org/presentationml/2006/ole">
             <mc:AlternateContent xmlns:mc="http://schemas.openxmlformats.org/markup-compatibility/2006">
               <mc:Choice xmlns:v="urn:schemas-microsoft-com:vml" Requires="v">
-                <p:oleObj spid="_x0000_s4100" r:id="rId3" imgW="9193320" imgH="5168160" progId="">
+                <p:oleObj spid="_x0000_s4102" r:id="rId3" imgW="9193320" imgH="5168160" progId="">
                   <p:embed/>
                 </p:oleObj>
               </mc:Choice>
@@ -3297,6 +3300,29 @@
       </p:grpSpPr>
       <p:sp>
         <p:nvSpPr>
+          <p:cNvPr id="2" name="标题 1"/>
+          <p:cNvSpPr>
+            <a:spLocks noGrp="1"/>
+          </p:cNvSpPr>
+          <p:nvPr>
+            <p:ph type="title"/>
+          </p:nvPr>
+        </p:nvSpPr>
+        <p:spPr/>
+        <p:txBody>
+          <a:bodyPr/>
+          <a:lstStyle/>
+          <a:p>
+            <a:r>
+              <a:rPr lang="en-US" altLang="zh-CN" dirty="0" smtClean="0"/>
+              <a:t>WOW</a:t>
+            </a:r>
+            <a:endParaRPr lang="zh-CN" altLang="en-US" dirty="0"/>
+          </a:p>
+        </p:txBody>
+      </p:sp>
+      <p:sp>
+        <p:nvSpPr>
           <p:cNvPr id="3" name="内容占位符 2"/>
           <p:cNvSpPr>
             <a:spLocks noGrp="1"/>
@@ -3305,187 +3331,103 @@
             <p:ph idx="1"/>
           </p:nvPr>
         </p:nvSpPr>
-        <p:spPr>
-          <a:xfrm>
-            <a:off x="838200" y="1825625"/>
-            <a:ext cx="4993143" cy="4351338"/>
-          </a:xfrm>
-        </p:spPr>
+        <p:spPr/>
         <p:txBody>
-          <a:bodyPr>
-            <a:normAutofit/>
-          </a:bodyPr>
+          <a:bodyPr/>
           <a:lstStyle/>
           <a:p>
             <a:r>
-              <a:rPr lang="zh-CN" altLang="zh-CN" dirty="0"/>
-              <a:t>我们必须知道交易到底干了</a:t>
-            </a:r>
-            <a:r>
-              <a:rPr lang="zh-CN" altLang="zh-CN" dirty="0" smtClean="0"/>
-              <a:t>什么</a:t>
+              <a:rPr lang="zh-CN" altLang="en-US" dirty="0" smtClean="0"/>
+              <a:t>用</a:t>
             </a:r>
             <a:r>
               <a:rPr lang="en-US" altLang="zh-CN" dirty="0" smtClean="0"/>
-              <a:t>.</a:t>
-            </a:r>
-          </a:p>
-          <a:p>
-            <a:pPr lvl="1"/>
+              <a:t>neo-</a:t>
+            </a:r>
+            <a:r>
+              <a:rPr lang="en-US" altLang="zh-CN" dirty="0" err="1" smtClean="0"/>
+              <a:t>gui</a:t>
+            </a:r>
             <a:r>
               <a:rPr lang="en-US" altLang="zh-CN" dirty="0" smtClean="0"/>
-              <a:t>1</a:t>
+              <a:t>-</a:t>
+            </a:r>
+            <a:r>
+              <a:rPr lang="en-US" altLang="zh-CN" dirty="0" err="1" smtClean="0"/>
+              <a:t>nel</a:t>
+            </a:r>
+            <a:r>
+              <a:rPr lang="zh-CN" altLang="en-US" dirty="0" smtClean="0"/>
+              <a:t>，每当遇到一个交易，就会生成一个</a:t>
+            </a:r>
+            <a:r>
+              <a:rPr lang="en-US" altLang="zh-CN" dirty="0" err="1" smtClean="0"/>
+              <a:t>fulllog</a:t>
+            </a:r>
+            <a:r>
+              <a:rPr lang="zh-CN" altLang="en-US" dirty="0" smtClean="0"/>
+              <a:t>文件</a:t>
+            </a:r>
+            <a:endParaRPr lang="en-US" altLang="zh-CN" dirty="0" smtClean="0"/>
+          </a:p>
+          <a:p>
+            <a:endParaRPr lang="en-US" altLang="zh-CN" dirty="0"/>
+          </a:p>
+          <a:p>
+            <a:r>
+              <a:rPr lang="zh-CN" altLang="en-US" dirty="0" smtClean="0"/>
+              <a:t>然后用这个查看工具，</a:t>
+            </a:r>
+            <a:r>
+              <a:rPr lang="en-US" altLang="zh-CN" dirty="0" smtClean="0"/>
+              <a:t>WOW</a:t>
+            </a:r>
+          </a:p>
+          <a:p>
+            <a:endParaRPr lang="en-US" altLang="zh-CN" dirty="0"/>
+          </a:p>
+          <a:p>
+            <a:r>
+              <a:rPr lang="zh-CN" altLang="en-US" dirty="0" smtClean="0"/>
+              <a:t>这还不够，让我们再补上源代码</a:t>
+            </a:r>
+            <a:endParaRPr lang="en-US" altLang="zh-CN" dirty="0" smtClean="0"/>
+          </a:p>
+          <a:p>
+            <a:endParaRPr lang="en-US" altLang="zh-CN" dirty="0"/>
+          </a:p>
+          <a:p>
+            <a:r>
+              <a:rPr lang="en-US" altLang="zh-CN" dirty="0" smtClean="0"/>
+              <a:t>WOW</a:t>
+            </a:r>
+            <a:r>
+              <a:rPr lang="zh-CN" altLang="en-US" dirty="0" smtClean="0"/>
+              <a:t>，</a:t>
+            </a:r>
+            <a:r>
+              <a:rPr lang="en-US" altLang="zh-CN" smtClean="0"/>
+              <a:t>is That </a:t>
+            </a:r>
+            <a:r>
+              <a:rPr lang="en-US" altLang="zh-CN" dirty="0" smtClean="0"/>
+              <a:t>cool</a:t>
             </a:r>
             <a:r>
               <a:rPr lang="en-US" altLang="zh-CN" dirty="0"/>
               <a:t>.</a:t>
             </a:r>
-            <a:r>
-              <a:rPr lang="zh-CN" altLang="zh-CN" dirty="0"/>
-              <a:t>交易在节点</a:t>
-            </a:r>
-            <a:r>
-              <a:rPr lang="zh-CN" altLang="zh-CN" dirty="0" smtClean="0"/>
-              <a:t>执行</a:t>
-            </a:r>
             <a:endParaRPr lang="en-US" altLang="zh-CN" dirty="0" smtClean="0"/>
-          </a:p>
-          <a:p>
-            <a:pPr lvl="1"/>
-            <a:r>
-              <a:rPr lang="en-US" altLang="zh-CN" dirty="0" smtClean="0"/>
-              <a:t>2</a:t>
-            </a:r>
-            <a:r>
-              <a:rPr lang="en-US" altLang="zh-CN" dirty="0"/>
-              <a:t>.</a:t>
-            </a:r>
-            <a:r>
-              <a:rPr lang="zh-CN" altLang="zh-CN" dirty="0" smtClean="0"/>
-              <a:t>交易</a:t>
-            </a:r>
-            <a:r>
-              <a:rPr lang="zh-CN" altLang="en-US" dirty="0"/>
-              <a:t>执行</a:t>
-            </a:r>
-            <a:r>
-              <a:rPr lang="en-US" altLang="zh-CN" dirty="0" smtClean="0"/>
-              <a:t> </a:t>
-            </a:r>
-            <a:r>
-              <a:rPr lang="en-US" altLang="zh-CN" dirty="0"/>
-              <a:t>NEOVM </a:t>
-            </a:r>
-            <a:r>
-              <a:rPr lang="en-US" altLang="zh-CN" dirty="0" smtClean="0"/>
-              <a:t>Opcode</a:t>
-            </a:r>
-          </a:p>
-          <a:p>
-            <a:pPr lvl="1"/>
-            <a:r>
-              <a:rPr lang="en-US" altLang="zh-CN" dirty="0" smtClean="0"/>
-              <a:t>3.NEOVM </a:t>
-            </a:r>
-            <a:r>
-              <a:rPr lang="zh-CN" altLang="zh-CN" dirty="0"/>
-              <a:t>的源码就在</a:t>
-            </a:r>
-            <a:r>
-              <a:rPr lang="zh-CN" altLang="zh-CN" dirty="0" smtClean="0"/>
-              <a:t>那里</a:t>
-            </a:r>
-            <a:endParaRPr lang="en-US" altLang="zh-CN" dirty="0" smtClean="0"/>
-          </a:p>
-          <a:p>
-            <a:pPr marL="914400" lvl="2" indent="0">
-              <a:buNone/>
-            </a:pPr>
-            <a:r>
-              <a:rPr lang="zh-CN" altLang="zh-CN" dirty="0" smtClean="0"/>
-              <a:t>你</a:t>
-            </a:r>
-            <a:r>
-              <a:rPr lang="zh-CN" altLang="zh-CN" dirty="0"/>
-              <a:t>去下断点</a:t>
-            </a:r>
-            <a:r>
-              <a:rPr lang="zh-CN" altLang="zh-CN" dirty="0" smtClean="0"/>
-              <a:t>啊（把</a:t>
-            </a:r>
-            <a:r>
-              <a:rPr lang="zh-CN" altLang="zh-CN" dirty="0"/>
-              <a:t>这条红叉掉）</a:t>
-            </a:r>
-          </a:p>
-          <a:p>
-            <a:r>
-              <a:rPr lang="zh-CN" altLang="zh-CN" dirty="0" smtClean="0"/>
-              <a:t>做</a:t>
-            </a:r>
-            <a:r>
-              <a:rPr lang="zh-CN" altLang="zh-CN" dirty="0"/>
-              <a:t>个</a:t>
-            </a:r>
-            <a:r>
-              <a:rPr lang="zh-CN" altLang="zh-CN" dirty="0" smtClean="0"/>
-              <a:t>工具</a:t>
-            </a:r>
-            <a:endParaRPr lang="en-US" altLang="zh-CN" dirty="0" smtClean="0"/>
-          </a:p>
-          <a:p>
-            <a:r>
-              <a:rPr lang="en-US" altLang="zh-CN" dirty="0" smtClean="0"/>
-              <a:t>It </a:t>
-            </a:r>
-            <a:r>
-              <a:rPr lang="en-US" altLang="zh-CN" dirty="0"/>
-              <a:t>is time to make a change</a:t>
-            </a:r>
-            <a:endParaRPr lang="zh-CN" altLang="zh-CN" dirty="0"/>
           </a:p>
           <a:p>
             <a:endParaRPr lang="zh-CN" altLang="en-US" dirty="0"/>
           </a:p>
         </p:txBody>
       </p:sp>
-      <p:pic>
-        <p:nvPicPr>
-          <p:cNvPr id="4" name="图片 3" descr="https://timgsa.baidu.com/timg?image&amp;quality=80&amp;size=b9999_10000&amp;sec=1515331006140&amp;di=d22d2cf34975c230bc646ef9da6d6e13&amp;imgtype=0&amp;src=http%3A%2F%2Fimgsrc.baidu.com%2Fimgad%2Fpic%2Fitem%2F3c6d55fbb2fb4316bc5014412ba4462309f7d3ba.jpg"/>
-          <p:cNvPicPr/>
-          <p:nvPr/>
-        </p:nvPicPr>
-        <p:blipFill>
-          <a:blip r:embed="rId2">
-            <a:extLst>
-              <a:ext uri="{28A0092B-C50C-407E-A947-70E740481C1C}">
-                <a14:useLocalDpi xmlns:a14="http://schemas.microsoft.com/office/drawing/2010/main" val="0"/>
-              </a:ext>
-            </a:extLst>
-          </a:blip>
-          <a:srcRect/>
-          <a:stretch>
-            <a:fillRect/>
-          </a:stretch>
-        </p:blipFill>
-        <p:spPr bwMode="auto">
-          <a:xfrm>
-            <a:off x="5831343" y="735828"/>
-            <a:ext cx="5274310" cy="5268595"/>
-          </a:xfrm>
-          <a:prstGeom prst="rect">
-            <a:avLst/>
-          </a:prstGeom>
-          <a:noFill/>
-          <a:ln>
-            <a:noFill/>
-          </a:ln>
-        </p:spPr>
-      </p:pic>
     </p:spTree>
     <p:extLst>
       <p:ext uri="{BB962C8B-B14F-4D97-AF65-F5344CB8AC3E}">
-        <p14:creationId xmlns:p14="http://schemas.microsoft.com/office/powerpoint/2010/main" val="1238040828"/>
+        <p14:creationId xmlns:p14="http://schemas.microsoft.com/office/powerpoint/2010/main" val="2187085550"/>
       </p:ext>
     </p:extLst>
   </p:cSld>
@@ -3529,7 +3471,11 @@
           <a:p>
             <a:r>
               <a:rPr lang="en-US" altLang="zh-CN" dirty="0" smtClean="0"/>
-              <a:t>WOW</a:t>
+              <a:t>WOW </a:t>
+            </a:r>
+            <a:r>
+              <a:rPr lang="en-US" altLang="zh-CN" dirty="0" smtClean="0"/>
+              <a:t>x2</a:t>
             </a:r>
             <a:endParaRPr lang="zh-CN" altLang="en-US" dirty="0"/>
           </a:p>
@@ -3550,14 +3496,68 @@
           <a:bodyPr/>
           <a:lstStyle/>
           <a:p>
-            <a:endParaRPr lang="zh-CN" altLang="en-US"/>
+            <a:r>
+              <a:rPr lang="zh-CN" altLang="en-US" dirty="0" smtClean="0"/>
+              <a:t>我们提供了一个简单的</a:t>
+            </a:r>
+            <a:r>
+              <a:rPr lang="en-US" altLang="zh-CN" dirty="0" smtClean="0"/>
+              <a:t>API</a:t>
+            </a:r>
+            <a:r>
+              <a:rPr lang="zh-CN" altLang="en-US" dirty="0" smtClean="0"/>
+              <a:t>，每个人可以方便的共享智能合约源码。</a:t>
+            </a:r>
+            <a:endParaRPr lang="en-US" altLang="zh-CN" dirty="0" smtClean="0"/>
+          </a:p>
+          <a:p>
+            <a:endParaRPr lang="en-US" altLang="zh-CN" dirty="0"/>
+          </a:p>
+          <a:p>
+            <a:r>
+              <a:rPr lang="zh-CN" altLang="en-US" dirty="0" smtClean="0"/>
+              <a:t>我们提供了一个简单的</a:t>
+            </a:r>
+            <a:r>
+              <a:rPr lang="en-US" altLang="zh-CN" dirty="0" smtClean="0"/>
+              <a:t>API</a:t>
+            </a:r>
+            <a:r>
+              <a:rPr lang="zh-CN" altLang="en-US" dirty="0" smtClean="0"/>
+              <a:t>，你不需要运行这个特殊的</a:t>
+            </a:r>
+            <a:r>
+              <a:rPr lang="en-US" altLang="zh-CN" dirty="0" smtClean="0"/>
+              <a:t>NEL NEO GUI</a:t>
+            </a:r>
+          </a:p>
+          <a:p>
+            <a:endParaRPr lang="en-US" altLang="zh-CN" dirty="0"/>
+          </a:p>
+          <a:p>
+            <a:r>
+              <a:rPr lang="zh-CN" altLang="en-US" dirty="0" smtClean="0"/>
+              <a:t>我们还会提供全套</a:t>
+            </a:r>
+            <a:r>
+              <a:rPr lang="en-US" altLang="zh-CN" dirty="0" smtClean="0"/>
+              <a:t>web</a:t>
+            </a:r>
+            <a:r>
+              <a:rPr lang="zh-CN" altLang="en-US" dirty="0" smtClean="0"/>
+              <a:t>版本的工具（在未来）</a:t>
+            </a:r>
+            <a:endParaRPr lang="en-US" altLang="zh-CN" dirty="0" smtClean="0"/>
+          </a:p>
+          <a:p>
+            <a:endParaRPr lang="zh-CN" altLang="en-US" dirty="0"/>
           </a:p>
         </p:txBody>
       </p:sp>
     </p:spTree>
     <p:extLst>
       <p:ext uri="{BB962C8B-B14F-4D97-AF65-F5344CB8AC3E}">
-        <p14:creationId xmlns:p14="http://schemas.microsoft.com/office/powerpoint/2010/main" val="3608433791"/>
+        <p14:creationId xmlns:p14="http://schemas.microsoft.com/office/powerpoint/2010/main" val="129249554"/>
       </p:ext>
     </p:extLst>
   </p:cSld>
@@ -3600,8 +3600,8 @@
           <a:lstStyle/>
           <a:p>
             <a:r>
-              <a:rPr lang="en-US" altLang="zh-CN" dirty="0" smtClean="0"/>
-              <a:t>WOW x2</a:t>
+              <a:rPr lang="zh-CN" altLang="en-US" dirty="0" smtClean="0"/>
+              <a:t>如何得到这些工具</a:t>
             </a:r>
             <a:endParaRPr lang="zh-CN" altLang="en-US" dirty="0"/>
           </a:p>
@@ -3629,7 +3629,7 @@
     </p:spTree>
     <p:extLst>
       <p:ext uri="{BB962C8B-B14F-4D97-AF65-F5344CB8AC3E}">
-        <p14:creationId xmlns:p14="http://schemas.microsoft.com/office/powerpoint/2010/main" val="2187085550"/>
+        <p14:creationId xmlns:p14="http://schemas.microsoft.com/office/powerpoint/2010/main" val="4274428657"/>
       </p:ext>
     </p:extLst>
   </p:cSld>
@@ -3673,7 +3673,11 @@
           <a:p>
             <a:r>
               <a:rPr lang="en-US" altLang="zh-CN" dirty="0" smtClean="0"/>
-              <a:t>WOW x3</a:t>
+              <a:t>NEL </a:t>
+            </a:r>
+            <a:r>
+              <a:rPr lang="zh-CN" altLang="en-US" dirty="0" smtClean="0"/>
+              <a:t>介绍</a:t>
             </a:r>
             <a:endParaRPr lang="zh-CN" altLang="en-US" dirty="0"/>
           </a:p>
@@ -3701,7 +3705,7 @@
     </p:spTree>
     <p:extLst>
       <p:ext uri="{BB962C8B-B14F-4D97-AF65-F5344CB8AC3E}">
-        <p14:creationId xmlns:p14="http://schemas.microsoft.com/office/powerpoint/2010/main" val="129249554"/>
+        <p14:creationId xmlns:p14="http://schemas.microsoft.com/office/powerpoint/2010/main" val="3735930719"/>
       </p:ext>
     </p:extLst>
   </p:cSld>
@@ -3712,154 +3716,6 @@
 </file>
 
 <file path=ppt/slides/slide14.xml><?xml version="1.0" encoding="utf-8"?>
-<p:sld xmlns:a="http://schemas.openxmlformats.org/drawingml/2006/main" xmlns:r="http://schemas.openxmlformats.org/officeDocument/2006/relationships" xmlns:p="http://schemas.openxmlformats.org/presentationml/2006/main">
-  <p:cSld>
-    <p:spTree>
-      <p:nvGrpSpPr>
-        <p:cNvPr id="1" name=""/>
-        <p:cNvGrpSpPr/>
-        <p:nvPr/>
-      </p:nvGrpSpPr>
-      <p:grpSpPr>
-        <a:xfrm>
-          <a:off x="0" y="0"/>
-          <a:ext cx="0" cy="0"/>
-          <a:chOff x="0" y="0"/>
-          <a:chExt cx="0" cy="0"/>
-        </a:xfrm>
-      </p:grpSpPr>
-      <p:sp>
-        <p:nvSpPr>
-          <p:cNvPr id="2" name="标题 1"/>
-          <p:cNvSpPr>
-            <a:spLocks noGrp="1"/>
-          </p:cNvSpPr>
-          <p:nvPr>
-            <p:ph type="title"/>
-          </p:nvPr>
-        </p:nvSpPr>
-        <p:spPr/>
-        <p:txBody>
-          <a:bodyPr/>
-          <a:lstStyle/>
-          <a:p>
-            <a:r>
-              <a:rPr lang="zh-CN" altLang="en-US" dirty="0" smtClean="0"/>
-              <a:t>如何得到这些工具</a:t>
-            </a:r>
-            <a:endParaRPr lang="zh-CN" altLang="en-US" dirty="0"/>
-          </a:p>
-        </p:txBody>
-      </p:sp>
-      <p:sp>
-        <p:nvSpPr>
-          <p:cNvPr id="3" name="内容占位符 2"/>
-          <p:cNvSpPr>
-            <a:spLocks noGrp="1"/>
-          </p:cNvSpPr>
-          <p:nvPr>
-            <p:ph idx="1"/>
-          </p:nvPr>
-        </p:nvSpPr>
-        <p:spPr/>
-        <p:txBody>
-          <a:bodyPr/>
-          <a:lstStyle/>
-          <a:p>
-            <a:endParaRPr lang="zh-CN" altLang="en-US"/>
-          </a:p>
-        </p:txBody>
-      </p:sp>
-    </p:spTree>
-    <p:extLst>
-      <p:ext uri="{BB962C8B-B14F-4D97-AF65-F5344CB8AC3E}">
-        <p14:creationId xmlns:p14="http://schemas.microsoft.com/office/powerpoint/2010/main" val="4274428657"/>
-      </p:ext>
-    </p:extLst>
-  </p:cSld>
-  <p:clrMapOvr>
-    <a:masterClrMapping/>
-  </p:clrMapOvr>
-</p:sld>
-</file>
-
-<file path=ppt/slides/slide15.xml><?xml version="1.0" encoding="utf-8"?>
-<p:sld xmlns:a="http://schemas.openxmlformats.org/drawingml/2006/main" xmlns:r="http://schemas.openxmlformats.org/officeDocument/2006/relationships" xmlns:p="http://schemas.openxmlformats.org/presentationml/2006/main">
-  <p:cSld>
-    <p:spTree>
-      <p:nvGrpSpPr>
-        <p:cNvPr id="1" name=""/>
-        <p:cNvGrpSpPr/>
-        <p:nvPr/>
-      </p:nvGrpSpPr>
-      <p:grpSpPr>
-        <a:xfrm>
-          <a:off x="0" y="0"/>
-          <a:ext cx="0" cy="0"/>
-          <a:chOff x="0" y="0"/>
-          <a:chExt cx="0" cy="0"/>
-        </a:xfrm>
-      </p:grpSpPr>
-      <p:sp>
-        <p:nvSpPr>
-          <p:cNvPr id="2" name="标题 1"/>
-          <p:cNvSpPr>
-            <a:spLocks noGrp="1"/>
-          </p:cNvSpPr>
-          <p:nvPr>
-            <p:ph type="title"/>
-          </p:nvPr>
-        </p:nvSpPr>
-        <p:spPr/>
-        <p:txBody>
-          <a:bodyPr/>
-          <a:lstStyle/>
-          <a:p>
-            <a:r>
-              <a:rPr lang="en-US" altLang="zh-CN" dirty="0" smtClean="0"/>
-              <a:t>NEL </a:t>
-            </a:r>
-            <a:r>
-              <a:rPr lang="zh-CN" altLang="en-US" dirty="0" smtClean="0"/>
-              <a:t>介绍</a:t>
-            </a:r>
-            <a:endParaRPr lang="zh-CN" altLang="en-US" dirty="0"/>
-          </a:p>
-        </p:txBody>
-      </p:sp>
-      <p:sp>
-        <p:nvSpPr>
-          <p:cNvPr id="3" name="内容占位符 2"/>
-          <p:cNvSpPr>
-            <a:spLocks noGrp="1"/>
-          </p:cNvSpPr>
-          <p:nvPr>
-            <p:ph idx="1"/>
-          </p:nvPr>
-        </p:nvSpPr>
-        <p:spPr/>
-        <p:txBody>
-          <a:bodyPr/>
-          <a:lstStyle/>
-          <a:p>
-            <a:endParaRPr lang="zh-CN" altLang="en-US"/>
-          </a:p>
-        </p:txBody>
-      </p:sp>
-    </p:spTree>
-    <p:extLst>
-      <p:ext uri="{BB962C8B-B14F-4D97-AF65-F5344CB8AC3E}">
-        <p14:creationId xmlns:p14="http://schemas.microsoft.com/office/powerpoint/2010/main" val="3735930719"/>
-      </p:ext>
-    </p:extLst>
-  </p:cSld>
-  <p:clrMapOvr>
-    <a:masterClrMapping/>
-  </p:clrMapOvr>
-</p:sld>
-</file>
-
-<file path=ppt/slides/slide16.xml><?xml version="1.0" encoding="utf-8"?>
 <p:sld xmlns:a="http://schemas.openxmlformats.org/drawingml/2006/main" xmlns:r="http://schemas.openxmlformats.org/officeDocument/2006/relationships" xmlns:p="http://schemas.openxmlformats.org/presentationml/2006/main">
   <p:cSld>
     <p:spTree>
@@ -4426,7 +4282,7 @@
           <a:graphicData uri="http://schemas.openxmlformats.org/presentationml/2006/ole">
             <mc:AlternateContent xmlns:mc="http://schemas.openxmlformats.org/markup-compatibility/2006">
               <mc:Choice xmlns:v="urn:schemas-microsoft-com:vml" Requires="v">
-                <p:oleObj spid="_x0000_s1028" r:id="rId4" imgW="5041080" imgH="3949200" progId="">
+                <p:oleObj spid="_x0000_s1030" r:id="rId4" imgW="5041080" imgH="3949200" progId="">
                   <p:embed/>
                 </p:oleObj>
               </mc:Choice>
@@ -4785,7 +4641,7 @@
           <a:graphicData uri="http://schemas.openxmlformats.org/presentationml/2006/ole">
             <mc:AlternateContent xmlns:mc="http://schemas.openxmlformats.org/markup-compatibility/2006">
               <mc:Choice xmlns:v="urn:schemas-microsoft-com:vml" Requires="v">
-                <p:oleObj spid="_x0000_s3075" r:id="rId3" imgW="6170031" imgH="2648207" progId="Unknown">
+                <p:oleObj spid="_x0000_s3077" r:id="rId3" imgW="6170031" imgH="2648207" progId="Unknown">
                   <p:embed/>
                 </p:oleObj>
               </mc:Choice>
@@ -4893,185 +4749,1955 @@
             <p:ph idx="1"/>
           </p:nvPr>
         </p:nvSpPr>
-        <p:spPr/>
+        <p:spPr>
+          <a:xfrm>
+            <a:off x="838200" y="1671037"/>
+            <a:ext cx="5850924" cy="4351338"/>
+          </a:xfrm>
+        </p:spPr>
         <p:txBody>
           <a:bodyPr>
-            <a:normAutofit lnSpcReduction="10000"/>
+            <a:normAutofit/>
           </a:bodyPr>
           <a:lstStyle/>
           <a:p>
             <a:r>
-              <a:rPr lang="zh-CN" altLang="zh-CN" dirty="0"/>
-              <a:t>什么是</a:t>
-            </a:r>
-            <a:r>
-              <a:rPr lang="en-US" altLang="zh-CN" dirty="0"/>
-              <a:t>try</a:t>
-            </a:r>
-            <a:r>
-              <a:rPr lang="zh-CN" altLang="zh-CN" dirty="0"/>
-              <a:t>。</a:t>
-            </a:r>
-            <a:r>
-              <a:rPr lang="en-US" altLang="zh-CN" dirty="0"/>
-              <a:t>make a test</a:t>
-            </a:r>
-            <a:r>
-              <a:rPr lang="zh-CN" altLang="zh-CN" dirty="0"/>
-              <a:t>，</a:t>
-            </a:r>
-            <a:r>
-              <a:rPr lang="en-US" altLang="zh-CN" dirty="0"/>
-              <a:t>and see what we got.</a:t>
-            </a:r>
-            <a:r>
-              <a:rPr lang="zh-CN" altLang="zh-CN" dirty="0"/>
-              <a:t>（不确定翻译的对不对</a:t>
-            </a:r>
-            <a:r>
-              <a:rPr lang="zh-CN" altLang="zh-CN" dirty="0" smtClean="0"/>
-              <a:t>）</a:t>
-            </a:r>
-            <a:endParaRPr lang="en-US" altLang="zh-CN" dirty="0" smtClean="0"/>
-          </a:p>
-          <a:p>
-            <a:r>
               <a:rPr lang="en-US" altLang="zh-CN" dirty="0" smtClean="0"/>
-              <a:t>How to try</a:t>
-            </a:r>
-            <a:r>
-              <a:rPr lang="zh-CN" altLang="en-US" dirty="0" smtClean="0"/>
-              <a:t>？</a:t>
-            </a:r>
-            <a:endParaRPr lang="en-US" altLang="zh-CN" dirty="0" smtClean="0"/>
+              <a:t>Adjust and try</a:t>
+            </a:r>
           </a:p>
           <a:p>
             <a:pPr lvl="1"/>
             <a:r>
-              <a:rPr lang="zh-CN" altLang="zh-CN" dirty="0" smtClean="0"/>
-              <a:t>鉴</a:t>
-            </a:r>
-            <a:r>
-              <a:rPr lang="zh-CN" altLang="zh-CN" dirty="0"/>
-              <a:t>权合约（</a:t>
-            </a:r>
-            <a:r>
-              <a:rPr lang="zh-CN" altLang="zh-CN" dirty="0" smtClean="0"/>
-              <a:t>转账</a:t>
-            </a:r>
-            <a:r>
-              <a:rPr lang="zh-CN" altLang="en-US" dirty="0" smtClean="0"/>
-              <a:t>，忽略</a:t>
-            </a:r>
-            <a:r>
-              <a:rPr lang="zh-CN" altLang="zh-CN" dirty="0" smtClean="0"/>
-              <a:t>）</a:t>
+              <a:rPr lang="en-US" altLang="zh-CN" dirty="0" smtClean="0"/>
+              <a:t>1.Fix code</a:t>
+            </a:r>
+          </a:p>
+          <a:p>
+            <a:pPr lvl="1"/>
+            <a:r>
+              <a:rPr lang="en-US" altLang="zh-CN" dirty="0" smtClean="0"/>
+              <a:t>2.Compile 2 </a:t>
+            </a:r>
+            <a:r>
+              <a:rPr lang="en-US" altLang="zh-CN" dirty="0" err="1" smtClean="0"/>
+              <a:t>dotnet</a:t>
             </a:r>
             <a:r>
               <a:rPr lang="en-US" altLang="zh-CN" dirty="0" smtClean="0"/>
               <a:t> </a:t>
             </a:r>
-            <a:endParaRPr lang="zh-CN" altLang="zh-CN" dirty="0"/>
+            <a:r>
+              <a:rPr lang="en-US" altLang="zh-CN" dirty="0" err="1" smtClean="0"/>
+              <a:t>dll</a:t>
+            </a:r>
+            <a:endParaRPr lang="en-US" altLang="zh-CN" dirty="0" smtClean="0"/>
           </a:p>
           <a:p>
             <a:pPr lvl="1"/>
             <a:r>
               <a:rPr lang="en-US" altLang="zh-CN" dirty="0" smtClean="0"/>
-              <a:t>Hit Test button</a:t>
+              <a:t>3.Compile 2 AVM</a:t>
             </a:r>
           </a:p>
           <a:p>
             <a:pPr lvl="1"/>
             <a:r>
-              <a:rPr lang="zh-CN" altLang="en-US" dirty="0" smtClean="0"/>
-              <a:t>发起智能合约交易</a:t>
-            </a:r>
-            <a:endParaRPr lang="en-US" altLang="zh-CN" dirty="0" smtClean="0"/>
-          </a:p>
-          <a:p>
-            <a:r>
               <a:rPr lang="en-US" altLang="zh-CN" dirty="0" smtClean="0"/>
-              <a:t>See What</a:t>
-            </a:r>
-            <a:r>
-              <a:rPr lang="zh-CN" altLang="en-US" dirty="0" smtClean="0"/>
-              <a:t>？</a:t>
-            </a:r>
-            <a:endParaRPr lang="en-US" altLang="zh-CN" dirty="0" smtClean="0"/>
+              <a:t>4.Depoly a contract</a:t>
+            </a:r>
           </a:p>
           <a:p>
             <a:pPr lvl="1"/>
             <a:r>
-              <a:rPr lang="zh-CN" altLang="en-US" dirty="0" smtClean="0"/>
-              <a:t>判断</a:t>
-            </a:r>
-            <a:r>
               <a:rPr lang="en-US" altLang="zh-CN" dirty="0" smtClean="0"/>
-              <a:t>storage </a:t>
-            </a:r>
-            <a:r>
-              <a:rPr lang="zh-CN" altLang="en-US" dirty="0" smtClean="0"/>
-              <a:t>变没变？怎么判断</a:t>
+              <a:t>5.Send Invok</a:t>
             </a:r>
             <a:r>
               <a:rPr lang="en-US" altLang="zh-CN" dirty="0" smtClean="0"/>
-              <a:t>storage</a:t>
+              <a:t>e Transaction</a:t>
             </a:r>
           </a:p>
           <a:p>
             <a:pPr lvl="1"/>
             <a:r>
-              <a:rPr lang="zh-CN" altLang="en-US" dirty="0" smtClean="0"/>
-              <a:t>判断</a:t>
-            </a:r>
-            <a:r>
               <a:rPr lang="en-US" altLang="zh-CN" dirty="0" smtClean="0"/>
-              <a:t>notify</a:t>
-            </a:r>
-            <a:r>
-              <a:rPr lang="zh-CN" altLang="en-US" dirty="0" smtClean="0"/>
-              <a:t>收到还是没收到</a:t>
-            </a:r>
-            <a:endParaRPr lang="en-US" altLang="zh-CN" dirty="0" smtClean="0"/>
-          </a:p>
-          <a:p>
-            <a:pPr lvl="1"/>
-            <a:r>
-              <a:rPr lang="zh-CN" altLang="en-US" dirty="0"/>
-              <a:t>加</a:t>
-            </a:r>
-            <a:r>
-              <a:rPr lang="zh-CN" altLang="en-US" dirty="0" smtClean="0"/>
-              <a:t>个</a:t>
-            </a:r>
-            <a:r>
-              <a:rPr lang="en-US" altLang="zh-CN" dirty="0" smtClean="0"/>
-              <a:t>log</a:t>
-            </a:r>
-            <a:r>
-              <a:rPr lang="zh-CN" altLang="en-US" dirty="0" smtClean="0"/>
-              <a:t>看一看</a:t>
-            </a:r>
-            <a:endParaRPr lang="en-US" altLang="zh-CN" dirty="0" smtClean="0"/>
-          </a:p>
-          <a:p>
-            <a:pPr lvl="1"/>
-            <a:r>
-              <a:rPr lang="zh-CN" altLang="en-US" dirty="0" smtClean="0"/>
-              <a:t>模拟执行一下合约（</a:t>
+              <a:t>6.And? We got A </a:t>
             </a:r>
             <a:r>
               <a:rPr lang="en-US" altLang="zh-CN" dirty="0" err="1" smtClean="0"/>
-              <a:t>neondebug</a:t>
-            </a:r>
-            <a:r>
-              <a:rPr lang="zh-CN" altLang="en-US" dirty="0" smtClean="0"/>
-              <a:t>，隔着靴子搔痒）</a:t>
+              <a:t>BlackHole</a:t>
             </a:r>
             <a:endParaRPr lang="en-US" altLang="zh-CN" dirty="0" smtClean="0"/>
           </a:p>
         </p:txBody>
       </p:sp>
+      <p:grpSp>
+        <p:nvGrpSpPr>
+          <p:cNvPr id="24" name="组合 23"/>
+          <p:cNvGrpSpPr/>
+          <p:nvPr/>
+        </p:nvGrpSpPr>
+        <p:grpSpPr>
+          <a:xfrm>
+            <a:off x="6494599" y="1446656"/>
+            <a:ext cx="4099527" cy="4342972"/>
+            <a:chOff x="6494599" y="1446656"/>
+            <a:chExt cx="4099527" cy="4342972"/>
+          </a:xfrm>
+        </p:grpSpPr>
+        <p:pic>
+          <p:nvPicPr>
+            <p:cNvPr id="6" name="图片 5" descr="https://timgsa.baidu.com/timg?image&amp;quality=80&amp;size=b9999_10000&amp;sec=1515330505370&amp;di=395663ae44b58152aad8bf1fcdc24591&amp;imgtype=0&amp;src=http%3A%2F%2Fimg1.gtimg.com%2Fhebei%2Fpics%2Fhv1%2F239%2F164%2F2188%2F142316759.jpg"/>
+            <p:cNvPicPr/>
+            <p:nvPr/>
+          </p:nvPicPr>
+          <p:blipFill>
+            <a:blip r:embed="rId2" cstate="print">
+              <a:extLst>
+                <a:ext uri="{28A0092B-C50C-407E-A947-70E740481C1C}">
+                  <a14:useLocalDpi xmlns:a14="http://schemas.microsoft.com/office/drawing/2010/main" val="0"/>
+                </a:ext>
+              </a:extLst>
+            </a:blip>
+            <a:srcRect/>
+            <a:stretch>
+              <a:fillRect/>
+            </a:stretch>
+          </p:blipFill>
+          <p:spPr bwMode="auto">
+            <a:xfrm>
+              <a:off x="6494599" y="2479087"/>
+              <a:ext cx="1471484" cy="980930"/>
+            </a:xfrm>
+            <a:prstGeom prst="rect">
+              <a:avLst/>
+            </a:prstGeom>
+            <a:noFill/>
+            <a:ln>
+              <a:noFill/>
+            </a:ln>
+          </p:spPr>
+        </p:pic>
+        <p:sp>
+          <p:nvSpPr>
+            <p:cNvPr id="8" name="任意多边形 7"/>
+            <p:cNvSpPr/>
+            <p:nvPr/>
+          </p:nvSpPr>
+          <p:spPr>
+            <a:xfrm>
+              <a:off x="8099093" y="1446656"/>
+              <a:ext cx="1083749" cy="1083749"/>
+            </a:xfrm>
+            <a:custGeom>
+              <a:avLst/>
+              <a:gdLst>
+                <a:gd name="connsiteX0" fmla="*/ 0 w 1083749"/>
+                <a:gd name="connsiteY0" fmla="*/ 541875 h 1083749"/>
+                <a:gd name="connsiteX1" fmla="*/ 541875 w 1083749"/>
+                <a:gd name="connsiteY1" fmla="*/ 0 h 1083749"/>
+                <a:gd name="connsiteX2" fmla="*/ 1083750 w 1083749"/>
+                <a:gd name="connsiteY2" fmla="*/ 541875 h 1083749"/>
+                <a:gd name="connsiteX3" fmla="*/ 541875 w 1083749"/>
+                <a:gd name="connsiteY3" fmla="*/ 1083750 h 1083749"/>
+                <a:gd name="connsiteX4" fmla="*/ 0 w 1083749"/>
+                <a:gd name="connsiteY4" fmla="*/ 541875 h 1083749"/>
+              </a:gdLst>
+              <a:ahLst/>
+              <a:cxnLst>
+                <a:cxn ang="0">
+                  <a:pos x="connsiteX0" y="connsiteY0"/>
+                </a:cxn>
+                <a:cxn ang="0">
+                  <a:pos x="connsiteX1" y="connsiteY1"/>
+                </a:cxn>
+                <a:cxn ang="0">
+                  <a:pos x="connsiteX2" y="connsiteY2"/>
+                </a:cxn>
+                <a:cxn ang="0">
+                  <a:pos x="connsiteX3" y="connsiteY3"/>
+                </a:cxn>
+                <a:cxn ang="0">
+                  <a:pos x="connsiteX4" y="connsiteY4"/>
+                </a:cxn>
+              </a:cxnLst>
+              <a:rect l="l" t="t" r="r" b="b"/>
+              <a:pathLst>
+                <a:path w="1083749" h="1083749">
+                  <a:moveTo>
+                    <a:pt x="0" y="541875"/>
+                  </a:moveTo>
+                  <a:cubicBezTo>
+                    <a:pt x="0" y="242606"/>
+                    <a:pt x="242606" y="0"/>
+                    <a:pt x="541875" y="0"/>
+                  </a:cubicBezTo>
+                  <a:cubicBezTo>
+                    <a:pt x="841144" y="0"/>
+                    <a:pt x="1083750" y="242606"/>
+                    <a:pt x="1083750" y="541875"/>
+                  </a:cubicBezTo>
+                  <a:cubicBezTo>
+                    <a:pt x="1083750" y="841144"/>
+                    <a:pt x="841144" y="1083750"/>
+                    <a:pt x="541875" y="1083750"/>
+                  </a:cubicBezTo>
+                  <a:cubicBezTo>
+                    <a:pt x="242606" y="1083750"/>
+                    <a:pt x="0" y="841144"/>
+                    <a:pt x="0" y="541875"/>
+                  </a:cubicBezTo>
+                  <a:close/>
+                </a:path>
+              </a:pathLst>
+            </a:custGeom>
+          </p:spPr>
+          <p:style>
+            <a:lnRef idx="0">
+              <a:schemeClr val="lt1">
+                <a:hueOff val="0"/>
+                <a:satOff val="0"/>
+                <a:lumOff val="0"/>
+                <a:alphaOff val="0"/>
+              </a:schemeClr>
+            </a:lnRef>
+            <a:fillRef idx="3">
+              <a:schemeClr val="accent6">
+                <a:alpha val="90000"/>
+                <a:hueOff val="0"/>
+                <a:satOff val="0"/>
+                <a:lumOff val="0"/>
+                <a:alphaOff val="0"/>
+              </a:schemeClr>
+            </a:fillRef>
+            <a:effectRef idx="3">
+              <a:schemeClr val="accent6">
+                <a:alpha val="90000"/>
+                <a:hueOff val="0"/>
+                <a:satOff val="0"/>
+                <a:lumOff val="0"/>
+                <a:alphaOff val="0"/>
+              </a:schemeClr>
+            </a:effectRef>
+            <a:fontRef idx="minor">
+              <a:schemeClr val="lt1"/>
+            </a:fontRef>
+          </p:style>
+          <p:txBody>
+            <a:bodyPr spcFirstLastPara="0" vert="horz" wrap="square" lIns="173951" tIns="173951" rIns="173951" bIns="173951" numCol="1" spcCol="1270" anchor="ctr" anchorCtr="0">
+              <a:noAutofit/>
+            </a:bodyPr>
+            <a:lstStyle/>
+            <a:p>
+              <a:pPr lvl="0" algn="ctr" defTabSz="533400">
+                <a:lnSpc>
+                  <a:spcPct val="90000"/>
+                </a:lnSpc>
+                <a:spcBef>
+                  <a:spcPct val="0"/>
+                </a:spcBef>
+                <a:spcAft>
+                  <a:spcPct val="35000"/>
+                </a:spcAft>
+              </a:pPr>
+              <a:r>
+                <a:rPr lang="en-US" altLang="zh-CN" sz="1200" kern="1200" dirty="0" smtClean="0"/>
+                <a:t>SC </a:t>
+              </a:r>
+              <a:r>
+                <a:rPr lang="en-US" altLang="zh-CN" sz="1200" kern="1200" dirty="0"/>
+                <a:t>source code</a:t>
+              </a:r>
+              <a:endParaRPr lang="zh-CN" altLang="en-US" sz="1200" kern="1200" dirty="0"/>
+            </a:p>
+          </p:txBody>
+        </p:sp>
+        <p:sp>
+          <p:nvSpPr>
+            <p:cNvPr id="9" name="任意多边形 8"/>
+            <p:cNvSpPr/>
+            <p:nvPr/>
+          </p:nvSpPr>
+          <p:spPr>
+            <a:xfrm rot="1800000">
+              <a:off x="9194866" y="2208957"/>
+              <a:ext cx="289306" cy="365765"/>
+            </a:xfrm>
+            <a:custGeom>
+              <a:avLst/>
+              <a:gdLst>
+                <a:gd name="connsiteX0" fmla="*/ 0 w 289306"/>
+                <a:gd name="connsiteY0" fmla="*/ 73153 h 365765"/>
+                <a:gd name="connsiteX1" fmla="*/ 144653 w 289306"/>
+                <a:gd name="connsiteY1" fmla="*/ 73153 h 365765"/>
+                <a:gd name="connsiteX2" fmla="*/ 144653 w 289306"/>
+                <a:gd name="connsiteY2" fmla="*/ 0 h 365765"/>
+                <a:gd name="connsiteX3" fmla="*/ 289306 w 289306"/>
+                <a:gd name="connsiteY3" fmla="*/ 182883 h 365765"/>
+                <a:gd name="connsiteX4" fmla="*/ 144653 w 289306"/>
+                <a:gd name="connsiteY4" fmla="*/ 365765 h 365765"/>
+                <a:gd name="connsiteX5" fmla="*/ 144653 w 289306"/>
+                <a:gd name="connsiteY5" fmla="*/ 292612 h 365765"/>
+                <a:gd name="connsiteX6" fmla="*/ 0 w 289306"/>
+                <a:gd name="connsiteY6" fmla="*/ 292612 h 365765"/>
+                <a:gd name="connsiteX7" fmla="*/ 0 w 289306"/>
+                <a:gd name="connsiteY7" fmla="*/ 73153 h 365765"/>
+              </a:gdLst>
+              <a:ahLst/>
+              <a:cxnLst>
+                <a:cxn ang="0">
+                  <a:pos x="connsiteX0" y="connsiteY0"/>
+                </a:cxn>
+                <a:cxn ang="0">
+                  <a:pos x="connsiteX1" y="connsiteY1"/>
+                </a:cxn>
+                <a:cxn ang="0">
+                  <a:pos x="connsiteX2" y="connsiteY2"/>
+                </a:cxn>
+                <a:cxn ang="0">
+                  <a:pos x="connsiteX3" y="connsiteY3"/>
+                </a:cxn>
+                <a:cxn ang="0">
+                  <a:pos x="connsiteX4" y="connsiteY4"/>
+                </a:cxn>
+                <a:cxn ang="0">
+                  <a:pos x="connsiteX5" y="connsiteY5"/>
+                </a:cxn>
+                <a:cxn ang="0">
+                  <a:pos x="connsiteX6" y="connsiteY6"/>
+                </a:cxn>
+                <a:cxn ang="0">
+                  <a:pos x="connsiteX7" y="connsiteY7"/>
+                </a:cxn>
+              </a:cxnLst>
+              <a:rect l="l" t="t" r="r" b="b"/>
+              <a:pathLst>
+                <a:path w="289306" h="365765">
+                  <a:moveTo>
+                    <a:pt x="0" y="73153"/>
+                  </a:moveTo>
+                  <a:lnTo>
+                    <a:pt x="144653" y="73153"/>
+                  </a:lnTo>
+                  <a:lnTo>
+                    <a:pt x="144653" y="0"/>
+                  </a:lnTo>
+                  <a:lnTo>
+                    <a:pt x="289306" y="182883"/>
+                  </a:lnTo>
+                  <a:lnTo>
+                    <a:pt x="144653" y="365765"/>
+                  </a:lnTo>
+                  <a:lnTo>
+                    <a:pt x="144653" y="292612"/>
+                  </a:lnTo>
+                  <a:lnTo>
+                    <a:pt x="0" y="292612"/>
+                  </a:lnTo>
+                  <a:lnTo>
+                    <a:pt x="0" y="73153"/>
+                  </a:lnTo>
+                  <a:close/>
+                </a:path>
+              </a:pathLst>
+            </a:custGeom>
+          </p:spPr>
+          <p:style>
+            <a:lnRef idx="0">
+              <a:schemeClr val="accent6">
+                <a:shade val="90000"/>
+                <a:hueOff val="0"/>
+                <a:satOff val="0"/>
+                <a:lumOff val="0"/>
+                <a:alphaOff val="0"/>
+              </a:schemeClr>
+            </a:lnRef>
+            <a:fillRef idx="3">
+              <a:schemeClr val="accent6">
+                <a:shade val="90000"/>
+                <a:hueOff val="0"/>
+                <a:satOff val="0"/>
+                <a:lumOff val="0"/>
+                <a:alphaOff val="0"/>
+              </a:schemeClr>
+            </a:fillRef>
+            <a:effectRef idx="3">
+              <a:schemeClr val="accent6">
+                <a:shade val="90000"/>
+                <a:hueOff val="0"/>
+                <a:satOff val="0"/>
+                <a:lumOff val="0"/>
+                <a:alphaOff val="0"/>
+              </a:schemeClr>
+            </a:effectRef>
+            <a:fontRef idx="minor">
+              <a:schemeClr val="lt1"/>
+            </a:fontRef>
+          </p:style>
+          <p:txBody>
+            <a:bodyPr spcFirstLastPara="0" vert="horz" wrap="square" lIns="0" tIns="73152" rIns="86791" bIns="73153" numCol="1" spcCol="1270" anchor="ctr" anchorCtr="0">
+              <a:noAutofit/>
+            </a:bodyPr>
+            <a:lstStyle/>
+            <a:p>
+              <a:pPr lvl="0" algn="ctr" defTabSz="488950">
+                <a:lnSpc>
+                  <a:spcPct val="90000"/>
+                </a:lnSpc>
+                <a:spcBef>
+                  <a:spcPct val="0"/>
+                </a:spcBef>
+                <a:spcAft>
+                  <a:spcPct val="35000"/>
+                </a:spcAft>
+              </a:pPr>
+              <a:endParaRPr lang="zh-CN" altLang="en-US" sz="1100" kern="1200"/>
+            </a:p>
+          </p:txBody>
+        </p:sp>
+        <p:sp>
+          <p:nvSpPr>
+            <p:cNvPr id="10" name="任意多边形 9"/>
+            <p:cNvSpPr/>
+            <p:nvPr/>
+          </p:nvSpPr>
+          <p:spPr>
+            <a:xfrm>
+              <a:off x="9510377" y="2261462"/>
+              <a:ext cx="1083749" cy="1083749"/>
+            </a:xfrm>
+            <a:custGeom>
+              <a:avLst/>
+              <a:gdLst>
+                <a:gd name="connsiteX0" fmla="*/ 0 w 1083749"/>
+                <a:gd name="connsiteY0" fmla="*/ 541875 h 1083749"/>
+                <a:gd name="connsiteX1" fmla="*/ 541875 w 1083749"/>
+                <a:gd name="connsiteY1" fmla="*/ 0 h 1083749"/>
+                <a:gd name="connsiteX2" fmla="*/ 1083750 w 1083749"/>
+                <a:gd name="connsiteY2" fmla="*/ 541875 h 1083749"/>
+                <a:gd name="connsiteX3" fmla="*/ 541875 w 1083749"/>
+                <a:gd name="connsiteY3" fmla="*/ 1083750 h 1083749"/>
+                <a:gd name="connsiteX4" fmla="*/ 0 w 1083749"/>
+                <a:gd name="connsiteY4" fmla="*/ 541875 h 1083749"/>
+              </a:gdLst>
+              <a:ahLst/>
+              <a:cxnLst>
+                <a:cxn ang="0">
+                  <a:pos x="connsiteX0" y="connsiteY0"/>
+                </a:cxn>
+                <a:cxn ang="0">
+                  <a:pos x="connsiteX1" y="connsiteY1"/>
+                </a:cxn>
+                <a:cxn ang="0">
+                  <a:pos x="connsiteX2" y="connsiteY2"/>
+                </a:cxn>
+                <a:cxn ang="0">
+                  <a:pos x="connsiteX3" y="connsiteY3"/>
+                </a:cxn>
+                <a:cxn ang="0">
+                  <a:pos x="connsiteX4" y="connsiteY4"/>
+                </a:cxn>
+              </a:cxnLst>
+              <a:rect l="l" t="t" r="r" b="b"/>
+              <a:pathLst>
+                <a:path w="1083749" h="1083749">
+                  <a:moveTo>
+                    <a:pt x="0" y="541875"/>
+                  </a:moveTo>
+                  <a:cubicBezTo>
+                    <a:pt x="0" y="242606"/>
+                    <a:pt x="242606" y="0"/>
+                    <a:pt x="541875" y="0"/>
+                  </a:cubicBezTo>
+                  <a:cubicBezTo>
+                    <a:pt x="841144" y="0"/>
+                    <a:pt x="1083750" y="242606"/>
+                    <a:pt x="1083750" y="541875"/>
+                  </a:cubicBezTo>
+                  <a:cubicBezTo>
+                    <a:pt x="1083750" y="841144"/>
+                    <a:pt x="841144" y="1083750"/>
+                    <a:pt x="541875" y="1083750"/>
+                  </a:cubicBezTo>
+                  <a:cubicBezTo>
+                    <a:pt x="242606" y="1083750"/>
+                    <a:pt x="0" y="841144"/>
+                    <a:pt x="0" y="541875"/>
+                  </a:cubicBezTo>
+                  <a:close/>
+                </a:path>
+              </a:pathLst>
+            </a:custGeom>
+          </p:spPr>
+          <p:style>
+            <a:lnRef idx="0">
+              <a:schemeClr val="lt1">
+                <a:hueOff val="0"/>
+                <a:satOff val="0"/>
+                <a:lumOff val="0"/>
+                <a:alphaOff val="0"/>
+              </a:schemeClr>
+            </a:lnRef>
+            <a:fillRef idx="3">
+              <a:schemeClr val="accent6">
+                <a:alpha val="90000"/>
+                <a:hueOff val="0"/>
+                <a:satOff val="0"/>
+                <a:lumOff val="0"/>
+                <a:alphaOff val="-8000"/>
+              </a:schemeClr>
+            </a:fillRef>
+            <a:effectRef idx="3">
+              <a:schemeClr val="accent6">
+                <a:alpha val="90000"/>
+                <a:hueOff val="0"/>
+                <a:satOff val="0"/>
+                <a:lumOff val="0"/>
+                <a:alphaOff val="-8000"/>
+              </a:schemeClr>
+            </a:effectRef>
+            <a:fontRef idx="minor">
+              <a:schemeClr val="lt1"/>
+            </a:fontRef>
+          </p:style>
+          <p:txBody>
+            <a:bodyPr spcFirstLastPara="0" vert="horz" wrap="square" lIns="173951" tIns="173951" rIns="173951" bIns="173951" numCol="1" spcCol="1270" anchor="ctr" anchorCtr="0">
+              <a:noAutofit/>
+            </a:bodyPr>
+            <a:lstStyle/>
+            <a:p>
+              <a:pPr lvl="0" algn="ctr" defTabSz="533400">
+                <a:lnSpc>
+                  <a:spcPct val="90000"/>
+                </a:lnSpc>
+                <a:spcBef>
+                  <a:spcPct val="0"/>
+                </a:spcBef>
+                <a:spcAft>
+                  <a:spcPct val="35000"/>
+                </a:spcAft>
+              </a:pPr>
+              <a:r>
+                <a:rPr lang="en-US" altLang="zh-CN" sz="1200" kern="1200" dirty="0" smtClean="0"/>
+                <a:t>Compile to </a:t>
+              </a:r>
+              <a:r>
+                <a:rPr lang="en-US" altLang="zh-CN" sz="1200" kern="1200" dirty="0" err="1" smtClean="0"/>
+                <a:t>Dotnet</a:t>
+              </a:r>
+              <a:r>
+                <a:rPr lang="en-US" altLang="zh-CN" sz="1200" kern="1200" dirty="0" smtClean="0"/>
+                <a:t> DLL</a:t>
+              </a:r>
+              <a:endParaRPr lang="zh-CN" altLang="en-US" sz="1200" kern="1200" dirty="0"/>
+            </a:p>
+          </p:txBody>
+        </p:sp>
+        <p:sp>
+          <p:nvSpPr>
+            <p:cNvPr id="11" name="任意多边形 10"/>
+            <p:cNvSpPr/>
+            <p:nvPr/>
+          </p:nvSpPr>
+          <p:spPr>
+            <a:xfrm rot="5400000">
+              <a:off x="9907599" y="3427072"/>
+              <a:ext cx="289306" cy="365765"/>
+            </a:xfrm>
+            <a:custGeom>
+              <a:avLst/>
+              <a:gdLst>
+                <a:gd name="connsiteX0" fmla="*/ 0 w 289306"/>
+                <a:gd name="connsiteY0" fmla="*/ 73153 h 365765"/>
+                <a:gd name="connsiteX1" fmla="*/ 144653 w 289306"/>
+                <a:gd name="connsiteY1" fmla="*/ 73153 h 365765"/>
+                <a:gd name="connsiteX2" fmla="*/ 144653 w 289306"/>
+                <a:gd name="connsiteY2" fmla="*/ 0 h 365765"/>
+                <a:gd name="connsiteX3" fmla="*/ 289306 w 289306"/>
+                <a:gd name="connsiteY3" fmla="*/ 182883 h 365765"/>
+                <a:gd name="connsiteX4" fmla="*/ 144653 w 289306"/>
+                <a:gd name="connsiteY4" fmla="*/ 365765 h 365765"/>
+                <a:gd name="connsiteX5" fmla="*/ 144653 w 289306"/>
+                <a:gd name="connsiteY5" fmla="*/ 292612 h 365765"/>
+                <a:gd name="connsiteX6" fmla="*/ 0 w 289306"/>
+                <a:gd name="connsiteY6" fmla="*/ 292612 h 365765"/>
+                <a:gd name="connsiteX7" fmla="*/ 0 w 289306"/>
+                <a:gd name="connsiteY7" fmla="*/ 73153 h 365765"/>
+              </a:gdLst>
+              <a:ahLst/>
+              <a:cxnLst>
+                <a:cxn ang="0">
+                  <a:pos x="connsiteX0" y="connsiteY0"/>
+                </a:cxn>
+                <a:cxn ang="0">
+                  <a:pos x="connsiteX1" y="connsiteY1"/>
+                </a:cxn>
+                <a:cxn ang="0">
+                  <a:pos x="connsiteX2" y="connsiteY2"/>
+                </a:cxn>
+                <a:cxn ang="0">
+                  <a:pos x="connsiteX3" y="connsiteY3"/>
+                </a:cxn>
+                <a:cxn ang="0">
+                  <a:pos x="connsiteX4" y="connsiteY4"/>
+                </a:cxn>
+                <a:cxn ang="0">
+                  <a:pos x="connsiteX5" y="connsiteY5"/>
+                </a:cxn>
+                <a:cxn ang="0">
+                  <a:pos x="connsiteX6" y="connsiteY6"/>
+                </a:cxn>
+                <a:cxn ang="0">
+                  <a:pos x="connsiteX7" y="connsiteY7"/>
+                </a:cxn>
+              </a:cxnLst>
+              <a:rect l="l" t="t" r="r" b="b"/>
+              <a:pathLst>
+                <a:path w="289306" h="365765">
+                  <a:moveTo>
+                    <a:pt x="0" y="73153"/>
+                  </a:moveTo>
+                  <a:lnTo>
+                    <a:pt x="144653" y="73153"/>
+                  </a:lnTo>
+                  <a:lnTo>
+                    <a:pt x="144653" y="0"/>
+                  </a:lnTo>
+                  <a:lnTo>
+                    <a:pt x="289306" y="182883"/>
+                  </a:lnTo>
+                  <a:lnTo>
+                    <a:pt x="144653" y="365765"/>
+                  </a:lnTo>
+                  <a:lnTo>
+                    <a:pt x="144653" y="292612"/>
+                  </a:lnTo>
+                  <a:lnTo>
+                    <a:pt x="0" y="292612"/>
+                  </a:lnTo>
+                  <a:lnTo>
+                    <a:pt x="0" y="73153"/>
+                  </a:lnTo>
+                  <a:close/>
+                </a:path>
+              </a:pathLst>
+            </a:custGeom>
+          </p:spPr>
+          <p:style>
+            <a:lnRef idx="0">
+              <a:schemeClr val="accent6">
+                <a:shade val="90000"/>
+                <a:hueOff val="75974"/>
+                <a:satOff val="-3035"/>
+                <a:lumOff val="7038"/>
+                <a:alphaOff val="0"/>
+              </a:schemeClr>
+            </a:lnRef>
+            <a:fillRef idx="3">
+              <a:schemeClr val="accent6">
+                <a:shade val="90000"/>
+                <a:hueOff val="75974"/>
+                <a:satOff val="-3035"/>
+                <a:lumOff val="7038"/>
+                <a:alphaOff val="0"/>
+              </a:schemeClr>
+            </a:fillRef>
+            <a:effectRef idx="3">
+              <a:schemeClr val="accent6">
+                <a:shade val="90000"/>
+                <a:hueOff val="75974"/>
+                <a:satOff val="-3035"/>
+                <a:lumOff val="7038"/>
+                <a:alphaOff val="0"/>
+              </a:schemeClr>
+            </a:effectRef>
+            <a:fontRef idx="minor">
+              <a:schemeClr val="lt1"/>
+            </a:fontRef>
+          </p:style>
+          <p:txBody>
+            <a:bodyPr spcFirstLastPara="0" vert="horz" wrap="square" lIns="0" tIns="73152" rIns="86791" bIns="73153" numCol="1" spcCol="1270" anchor="ctr" anchorCtr="0">
+              <a:noAutofit/>
+            </a:bodyPr>
+            <a:lstStyle/>
+            <a:p>
+              <a:pPr lvl="0" algn="ctr" defTabSz="488950">
+                <a:lnSpc>
+                  <a:spcPct val="90000"/>
+                </a:lnSpc>
+                <a:spcBef>
+                  <a:spcPct val="0"/>
+                </a:spcBef>
+                <a:spcAft>
+                  <a:spcPct val="35000"/>
+                </a:spcAft>
+              </a:pPr>
+              <a:endParaRPr lang="zh-CN" altLang="en-US" sz="1100" kern="1200"/>
+            </a:p>
+          </p:txBody>
+        </p:sp>
+        <p:sp>
+          <p:nvSpPr>
+            <p:cNvPr id="12" name="任意多边形 11"/>
+            <p:cNvSpPr/>
+            <p:nvPr/>
+          </p:nvSpPr>
+          <p:spPr>
+            <a:xfrm>
+              <a:off x="9510377" y="3891073"/>
+              <a:ext cx="1083749" cy="1083749"/>
+            </a:xfrm>
+            <a:custGeom>
+              <a:avLst/>
+              <a:gdLst>
+                <a:gd name="connsiteX0" fmla="*/ 0 w 1083749"/>
+                <a:gd name="connsiteY0" fmla="*/ 541875 h 1083749"/>
+                <a:gd name="connsiteX1" fmla="*/ 541875 w 1083749"/>
+                <a:gd name="connsiteY1" fmla="*/ 0 h 1083749"/>
+                <a:gd name="connsiteX2" fmla="*/ 1083750 w 1083749"/>
+                <a:gd name="connsiteY2" fmla="*/ 541875 h 1083749"/>
+                <a:gd name="connsiteX3" fmla="*/ 541875 w 1083749"/>
+                <a:gd name="connsiteY3" fmla="*/ 1083750 h 1083749"/>
+                <a:gd name="connsiteX4" fmla="*/ 0 w 1083749"/>
+                <a:gd name="connsiteY4" fmla="*/ 541875 h 1083749"/>
+              </a:gdLst>
+              <a:ahLst/>
+              <a:cxnLst>
+                <a:cxn ang="0">
+                  <a:pos x="connsiteX0" y="connsiteY0"/>
+                </a:cxn>
+                <a:cxn ang="0">
+                  <a:pos x="connsiteX1" y="connsiteY1"/>
+                </a:cxn>
+                <a:cxn ang="0">
+                  <a:pos x="connsiteX2" y="connsiteY2"/>
+                </a:cxn>
+                <a:cxn ang="0">
+                  <a:pos x="connsiteX3" y="connsiteY3"/>
+                </a:cxn>
+                <a:cxn ang="0">
+                  <a:pos x="connsiteX4" y="connsiteY4"/>
+                </a:cxn>
+              </a:cxnLst>
+              <a:rect l="l" t="t" r="r" b="b"/>
+              <a:pathLst>
+                <a:path w="1083749" h="1083749">
+                  <a:moveTo>
+                    <a:pt x="0" y="541875"/>
+                  </a:moveTo>
+                  <a:cubicBezTo>
+                    <a:pt x="0" y="242606"/>
+                    <a:pt x="242606" y="0"/>
+                    <a:pt x="541875" y="0"/>
+                  </a:cubicBezTo>
+                  <a:cubicBezTo>
+                    <a:pt x="841144" y="0"/>
+                    <a:pt x="1083750" y="242606"/>
+                    <a:pt x="1083750" y="541875"/>
+                  </a:cubicBezTo>
+                  <a:cubicBezTo>
+                    <a:pt x="1083750" y="841144"/>
+                    <a:pt x="841144" y="1083750"/>
+                    <a:pt x="541875" y="1083750"/>
+                  </a:cubicBezTo>
+                  <a:cubicBezTo>
+                    <a:pt x="242606" y="1083750"/>
+                    <a:pt x="0" y="841144"/>
+                    <a:pt x="0" y="541875"/>
+                  </a:cubicBezTo>
+                  <a:close/>
+                </a:path>
+              </a:pathLst>
+            </a:custGeom>
+          </p:spPr>
+          <p:style>
+            <a:lnRef idx="0">
+              <a:schemeClr val="lt1">
+                <a:hueOff val="0"/>
+                <a:satOff val="0"/>
+                <a:lumOff val="0"/>
+                <a:alphaOff val="0"/>
+              </a:schemeClr>
+            </a:lnRef>
+            <a:fillRef idx="3">
+              <a:schemeClr val="accent6">
+                <a:alpha val="90000"/>
+                <a:hueOff val="0"/>
+                <a:satOff val="0"/>
+                <a:lumOff val="0"/>
+                <a:alphaOff val="-16000"/>
+              </a:schemeClr>
+            </a:fillRef>
+            <a:effectRef idx="3">
+              <a:schemeClr val="accent6">
+                <a:alpha val="90000"/>
+                <a:hueOff val="0"/>
+                <a:satOff val="0"/>
+                <a:lumOff val="0"/>
+                <a:alphaOff val="-16000"/>
+              </a:schemeClr>
+            </a:effectRef>
+            <a:fontRef idx="minor">
+              <a:schemeClr val="lt1"/>
+            </a:fontRef>
+          </p:style>
+          <p:txBody>
+            <a:bodyPr spcFirstLastPara="0" vert="horz" wrap="square" lIns="173951" tIns="173951" rIns="173951" bIns="173951" numCol="1" spcCol="1270" anchor="ctr" anchorCtr="0">
+              <a:noAutofit/>
+            </a:bodyPr>
+            <a:lstStyle/>
+            <a:p>
+              <a:pPr lvl="0" algn="ctr" defTabSz="533400">
+                <a:lnSpc>
+                  <a:spcPct val="90000"/>
+                </a:lnSpc>
+                <a:spcBef>
+                  <a:spcPct val="0"/>
+                </a:spcBef>
+                <a:spcAft>
+                  <a:spcPct val="35000"/>
+                </a:spcAft>
+              </a:pPr>
+              <a:r>
+                <a:rPr lang="en-US" altLang="zh-CN" sz="1200" kern="1200" dirty="0" smtClean="0"/>
+                <a:t>Compile to AVM</a:t>
+              </a:r>
+              <a:endParaRPr lang="zh-CN" altLang="en-US" sz="1200" kern="1200" dirty="0"/>
+            </a:p>
+          </p:txBody>
+        </p:sp>
+        <p:sp>
+          <p:nvSpPr>
+            <p:cNvPr id="13" name="任意多边形 12"/>
+            <p:cNvSpPr/>
+            <p:nvPr/>
+          </p:nvSpPr>
+          <p:spPr>
+            <a:xfrm rot="19800000">
+              <a:off x="9209048" y="4653373"/>
+              <a:ext cx="289306" cy="365766"/>
+            </a:xfrm>
+            <a:custGeom>
+              <a:avLst/>
+              <a:gdLst>
+                <a:gd name="connsiteX0" fmla="*/ 0 w 289306"/>
+                <a:gd name="connsiteY0" fmla="*/ 73153 h 365765"/>
+                <a:gd name="connsiteX1" fmla="*/ 144653 w 289306"/>
+                <a:gd name="connsiteY1" fmla="*/ 73153 h 365765"/>
+                <a:gd name="connsiteX2" fmla="*/ 144653 w 289306"/>
+                <a:gd name="connsiteY2" fmla="*/ 0 h 365765"/>
+                <a:gd name="connsiteX3" fmla="*/ 289306 w 289306"/>
+                <a:gd name="connsiteY3" fmla="*/ 182883 h 365765"/>
+                <a:gd name="connsiteX4" fmla="*/ 144653 w 289306"/>
+                <a:gd name="connsiteY4" fmla="*/ 365765 h 365765"/>
+                <a:gd name="connsiteX5" fmla="*/ 144653 w 289306"/>
+                <a:gd name="connsiteY5" fmla="*/ 292612 h 365765"/>
+                <a:gd name="connsiteX6" fmla="*/ 0 w 289306"/>
+                <a:gd name="connsiteY6" fmla="*/ 292612 h 365765"/>
+                <a:gd name="connsiteX7" fmla="*/ 0 w 289306"/>
+                <a:gd name="connsiteY7" fmla="*/ 73153 h 365765"/>
+              </a:gdLst>
+              <a:ahLst/>
+              <a:cxnLst>
+                <a:cxn ang="0">
+                  <a:pos x="connsiteX0" y="connsiteY0"/>
+                </a:cxn>
+                <a:cxn ang="0">
+                  <a:pos x="connsiteX1" y="connsiteY1"/>
+                </a:cxn>
+                <a:cxn ang="0">
+                  <a:pos x="connsiteX2" y="connsiteY2"/>
+                </a:cxn>
+                <a:cxn ang="0">
+                  <a:pos x="connsiteX3" y="connsiteY3"/>
+                </a:cxn>
+                <a:cxn ang="0">
+                  <a:pos x="connsiteX4" y="connsiteY4"/>
+                </a:cxn>
+                <a:cxn ang="0">
+                  <a:pos x="connsiteX5" y="connsiteY5"/>
+                </a:cxn>
+                <a:cxn ang="0">
+                  <a:pos x="connsiteX6" y="connsiteY6"/>
+                </a:cxn>
+                <a:cxn ang="0">
+                  <a:pos x="connsiteX7" y="connsiteY7"/>
+                </a:cxn>
+              </a:cxnLst>
+              <a:rect l="l" t="t" r="r" b="b"/>
+              <a:pathLst>
+                <a:path w="289306" h="365765">
+                  <a:moveTo>
+                    <a:pt x="289306" y="292612"/>
+                  </a:moveTo>
+                  <a:lnTo>
+                    <a:pt x="144653" y="292612"/>
+                  </a:lnTo>
+                  <a:lnTo>
+                    <a:pt x="144653" y="365765"/>
+                  </a:lnTo>
+                  <a:lnTo>
+                    <a:pt x="0" y="182882"/>
+                  </a:lnTo>
+                  <a:lnTo>
+                    <a:pt x="144653" y="0"/>
+                  </a:lnTo>
+                  <a:lnTo>
+                    <a:pt x="144653" y="73153"/>
+                  </a:lnTo>
+                  <a:lnTo>
+                    <a:pt x="289306" y="73153"/>
+                  </a:lnTo>
+                  <a:lnTo>
+                    <a:pt x="289306" y="292612"/>
+                  </a:lnTo>
+                  <a:close/>
+                </a:path>
+              </a:pathLst>
+            </a:custGeom>
+          </p:spPr>
+          <p:style>
+            <a:lnRef idx="0">
+              <a:schemeClr val="accent6">
+                <a:shade val="90000"/>
+                <a:hueOff val="151948"/>
+                <a:satOff val="-6069"/>
+                <a:lumOff val="14076"/>
+                <a:alphaOff val="0"/>
+              </a:schemeClr>
+            </a:lnRef>
+            <a:fillRef idx="3">
+              <a:schemeClr val="accent6">
+                <a:shade val="90000"/>
+                <a:hueOff val="151948"/>
+                <a:satOff val="-6069"/>
+                <a:lumOff val="14076"/>
+                <a:alphaOff val="0"/>
+              </a:schemeClr>
+            </a:fillRef>
+            <a:effectRef idx="3">
+              <a:schemeClr val="accent6">
+                <a:shade val="90000"/>
+                <a:hueOff val="151948"/>
+                <a:satOff val="-6069"/>
+                <a:lumOff val="14076"/>
+                <a:alphaOff val="0"/>
+              </a:schemeClr>
+            </a:effectRef>
+            <a:fontRef idx="minor">
+              <a:schemeClr val="lt1"/>
+            </a:fontRef>
+          </p:style>
+          <p:txBody>
+            <a:bodyPr spcFirstLastPara="0" vert="horz" wrap="square" lIns="86791" tIns="73153" rIns="0" bIns="73153" numCol="1" spcCol="1270" anchor="ctr" anchorCtr="0">
+              <a:noAutofit/>
+            </a:bodyPr>
+            <a:lstStyle/>
+            <a:p>
+              <a:pPr lvl="0" algn="ctr" defTabSz="488950">
+                <a:lnSpc>
+                  <a:spcPct val="90000"/>
+                </a:lnSpc>
+                <a:spcBef>
+                  <a:spcPct val="0"/>
+                </a:spcBef>
+                <a:spcAft>
+                  <a:spcPct val="35000"/>
+                </a:spcAft>
+              </a:pPr>
+              <a:endParaRPr lang="zh-CN" altLang="en-US" sz="1100" kern="1200"/>
+            </a:p>
+          </p:txBody>
+        </p:sp>
+        <p:sp>
+          <p:nvSpPr>
+            <p:cNvPr id="14" name="任意多边形 13"/>
+            <p:cNvSpPr/>
+            <p:nvPr/>
+          </p:nvSpPr>
+          <p:spPr>
+            <a:xfrm>
+              <a:off x="8099093" y="4705879"/>
+              <a:ext cx="1083749" cy="1083749"/>
+            </a:xfrm>
+            <a:custGeom>
+              <a:avLst/>
+              <a:gdLst>
+                <a:gd name="connsiteX0" fmla="*/ 0 w 1083749"/>
+                <a:gd name="connsiteY0" fmla="*/ 541875 h 1083749"/>
+                <a:gd name="connsiteX1" fmla="*/ 541875 w 1083749"/>
+                <a:gd name="connsiteY1" fmla="*/ 0 h 1083749"/>
+                <a:gd name="connsiteX2" fmla="*/ 1083750 w 1083749"/>
+                <a:gd name="connsiteY2" fmla="*/ 541875 h 1083749"/>
+                <a:gd name="connsiteX3" fmla="*/ 541875 w 1083749"/>
+                <a:gd name="connsiteY3" fmla="*/ 1083750 h 1083749"/>
+                <a:gd name="connsiteX4" fmla="*/ 0 w 1083749"/>
+                <a:gd name="connsiteY4" fmla="*/ 541875 h 1083749"/>
+              </a:gdLst>
+              <a:ahLst/>
+              <a:cxnLst>
+                <a:cxn ang="0">
+                  <a:pos x="connsiteX0" y="connsiteY0"/>
+                </a:cxn>
+                <a:cxn ang="0">
+                  <a:pos x="connsiteX1" y="connsiteY1"/>
+                </a:cxn>
+                <a:cxn ang="0">
+                  <a:pos x="connsiteX2" y="connsiteY2"/>
+                </a:cxn>
+                <a:cxn ang="0">
+                  <a:pos x="connsiteX3" y="connsiteY3"/>
+                </a:cxn>
+                <a:cxn ang="0">
+                  <a:pos x="connsiteX4" y="connsiteY4"/>
+                </a:cxn>
+              </a:cxnLst>
+              <a:rect l="l" t="t" r="r" b="b"/>
+              <a:pathLst>
+                <a:path w="1083749" h="1083749">
+                  <a:moveTo>
+                    <a:pt x="0" y="541875"/>
+                  </a:moveTo>
+                  <a:cubicBezTo>
+                    <a:pt x="0" y="242606"/>
+                    <a:pt x="242606" y="0"/>
+                    <a:pt x="541875" y="0"/>
+                  </a:cubicBezTo>
+                  <a:cubicBezTo>
+                    <a:pt x="841144" y="0"/>
+                    <a:pt x="1083750" y="242606"/>
+                    <a:pt x="1083750" y="541875"/>
+                  </a:cubicBezTo>
+                  <a:cubicBezTo>
+                    <a:pt x="1083750" y="841144"/>
+                    <a:pt x="841144" y="1083750"/>
+                    <a:pt x="541875" y="1083750"/>
+                  </a:cubicBezTo>
+                  <a:cubicBezTo>
+                    <a:pt x="242606" y="1083750"/>
+                    <a:pt x="0" y="841144"/>
+                    <a:pt x="0" y="541875"/>
+                  </a:cubicBezTo>
+                  <a:close/>
+                </a:path>
+              </a:pathLst>
+            </a:custGeom>
+          </p:spPr>
+          <p:style>
+            <a:lnRef idx="0">
+              <a:schemeClr val="lt1">
+                <a:hueOff val="0"/>
+                <a:satOff val="0"/>
+                <a:lumOff val="0"/>
+                <a:alphaOff val="0"/>
+              </a:schemeClr>
+            </a:lnRef>
+            <a:fillRef idx="3">
+              <a:schemeClr val="accent6">
+                <a:alpha val="90000"/>
+                <a:hueOff val="0"/>
+                <a:satOff val="0"/>
+                <a:lumOff val="0"/>
+                <a:alphaOff val="-24000"/>
+              </a:schemeClr>
+            </a:fillRef>
+            <a:effectRef idx="3">
+              <a:schemeClr val="accent6">
+                <a:alpha val="90000"/>
+                <a:hueOff val="0"/>
+                <a:satOff val="0"/>
+                <a:lumOff val="0"/>
+                <a:alphaOff val="-24000"/>
+              </a:schemeClr>
+            </a:effectRef>
+            <a:fontRef idx="minor">
+              <a:schemeClr val="lt1"/>
+            </a:fontRef>
+          </p:style>
+          <p:txBody>
+            <a:bodyPr spcFirstLastPara="0" vert="horz" wrap="square" lIns="173951" tIns="173951" rIns="173951" bIns="173951" numCol="1" spcCol="1270" anchor="ctr" anchorCtr="0">
+              <a:noAutofit/>
+            </a:bodyPr>
+            <a:lstStyle/>
+            <a:p>
+              <a:pPr lvl="0" algn="ctr" defTabSz="533400">
+                <a:lnSpc>
+                  <a:spcPct val="90000"/>
+                </a:lnSpc>
+                <a:spcBef>
+                  <a:spcPct val="0"/>
+                </a:spcBef>
+                <a:spcAft>
+                  <a:spcPct val="35000"/>
+                </a:spcAft>
+              </a:pPr>
+              <a:r>
+                <a:rPr lang="en-US" altLang="zh-CN" sz="1200" kern="1200" dirty="0" err="1" smtClean="0"/>
+                <a:t>Depoly</a:t>
+              </a:r>
+              <a:r>
+                <a:rPr lang="en-US" altLang="zh-CN" sz="1200" kern="1200" dirty="0" smtClean="0"/>
+                <a:t> </a:t>
+              </a:r>
+            </a:p>
+            <a:p>
+              <a:pPr lvl="0" algn="ctr" defTabSz="533400">
+                <a:lnSpc>
+                  <a:spcPct val="90000"/>
+                </a:lnSpc>
+                <a:spcBef>
+                  <a:spcPct val="0"/>
+                </a:spcBef>
+                <a:spcAft>
+                  <a:spcPct val="35000"/>
+                </a:spcAft>
+              </a:pPr>
+              <a:r>
+                <a:rPr lang="en-US" altLang="zh-CN" sz="1200" kern="1200" dirty="0" smtClean="0"/>
+                <a:t>Contract</a:t>
+              </a:r>
+              <a:endParaRPr lang="zh-CN" altLang="en-US" sz="1200" kern="1200" dirty="0"/>
+            </a:p>
+          </p:txBody>
+        </p:sp>
+        <p:sp>
+          <p:nvSpPr>
+            <p:cNvPr id="15" name="任意多边形 14"/>
+            <p:cNvSpPr/>
+            <p:nvPr/>
+          </p:nvSpPr>
+          <p:spPr>
+            <a:xfrm rot="1800000">
+              <a:off x="7797763" y="4661561"/>
+              <a:ext cx="289307" cy="365766"/>
+            </a:xfrm>
+            <a:custGeom>
+              <a:avLst/>
+              <a:gdLst>
+                <a:gd name="connsiteX0" fmla="*/ 0 w 289306"/>
+                <a:gd name="connsiteY0" fmla="*/ 73153 h 365765"/>
+                <a:gd name="connsiteX1" fmla="*/ 144653 w 289306"/>
+                <a:gd name="connsiteY1" fmla="*/ 73153 h 365765"/>
+                <a:gd name="connsiteX2" fmla="*/ 144653 w 289306"/>
+                <a:gd name="connsiteY2" fmla="*/ 0 h 365765"/>
+                <a:gd name="connsiteX3" fmla="*/ 289306 w 289306"/>
+                <a:gd name="connsiteY3" fmla="*/ 182883 h 365765"/>
+                <a:gd name="connsiteX4" fmla="*/ 144653 w 289306"/>
+                <a:gd name="connsiteY4" fmla="*/ 365765 h 365765"/>
+                <a:gd name="connsiteX5" fmla="*/ 144653 w 289306"/>
+                <a:gd name="connsiteY5" fmla="*/ 292612 h 365765"/>
+                <a:gd name="connsiteX6" fmla="*/ 0 w 289306"/>
+                <a:gd name="connsiteY6" fmla="*/ 292612 h 365765"/>
+                <a:gd name="connsiteX7" fmla="*/ 0 w 289306"/>
+                <a:gd name="connsiteY7" fmla="*/ 73153 h 365765"/>
+              </a:gdLst>
+              <a:ahLst/>
+              <a:cxnLst>
+                <a:cxn ang="0">
+                  <a:pos x="connsiteX0" y="connsiteY0"/>
+                </a:cxn>
+                <a:cxn ang="0">
+                  <a:pos x="connsiteX1" y="connsiteY1"/>
+                </a:cxn>
+                <a:cxn ang="0">
+                  <a:pos x="connsiteX2" y="connsiteY2"/>
+                </a:cxn>
+                <a:cxn ang="0">
+                  <a:pos x="connsiteX3" y="connsiteY3"/>
+                </a:cxn>
+                <a:cxn ang="0">
+                  <a:pos x="connsiteX4" y="connsiteY4"/>
+                </a:cxn>
+                <a:cxn ang="0">
+                  <a:pos x="connsiteX5" y="connsiteY5"/>
+                </a:cxn>
+                <a:cxn ang="0">
+                  <a:pos x="connsiteX6" y="connsiteY6"/>
+                </a:cxn>
+                <a:cxn ang="0">
+                  <a:pos x="connsiteX7" y="connsiteY7"/>
+                </a:cxn>
+              </a:cxnLst>
+              <a:rect l="l" t="t" r="r" b="b"/>
+              <a:pathLst>
+                <a:path w="289306" h="365765">
+                  <a:moveTo>
+                    <a:pt x="289306" y="292612"/>
+                  </a:moveTo>
+                  <a:lnTo>
+                    <a:pt x="144653" y="292612"/>
+                  </a:lnTo>
+                  <a:lnTo>
+                    <a:pt x="144653" y="365765"/>
+                  </a:lnTo>
+                  <a:lnTo>
+                    <a:pt x="0" y="182882"/>
+                  </a:lnTo>
+                  <a:lnTo>
+                    <a:pt x="144653" y="0"/>
+                  </a:lnTo>
+                  <a:lnTo>
+                    <a:pt x="144653" y="73153"/>
+                  </a:lnTo>
+                  <a:lnTo>
+                    <a:pt x="289306" y="73153"/>
+                  </a:lnTo>
+                  <a:lnTo>
+                    <a:pt x="289306" y="292612"/>
+                  </a:lnTo>
+                  <a:close/>
+                </a:path>
+              </a:pathLst>
+            </a:custGeom>
+          </p:spPr>
+          <p:style>
+            <a:lnRef idx="0">
+              <a:schemeClr val="accent6">
+                <a:shade val="90000"/>
+                <a:hueOff val="227922"/>
+                <a:satOff val="-9104"/>
+                <a:lumOff val="21115"/>
+                <a:alphaOff val="0"/>
+              </a:schemeClr>
+            </a:lnRef>
+            <a:fillRef idx="3">
+              <a:schemeClr val="accent6">
+                <a:shade val="90000"/>
+                <a:hueOff val="227922"/>
+                <a:satOff val="-9104"/>
+                <a:lumOff val="21115"/>
+                <a:alphaOff val="0"/>
+              </a:schemeClr>
+            </a:fillRef>
+            <a:effectRef idx="3">
+              <a:schemeClr val="accent6">
+                <a:shade val="90000"/>
+                <a:hueOff val="227922"/>
+                <a:satOff val="-9104"/>
+                <a:lumOff val="21115"/>
+                <a:alphaOff val="0"/>
+              </a:schemeClr>
+            </a:effectRef>
+            <a:fontRef idx="minor">
+              <a:schemeClr val="lt1"/>
+            </a:fontRef>
+          </p:style>
+          <p:txBody>
+            <a:bodyPr spcFirstLastPara="0" vert="horz" wrap="square" lIns="86792" tIns="73153" rIns="0" bIns="73153" numCol="1" spcCol="1270" anchor="ctr" anchorCtr="0">
+              <a:noAutofit/>
+            </a:bodyPr>
+            <a:lstStyle/>
+            <a:p>
+              <a:pPr lvl="0" algn="ctr" defTabSz="488950">
+                <a:lnSpc>
+                  <a:spcPct val="90000"/>
+                </a:lnSpc>
+                <a:spcBef>
+                  <a:spcPct val="0"/>
+                </a:spcBef>
+                <a:spcAft>
+                  <a:spcPct val="35000"/>
+                </a:spcAft>
+              </a:pPr>
+              <a:endParaRPr lang="zh-CN" altLang="en-US" sz="1100" kern="1200"/>
+            </a:p>
+          </p:txBody>
+        </p:sp>
+        <p:sp>
+          <p:nvSpPr>
+            <p:cNvPr id="16" name="任意多边形 15"/>
+            <p:cNvSpPr/>
+            <p:nvPr/>
+          </p:nvSpPr>
+          <p:spPr>
+            <a:xfrm>
+              <a:off x="6687808" y="3891073"/>
+              <a:ext cx="1083749" cy="1083749"/>
+            </a:xfrm>
+            <a:custGeom>
+              <a:avLst/>
+              <a:gdLst>
+                <a:gd name="connsiteX0" fmla="*/ 0 w 1083749"/>
+                <a:gd name="connsiteY0" fmla="*/ 541875 h 1083749"/>
+                <a:gd name="connsiteX1" fmla="*/ 541875 w 1083749"/>
+                <a:gd name="connsiteY1" fmla="*/ 0 h 1083749"/>
+                <a:gd name="connsiteX2" fmla="*/ 1083750 w 1083749"/>
+                <a:gd name="connsiteY2" fmla="*/ 541875 h 1083749"/>
+                <a:gd name="connsiteX3" fmla="*/ 541875 w 1083749"/>
+                <a:gd name="connsiteY3" fmla="*/ 1083750 h 1083749"/>
+                <a:gd name="connsiteX4" fmla="*/ 0 w 1083749"/>
+                <a:gd name="connsiteY4" fmla="*/ 541875 h 1083749"/>
+              </a:gdLst>
+              <a:ahLst/>
+              <a:cxnLst>
+                <a:cxn ang="0">
+                  <a:pos x="connsiteX0" y="connsiteY0"/>
+                </a:cxn>
+                <a:cxn ang="0">
+                  <a:pos x="connsiteX1" y="connsiteY1"/>
+                </a:cxn>
+                <a:cxn ang="0">
+                  <a:pos x="connsiteX2" y="connsiteY2"/>
+                </a:cxn>
+                <a:cxn ang="0">
+                  <a:pos x="connsiteX3" y="connsiteY3"/>
+                </a:cxn>
+                <a:cxn ang="0">
+                  <a:pos x="connsiteX4" y="connsiteY4"/>
+                </a:cxn>
+              </a:cxnLst>
+              <a:rect l="l" t="t" r="r" b="b"/>
+              <a:pathLst>
+                <a:path w="1083749" h="1083749">
+                  <a:moveTo>
+                    <a:pt x="0" y="541875"/>
+                  </a:moveTo>
+                  <a:cubicBezTo>
+                    <a:pt x="0" y="242606"/>
+                    <a:pt x="242606" y="0"/>
+                    <a:pt x="541875" y="0"/>
+                  </a:cubicBezTo>
+                  <a:cubicBezTo>
+                    <a:pt x="841144" y="0"/>
+                    <a:pt x="1083750" y="242606"/>
+                    <a:pt x="1083750" y="541875"/>
+                  </a:cubicBezTo>
+                  <a:cubicBezTo>
+                    <a:pt x="1083750" y="841144"/>
+                    <a:pt x="841144" y="1083750"/>
+                    <a:pt x="541875" y="1083750"/>
+                  </a:cubicBezTo>
+                  <a:cubicBezTo>
+                    <a:pt x="242606" y="1083750"/>
+                    <a:pt x="0" y="841144"/>
+                    <a:pt x="0" y="541875"/>
+                  </a:cubicBezTo>
+                  <a:close/>
+                </a:path>
+              </a:pathLst>
+            </a:custGeom>
+          </p:spPr>
+          <p:style>
+            <a:lnRef idx="0">
+              <a:schemeClr val="lt1">
+                <a:hueOff val="0"/>
+                <a:satOff val="0"/>
+                <a:lumOff val="0"/>
+                <a:alphaOff val="0"/>
+              </a:schemeClr>
+            </a:lnRef>
+            <a:fillRef idx="3">
+              <a:schemeClr val="accent6">
+                <a:alpha val="90000"/>
+                <a:hueOff val="0"/>
+                <a:satOff val="0"/>
+                <a:lumOff val="0"/>
+                <a:alphaOff val="-32000"/>
+              </a:schemeClr>
+            </a:fillRef>
+            <a:effectRef idx="3">
+              <a:schemeClr val="accent6">
+                <a:alpha val="90000"/>
+                <a:hueOff val="0"/>
+                <a:satOff val="0"/>
+                <a:lumOff val="0"/>
+                <a:alphaOff val="-32000"/>
+              </a:schemeClr>
+            </a:effectRef>
+            <a:fontRef idx="minor">
+              <a:schemeClr val="lt1"/>
+            </a:fontRef>
+          </p:style>
+          <p:txBody>
+            <a:bodyPr spcFirstLastPara="0" vert="horz" wrap="square" lIns="173951" tIns="173951" rIns="173951" bIns="173951" numCol="1" spcCol="1270" anchor="ctr" anchorCtr="0">
+              <a:noAutofit/>
+            </a:bodyPr>
+            <a:lstStyle/>
+            <a:p>
+              <a:pPr lvl="0" algn="ctr" defTabSz="533400">
+                <a:lnSpc>
+                  <a:spcPct val="90000"/>
+                </a:lnSpc>
+                <a:spcBef>
+                  <a:spcPct val="0"/>
+                </a:spcBef>
+                <a:spcAft>
+                  <a:spcPct val="35000"/>
+                </a:spcAft>
+              </a:pPr>
+              <a:r>
+                <a:rPr lang="en-US" altLang="zh-CN" sz="1200" kern="1200" dirty="0"/>
+                <a:t>Invoke Transaction</a:t>
+              </a:r>
+              <a:endParaRPr lang="zh-CN" altLang="en-US" sz="1200" kern="1200" dirty="0"/>
+            </a:p>
+          </p:txBody>
+        </p:sp>
+        <p:sp>
+          <p:nvSpPr>
+            <p:cNvPr id="17" name="任意多边形 16"/>
+            <p:cNvSpPr/>
+            <p:nvPr/>
+          </p:nvSpPr>
+          <p:spPr>
+            <a:xfrm rot="16200000">
+              <a:off x="7085029" y="3443448"/>
+              <a:ext cx="289306" cy="365765"/>
+            </a:xfrm>
+            <a:custGeom>
+              <a:avLst/>
+              <a:gdLst>
+                <a:gd name="connsiteX0" fmla="*/ 0 w 289306"/>
+                <a:gd name="connsiteY0" fmla="*/ 73153 h 365765"/>
+                <a:gd name="connsiteX1" fmla="*/ 144653 w 289306"/>
+                <a:gd name="connsiteY1" fmla="*/ 73153 h 365765"/>
+                <a:gd name="connsiteX2" fmla="*/ 144653 w 289306"/>
+                <a:gd name="connsiteY2" fmla="*/ 0 h 365765"/>
+                <a:gd name="connsiteX3" fmla="*/ 289306 w 289306"/>
+                <a:gd name="connsiteY3" fmla="*/ 182883 h 365765"/>
+                <a:gd name="connsiteX4" fmla="*/ 144653 w 289306"/>
+                <a:gd name="connsiteY4" fmla="*/ 365765 h 365765"/>
+                <a:gd name="connsiteX5" fmla="*/ 144653 w 289306"/>
+                <a:gd name="connsiteY5" fmla="*/ 292612 h 365765"/>
+                <a:gd name="connsiteX6" fmla="*/ 0 w 289306"/>
+                <a:gd name="connsiteY6" fmla="*/ 292612 h 365765"/>
+                <a:gd name="connsiteX7" fmla="*/ 0 w 289306"/>
+                <a:gd name="connsiteY7" fmla="*/ 73153 h 365765"/>
+              </a:gdLst>
+              <a:ahLst/>
+              <a:cxnLst>
+                <a:cxn ang="0">
+                  <a:pos x="connsiteX0" y="connsiteY0"/>
+                </a:cxn>
+                <a:cxn ang="0">
+                  <a:pos x="connsiteX1" y="connsiteY1"/>
+                </a:cxn>
+                <a:cxn ang="0">
+                  <a:pos x="connsiteX2" y="connsiteY2"/>
+                </a:cxn>
+                <a:cxn ang="0">
+                  <a:pos x="connsiteX3" y="connsiteY3"/>
+                </a:cxn>
+                <a:cxn ang="0">
+                  <a:pos x="connsiteX4" y="connsiteY4"/>
+                </a:cxn>
+                <a:cxn ang="0">
+                  <a:pos x="connsiteX5" y="connsiteY5"/>
+                </a:cxn>
+                <a:cxn ang="0">
+                  <a:pos x="connsiteX6" y="connsiteY6"/>
+                </a:cxn>
+                <a:cxn ang="0">
+                  <a:pos x="connsiteX7" y="connsiteY7"/>
+                </a:cxn>
+              </a:cxnLst>
+              <a:rect l="l" t="t" r="r" b="b"/>
+              <a:pathLst>
+                <a:path w="289306" h="365765">
+                  <a:moveTo>
+                    <a:pt x="0" y="73153"/>
+                  </a:moveTo>
+                  <a:lnTo>
+                    <a:pt x="144653" y="73153"/>
+                  </a:lnTo>
+                  <a:lnTo>
+                    <a:pt x="144653" y="0"/>
+                  </a:lnTo>
+                  <a:lnTo>
+                    <a:pt x="289306" y="182883"/>
+                  </a:lnTo>
+                  <a:lnTo>
+                    <a:pt x="144653" y="365765"/>
+                  </a:lnTo>
+                  <a:lnTo>
+                    <a:pt x="144653" y="292612"/>
+                  </a:lnTo>
+                  <a:lnTo>
+                    <a:pt x="0" y="292612"/>
+                  </a:lnTo>
+                  <a:lnTo>
+                    <a:pt x="0" y="73153"/>
+                  </a:lnTo>
+                  <a:close/>
+                </a:path>
+              </a:pathLst>
+            </a:custGeom>
+          </p:spPr>
+          <p:style>
+            <a:lnRef idx="0">
+              <a:schemeClr val="accent6">
+                <a:shade val="90000"/>
+                <a:hueOff val="303896"/>
+                <a:satOff val="-12138"/>
+                <a:lumOff val="28153"/>
+                <a:alphaOff val="0"/>
+              </a:schemeClr>
+            </a:lnRef>
+            <a:fillRef idx="3">
+              <a:schemeClr val="accent6">
+                <a:shade val="90000"/>
+                <a:hueOff val="303896"/>
+                <a:satOff val="-12138"/>
+                <a:lumOff val="28153"/>
+                <a:alphaOff val="0"/>
+              </a:schemeClr>
+            </a:fillRef>
+            <a:effectRef idx="3">
+              <a:schemeClr val="accent6">
+                <a:shade val="90000"/>
+                <a:hueOff val="303896"/>
+                <a:satOff val="-12138"/>
+                <a:lumOff val="28153"/>
+                <a:alphaOff val="0"/>
+              </a:schemeClr>
+            </a:effectRef>
+            <a:fontRef idx="minor">
+              <a:schemeClr val="lt1"/>
+            </a:fontRef>
+          </p:style>
+          <p:txBody>
+            <a:bodyPr spcFirstLastPara="0" vert="horz" wrap="square" lIns="-1" tIns="73152" rIns="86792" bIns="73153" numCol="1" spcCol="1270" anchor="ctr" anchorCtr="0">
+              <a:noAutofit/>
+            </a:bodyPr>
+            <a:lstStyle/>
+            <a:p>
+              <a:pPr lvl="0" algn="ctr" defTabSz="488950">
+                <a:lnSpc>
+                  <a:spcPct val="90000"/>
+                </a:lnSpc>
+                <a:spcBef>
+                  <a:spcPct val="0"/>
+                </a:spcBef>
+                <a:spcAft>
+                  <a:spcPct val="35000"/>
+                </a:spcAft>
+              </a:pPr>
+              <a:endParaRPr lang="zh-CN" altLang="en-US" sz="1100" kern="1200"/>
+            </a:p>
+          </p:txBody>
+        </p:sp>
+        <p:sp>
+          <p:nvSpPr>
+            <p:cNvPr id="19" name="任意多边形 18"/>
+            <p:cNvSpPr/>
+            <p:nvPr/>
+          </p:nvSpPr>
+          <p:spPr>
+            <a:xfrm rot="19800000">
+              <a:off x="7783581" y="2217145"/>
+              <a:ext cx="289306" cy="365765"/>
+            </a:xfrm>
+            <a:custGeom>
+              <a:avLst/>
+              <a:gdLst>
+                <a:gd name="connsiteX0" fmla="*/ 0 w 289306"/>
+                <a:gd name="connsiteY0" fmla="*/ 73153 h 365765"/>
+                <a:gd name="connsiteX1" fmla="*/ 144653 w 289306"/>
+                <a:gd name="connsiteY1" fmla="*/ 73153 h 365765"/>
+                <a:gd name="connsiteX2" fmla="*/ 144653 w 289306"/>
+                <a:gd name="connsiteY2" fmla="*/ 0 h 365765"/>
+                <a:gd name="connsiteX3" fmla="*/ 289306 w 289306"/>
+                <a:gd name="connsiteY3" fmla="*/ 182883 h 365765"/>
+                <a:gd name="connsiteX4" fmla="*/ 144653 w 289306"/>
+                <a:gd name="connsiteY4" fmla="*/ 365765 h 365765"/>
+                <a:gd name="connsiteX5" fmla="*/ 144653 w 289306"/>
+                <a:gd name="connsiteY5" fmla="*/ 292612 h 365765"/>
+                <a:gd name="connsiteX6" fmla="*/ 0 w 289306"/>
+                <a:gd name="connsiteY6" fmla="*/ 292612 h 365765"/>
+                <a:gd name="connsiteX7" fmla="*/ 0 w 289306"/>
+                <a:gd name="connsiteY7" fmla="*/ 73153 h 365765"/>
+              </a:gdLst>
+              <a:ahLst/>
+              <a:cxnLst>
+                <a:cxn ang="0">
+                  <a:pos x="connsiteX0" y="connsiteY0"/>
+                </a:cxn>
+                <a:cxn ang="0">
+                  <a:pos x="connsiteX1" y="connsiteY1"/>
+                </a:cxn>
+                <a:cxn ang="0">
+                  <a:pos x="connsiteX2" y="connsiteY2"/>
+                </a:cxn>
+                <a:cxn ang="0">
+                  <a:pos x="connsiteX3" y="connsiteY3"/>
+                </a:cxn>
+                <a:cxn ang="0">
+                  <a:pos x="connsiteX4" y="connsiteY4"/>
+                </a:cxn>
+                <a:cxn ang="0">
+                  <a:pos x="connsiteX5" y="connsiteY5"/>
+                </a:cxn>
+                <a:cxn ang="0">
+                  <a:pos x="connsiteX6" y="connsiteY6"/>
+                </a:cxn>
+                <a:cxn ang="0">
+                  <a:pos x="connsiteX7" y="connsiteY7"/>
+                </a:cxn>
+              </a:cxnLst>
+              <a:rect l="l" t="t" r="r" b="b"/>
+              <a:pathLst>
+                <a:path w="289306" h="365765">
+                  <a:moveTo>
+                    <a:pt x="0" y="73153"/>
+                  </a:moveTo>
+                  <a:lnTo>
+                    <a:pt x="144653" y="73153"/>
+                  </a:lnTo>
+                  <a:lnTo>
+                    <a:pt x="144653" y="0"/>
+                  </a:lnTo>
+                  <a:lnTo>
+                    <a:pt x="289306" y="182883"/>
+                  </a:lnTo>
+                  <a:lnTo>
+                    <a:pt x="144653" y="365765"/>
+                  </a:lnTo>
+                  <a:lnTo>
+                    <a:pt x="144653" y="292612"/>
+                  </a:lnTo>
+                  <a:lnTo>
+                    <a:pt x="0" y="292612"/>
+                  </a:lnTo>
+                  <a:lnTo>
+                    <a:pt x="0" y="73153"/>
+                  </a:lnTo>
+                  <a:close/>
+                </a:path>
+              </a:pathLst>
+            </a:custGeom>
+            <a:solidFill>
+              <a:srgbClr val="FF0000"/>
+            </a:solidFill>
+          </p:spPr>
+          <p:style>
+            <a:lnRef idx="0">
+              <a:schemeClr val="accent6">
+                <a:shade val="90000"/>
+                <a:hueOff val="379870"/>
+                <a:satOff val="-15173"/>
+                <a:lumOff val="35191"/>
+                <a:alphaOff val="0"/>
+              </a:schemeClr>
+            </a:lnRef>
+            <a:fillRef idx="3">
+              <a:scrgbClr r="0" g="0" b="0"/>
+            </a:fillRef>
+            <a:effectRef idx="3">
+              <a:schemeClr val="accent6">
+                <a:shade val="90000"/>
+                <a:hueOff val="379870"/>
+                <a:satOff val="-15173"/>
+                <a:lumOff val="35191"/>
+                <a:alphaOff val="0"/>
+              </a:schemeClr>
+            </a:effectRef>
+            <a:fontRef idx="minor">
+              <a:schemeClr val="lt1"/>
+            </a:fontRef>
+          </p:style>
+          <p:txBody>
+            <a:bodyPr spcFirstLastPara="0" vert="horz" wrap="square" lIns="-1" tIns="73152" rIns="86792" bIns="73153" numCol="1" spcCol="1270" anchor="ctr" anchorCtr="0">
+              <a:noAutofit/>
+            </a:bodyPr>
+            <a:lstStyle/>
+            <a:p>
+              <a:pPr lvl="0" algn="ctr" defTabSz="488950">
+                <a:lnSpc>
+                  <a:spcPct val="90000"/>
+                </a:lnSpc>
+                <a:spcBef>
+                  <a:spcPct val="0"/>
+                </a:spcBef>
+                <a:spcAft>
+                  <a:spcPct val="35000"/>
+                </a:spcAft>
+              </a:pPr>
+              <a:endParaRPr lang="zh-CN" altLang="en-US" sz="1100" kern="1200"/>
+            </a:p>
+          </p:txBody>
+        </p:sp>
+        <p:sp>
+          <p:nvSpPr>
+            <p:cNvPr id="22" name="任意多边形 21"/>
+            <p:cNvSpPr/>
+            <p:nvPr/>
+          </p:nvSpPr>
+          <p:spPr>
+            <a:xfrm>
+              <a:off x="8099092" y="4189617"/>
+              <a:ext cx="1277011" cy="365765"/>
+            </a:xfrm>
+            <a:custGeom>
+              <a:avLst/>
+              <a:gdLst>
+                <a:gd name="connsiteX0" fmla="*/ 0 w 289306"/>
+                <a:gd name="connsiteY0" fmla="*/ 73153 h 365765"/>
+                <a:gd name="connsiteX1" fmla="*/ 144653 w 289306"/>
+                <a:gd name="connsiteY1" fmla="*/ 73153 h 365765"/>
+                <a:gd name="connsiteX2" fmla="*/ 144653 w 289306"/>
+                <a:gd name="connsiteY2" fmla="*/ 0 h 365765"/>
+                <a:gd name="connsiteX3" fmla="*/ 289306 w 289306"/>
+                <a:gd name="connsiteY3" fmla="*/ 182883 h 365765"/>
+                <a:gd name="connsiteX4" fmla="*/ 144653 w 289306"/>
+                <a:gd name="connsiteY4" fmla="*/ 365765 h 365765"/>
+                <a:gd name="connsiteX5" fmla="*/ 144653 w 289306"/>
+                <a:gd name="connsiteY5" fmla="*/ 292612 h 365765"/>
+                <a:gd name="connsiteX6" fmla="*/ 0 w 289306"/>
+                <a:gd name="connsiteY6" fmla="*/ 292612 h 365765"/>
+                <a:gd name="connsiteX7" fmla="*/ 0 w 289306"/>
+                <a:gd name="connsiteY7" fmla="*/ 73153 h 365765"/>
+              </a:gdLst>
+              <a:ahLst/>
+              <a:cxnLst>
+                <a:cxn ang="0">
+                  <a:pos x="connsiteX0" y="connsiteY0"/>
+                </a:cxn>
+                <a:cxn ang="0">
+                  <a:pos x="connsiteX1" y="connsiteY1"/>
+                </a:cxn>
+                <a:cxn ang="0">
+                  <a:pos x="connsiteX2" y="connsiteY2"/>
+                </a:cxn>
+                <a:cxn ang="0">
+                  <a:pos x="connsiteX3" y="connsiteY3"/>
+                </a:cxn>
+                <a:cxn ang="0">
+                  <a:pos x="connsiteX4" y="connsiteY4"/>
+                </a:cxn>
+                <a:cxn ang="0">
+                  <a:pos x="connsiteX5" y="connsiteY5"/>
+                </a:cxn>
+                <a:cxn ang="0">
+                  <a:pos x="connsiteX6" y="connsiteY6"/>
+                </a:cxn>
+                <a:cxn ang="0">
+                  <a:pos x="connsiteX7" y="connsiteY7"/>
+                </a:cxn>
+              </a:cxnLst>
+              <a:rect l="l" t="t" r="r" b="b"/>
+              <a:pathLst>
+                <a:path w="289306" h="365765">
+                  <a:moveTo>
+                    <a:pt x="0" y="73153"/>
+                  </a:moveTo>
+                  <a:lnTo>
+                    <a:pt x="144653" y="73153"/>
+                  </a:lnTo>
+                  <a:lnTo>
+                    <a:pt x="144653" y="0"/>
+                  </a:lnTo>
+                  <a:lnTo>
+                    <a:pt x="289306" y="182883"/>
+                  </a:lnTo>
+                  <a:lnTo>
+                    <a:pt x="144653" y="365765"/>
+                  </a:lnTo>
+                  <a:lnTo>
+                    <a:pt x="144653" y="292612"/>
+                  </a:lnTo>
+                  <a:lnTo>
+                    <a:pt x="0" y="292612"/>
+                  </a:lnTo>
+                  <a:lnTo>
+                    <a:pt x="0" y="73153"/>
+                  </a:lnTo>
+                  <a:close/>
+                </a:path>
+              </a:pathLst>
+            </a:custGeom>
+            <a:solidFill>
+              <a:srgbClr val="FF0000"/>
+            </a:solidFill>
+          </p:spPr>
+          <p:style>
+            <a:lnRef idx="0">
+              <a:schemeClr val="accent6">
+                <a:shade val="90000"/>
+                <a:hueOff val="379870"/>
+                <a:satOff val="-15173"/>
+                <a:lumOff val="35191"/>
+                <a:alphaOff val="0"/>
+              </a:schemeClr>
+            </a:lnRef>
+            <a:fillRef idx="3">
+              <a:scrgbClr r="0" g="0" b="0"/>
+            </a:fillRef>
+            <a:effectRef idx="3">
+              <a:schemeClr val="accent6">
+                <a:shade val="90000"/>
+                <a:hueOff val="379870"/>
+                <a:satOff val="-15173"/>
+                <a:lumOff val="35191"/>
+                <a:alphaOff val="0"/>
+              </a:schemeClr>
+            </a:effectRef>
+            <a:fontRef idx="minor">
+              <a:schemeClr val="lt1"/>
+            </a:fontRef>
+          </p:style>
+          <p:txBody>
+            <a:bodyPr spcFirstLastPara="0" vert="horz" wrap="square" lIns="-1" tIns="73152" rIns="86792" bIns="73153" numCol="1" spcCol="1270" anchor="ctr" anchorCtr="0">
+              <a:noAutofit/>
+            </a:bodyPr>
+            <a:lstStyle/>
+            <a:p>
+              <a:pPr lvl="0" algn="ctr" defTabSz="488950">
+                <a:lnSpc>
+                  <a:spcPct val="90000"/>
+                </a:lnSpc>
+                <a:spcBef>
+                  <a:spcPct val="0"/>
+                </a:spcBef>
+                <a:spcAft>
+                  <a:spcPct val="35000"/>
+                </a:spcAft>
+              </a:pPr>
+              <a:endParaRPr lang="zh-CN" altLang="en-US" sz="1100" kern="1200"/>
+            </a:p>
+          </p:txBody>
+        </p:sp>
+        <p:sp>
+          <p:nvSpPr>
+            <p:cNvPr id="23" name="任意多边形 22"/>
+            <p:cNvSpPr/>
+            <p:nvPr/>
+          </p:nvSpPr>
+          <p:spPr>
+            <a:xfrm rot="14225127">
+              <a:off x="8620577" y="3115689"/>
+              <a:ext cx="1277011" cy="365765"/>
+            </a:xfrm>
+            <a:custGeom>
+              <a:avLst/>
+              <a:gdLst>
+                <a:gd name="connsiteX0" fmla="*/ 0 w 289306"/>
+                <a:gd name="connsiteY0" fmla="*/ 73153 h 365765"/>
+                <a:gd name="connsiteX1" fmla="*/ 144653 w 289306"/>
+                <a:gd name="connsiteY1" fmla="*/ 73153 h 365765"/>
+                <a:gd name="connsiteX2" fmla="*/ 144653 w 289306"/>
+                <a:gd name="connsiteY2" fmla="*/ 0 h 365765"/>
+                <a:gd name="connsiteX3" fmla="*/ 289306 w 289306"/>
+                <a:gd name="connsiteY3" fmla="*/ 182883 h 365765"/>
+                <a:gd name="connsiteX4" fmla="*/ 144653 w 289306"/>
+                <a:gd name="connsiteY4" fmla="*/ 365765 h 365765"/>
+                <a:gd name="connsiteX5" fmla="*/ 144653 w 289306"/>
+                <a:gd name="connsiteY5" fmla="*/ 292612 h 365765"/>
+                <a:gd name="connsiteX6" fmla="*/ 0 w 289306"/>
+                <a:gd name="connsiteY6" fmla="*/ 292612 h 365765"/>
+                <a:gd name="connsiteX7" fmla="*/ 0 w 289306"/>
+                <a:gd name="connsiteY7" fmla="*/ 73153 h 365765"/>
+              </a:gdLst>
+              <a:ahLst/>
+              <a:cxnLst>
+                <a:cxn ang="0">
+                  <a:pos x="connsiteX0" y="connsiteY0"/>
+                </a:cxn>
+                <a:cxn ang="0">
+                  <a:pos x="connsiteX1" y="connsiteY1"/>
+                </a:cxn>
+                <a:cxn ang="0">
+                  <a:pos x="connsiteX2" y="connsiteY2"/>
+                </a:cxn>
+                <a:cxn ang="0">
+                  <a:pos x="connsiteX3" y="connsiteY3"/>
+                </a:cxn>
+                <a:cxn ang="0">
+                  <a:pos x="connsiteX4" y="connsiteY4"/>
+                </a:cxn>
+                <a:cxn ang="0">
+                  <a:pos x="connsiteX5" y="connsiteY5"/>
+                </a:cxn>
+                <a:cxn ang="0">
+                  <a:pos x="connsiteX6" y="connsiteY6"/>
+                </a:cxn>
+                <a:cxn ang="0">
+                  <a:pos x="connsiteX7" y="connsiteY7"/>
+                </a:cxn>
+              </a:cxnLst>
+              <a:rect l="l" t="t" r="r" b="b"/>
+              <a:pathLst>
+                <a:path w="289306" h="365765">
+                  <a:moveTo>
+                    <a:pt x="0" y="73153"/>
+                  </a:moveTo>
+                  <a:lnTo>
+                    <a:pt x="144653" y="73153"/>
+                  </a:lnTo>
+                  <a:lnTo>
+                    <a:pt x="144653" y="0"/>
+                  </a:lnTo>
+                  <a:lnTo>
+                    <a:pt x="289306" y="182883"/>
+                  </a:lnTo>
+                  <a:lnTo>
+                    <a:pt x="144653" y="365765"/>
+                  </a:lnTo>
+                  <a:lnTo>
+                    <a:pt x="144653" y="292612"/>
+                  </a:lnTo>
+                  <a:lnTo>
+                    <a:pt x="0" y="292612"/>
+                  </a:lnTo>
+                  <a:lnTo>
+                    <a:pt x="0" y="73153"/>
+                  </a:lnTo>
+                  <a:close/>
+                </a:path>
+              </a:pathLst>
+            </a:custGeom>
+            <a:solidFill>
+              <a:srgbClr val="FF0000"/>
+            </a:solidFill>
+          </p:spPr>
+          <p:style>
+            <a:lnRef idx="0">
+              <a:schemeClr val="accent6">
+                <a:shade val="90000"/>
+                <a:hueOff val="379870"/>
+                <a:satOff val="-15173"/>
+                <a:lumOff val="35191"/>
+                <a:alphaOff val="0"/>
+              </a:schemeClr>
+            </a:lnRef>
+            <a:fillRef idx="3">
+              <a:scrgbClr r="0" g="0" b="0"/>
+            </a:fillRef>
+            <a:effectRef idx="3">
+              <a:schemeClr val="accent6">
+                <a:shade val="90000"/>
+                <a:hueOff val="379870"/>
+                <a:satOff val="-15173"/>
+                <a:lumOff val="35191"/>
+                <a:alphaOff val="0"/>
+              </a:schemeClr>
+            </a:effectRef>
+            <a:fontRef idx="minor">
+              <a:schemeClr val="lt1"/>
+            </a:fontRef>
+          </p:style>
+          <p:txBody>
+            <a:bodyPr spcFirstLastPara="0" vert="horz" wrap="square" lIns="-1" tIns="73152" rIns="86792" bIns="73153" numCol="1" spcCol="1270" anchor="ctr" anchorCtr="0">
+              <a:noAutofit/>
+            </a:bodyPr>
+            <a:lstStyle/>
+            <a:p>
+              <a:pPr lvl="0" algn="ctr" defTabSz="488950">
+                <a:lnSpc>
+                  <a:spcPct val="90000"/>
+                </a:lnSpc>
+                <a:spcBef>
+                  <a:spcPct val="0"/>
+                </a:spcBef>
+                <a:spcAft>
+                  <a:spcPct val="35000"/>
+                </a:spcAft>
+              </a:pPr>
+              <a:endParaRPr lang="zh-CN" altLang="en-US" sz="1100" kern="1200"/>
+            </a:p>
+          </p:txBody>
+        </p:sp>
+      </p:grpSp>
     </p:spTree>
     <p:extLst>
       <p:ext uri="{BB962C8B-B14F-4D97-AF65-F5344CB8AC3E}">
@@ -5141,8 +6767,8 @@
         </p:nvSpPr>
         <p:spPr>
           <a:xfrm>
-            <a:off x="920578" y="1479635"/>
-            <a:ext cx="10515600" cy="4351338"/>
+            <a:off x="774949" y="1483573"/>
+            <a:ext cx="4972626" cy="4351338"/>
           </a:xfrm>
         </p:spPr>
         <p:txBody>
@@ -5216,7 +6842,28 @@
             </a:r>
             <a:r>
               <a:rPr lang="zh-CN" altLang="en-US" dirty="0" smtClean="0"/>
-              <a:t>模拟执行一下</a:t>
+              <a:t>模拟执行</a:t>
+            </a:r>
+            <a:r>
+              <a:rPr lang="zh-CN" altLang="en-US" dirty="0" smtClean="0"/>
+              <a:t>一下</a:t>
+            </a:r>
+            <a:endParaRPr lang="en-US" altLang="zh-CN" dirty="0" smtClean="0"/>
+          </a:p>
+          <a:p>
+            <a:endParaRPr lang="en-US" altLang="zh-CN" dirty="0"/>
+          </a:p>
+          <a:p>
+            <a:endParaRPr lang="en-US" altLang="zh-CN" dirty="0" smtClean="0"/>
+          </a:p>
+          <a:p>
+            <a:r>
+              <a:rPr lang="en-US" altLang="zh-CN" dirty="0" err="1" smtClean="0"/>
+              <a:t>Better,But</a:t>
+            </a:r>
+            <a:r>
+              <a:rPr lang="en-US" altLang="zh-CN" dirty="0" smtClean="0"/>
+              <a:t> not good enough.</a:t>
             </a:r>
             <a:endParaRPr lang="en-US" altLang="zh-CN" dirty="0" smtClean="0"/>
           </a:p>
@@ -5245,8 +6892,8 @@
         </p:blipFill>
         <p:spPr bwMode="auto">
           <a:xfrm>
-            <a:off x="6317478" y="1883290"/>
-            <a:ext cx="5944665" cy="4599889"/>
+            <a:off x="5651157" y="1127593"/>
+            <a:ext cx="5483808" cy="4243285"/>
           </a:xfrm>
           <a:prstGeom prst="rect">
             <a:avLst/>
@@ -5263,6 +6910,1559 @@
           </a:extLst>
         </p:spPr>
       </p:pic>
+      <p:grpSp>
+        <p:nvGrpSpPr>
+          <p:cNvPr id="51" name="组合 50"/>
+          <p:cNvGrpSpPr/>
+          <p:nvPr/>
+        </p:nvGrpSpPr>
+        <p:grpSpPr>
+          <a:xfrm>
+            <a:off x="6538986" y="1027906"/>
+            <a:ext cx="3906318" cy="4342972"/>
+            <a:chOff x="6687808" y="1446656"/>
+            <a:chExt cx="3906318" cy="4342972"/>
+          </a:xfrm>
+        </p:grpSpPr>
+        <p:sp>
+          <p:nvSpPr>
+            <p:cNvPr id="53" name="任意多边形 52"/>
+            <p:cNvSpPr/>
+            <p:nvPr/>
+          </p:nvSpPr>
+          <p:spPr>
+            <a:xfrm>
+              <a:off x="8099093" y="1446656"/>
+              <a:ext cx="1083749" cy="1083749"/>
+            </a:xfrm>
+            <a:custGeom>
+              <a:avLst/>
+              <a:gdLst>
+                <a:gd name="connsiteX0" fmla="*/ 0 w 1083749"/>
+                <a:gd name="connsiteY0" fmla="*/ 541875 h 1083749"/>
+                <a:gd name="connsiteX1" fmla="*/ 541875 w 1083749"/>
+                <a:gd name="connsiteY1" fmla="*/ 0 h 1083749"/>
+                <a:gd name="connsiteX2" fmla="*/ 1083750 w 1083749"/>
+                <a:gd name="connsiteY2" fmla="*/ 541875 h 1083749"/>
+                <a:gd name="connsiteX3" fmla="*/ 541875 w 1083749"/>
+                <a:gd name="connsiteY3" fmla="*/ 1083750 h 1083749"/>
+                <a:gd name="connsiteX4" fmla="*/ 0 w 1083749"/>
+                <a:gd name="connsiteY4" fmla="*/ 541875 h 1083749"/>
+              </a:gdLst>
+              <a:ahLst/>
+              <a:cxnLst>
+                <a:cxn ang="0">
+                  <a:pos x="connsiteX0" y="connsiteY0"/>
+                </a:cxn>
+                <a:cxn ang="0">
+                  <a:pos x="connsiteX1" y="connsiteY1"/>
+                </a:cxn>
+                <a:cxn ang="0">
+                  <a:pos x="connsiteX2" y="connsiteY2"/>
+                </a:cxn>
+                <a:cxn ang="0">
+                  <a:pos x="connsiteX3" y="connsiteY3"/>
+                </a:cxn>
+                <a:cxn ang="0">
+                  <a:pos x="connsiteX4" y="connsiteY4"/>
+                </a:cxn>
+              </a:cxnLst>
+              <a:rect l="l" t="t" r="r" b="b"/>
+              <a:pathLst>
+                <a:path w="1083749" h="1083749">
+                  <a:moveTo>
+                    <a:pt x="0" y="541875"/>
+                  </a:moveTo>
+                  <a:cubicBezTo>
+                    <a:pt x="0" y="242606"/>
+                    <a:pt x="242606" y="0"/>
+                    <a:pt x="541875" y="0"/>
+                  </a:cubicBezTo>
+                  <a:cubicBezTo>
+                    <a:pt x="841144" y="0"/>
+                    <a:pt x="1083750" y="242606"/>
+                    <a:pt x="1083750" y="541875"/>
+                  </a:cubicBezTo>
+                  <a:cubicBezTo>
+                    <a:pt x="1083750" y="841144"/>
+                    <a:pt x="841144" y="1083750"/>
+                    <a:pt x="541875" y="1083750"/>
+                  </a:cubicBezTo>
+                  <a:cubicBezTo>
+                    <a:pt x="242606" y="1083750"/>
+                    <a:pt x="0" y="841144"/>
+                    <a:pt x="0" y="541875"/>
+                  </a:cubicBezTo>
+                  <a:close/>
+                </a:path>
+              </a:pathLst>
+            </a:custGeom>
+          </p:spPr>
+          <p:style>
+            <a:lnRef idx="0">
+              <a:schemeClr val="lt1">
+                <a:hueOff val="0"/>
+                <a:satOff val="0"/>
+                <a:lumOff val="0"/>
+                <a:alphaOff val="0"/>
+              </a:schemeClr>
+            </a:lnRef>
+            <a:fillRef idx="3">
+              <a:schemeClr val="accent6">
+                <a:alpha val="90000"/>
+                <a:hueOff val="0"/>
+                <a:satOff val="0"/>
+                <a:lumOff val="0"/>
+                <a:alphaOff val="0"/>
+              </a:schemeClr>
+            </a:fillRef>
+            <a:effectRef idx="3">
+              <a:schemeClr val="accent6">
+                <a:alpha val="90000"/>
+                <a:hueOff val="0"/>
+                <a:satOff val="0"/>
+                <a:lumOff val="0"/>
+                <a:alphaOff val="0"/>
+              </a:schemeClr>
+            </a:effectRef>
+            <a:fontRef idx="minor">
+              <a:schemeClr val="lt1"/>
+            </a:fontRef>
+          </p:style>
+          <p:txBody>
+            <a:bodyPr spcFirstLastPara="0" vert="horz" wrap="square" lIns="173951" tIns="173951" rIns="173951" bIns="173951" numCol="1" spcCol="1270" anchor="ctr" anchorCtr="0">
+              <a:noAutofit/>
+            </a:bodyPr>
+            <a:lstStyle/>
+            <a:p>
+              <a:pPr lvl="0" algn="ctr" defTabSz="533400">
+                <a:lnSpc>
+                  <a:spcPct val="90000"/>
+                </a:lnSpc>
+                <a:spcBef>
+                  <a:spcPct val="0"/>
+                </a:spcBef>
+                <a:spcAft>
+                  <a:spcPct val="35000"/>
+                </a:spcAft>
+              </a:pPr>
+              <a:r>
+                <a:rPr lang="en-US" altLang="zh-CN" sz="1200" kern="1200" dirty="0" smtClean="0"/>
+                <a:t>SC </a:t>
+              </a:r>
+              <a:r>
+                <a:rPr lang="en-US" altLang="zh-CN" sz="1200" kern="1200" dirty="0"/>
+                <a:t>source code</a:t>
+              </a:r>
+              <a:endParaRPr lang="zh-CN" altLang="en-US" sz="1200" kern="1200" dirty="0"/>
+            </a:p>
+          </p:txBody>
+        </p:sp>
+        <p:sp>
+          <p:nvSpPr>
+            <p:cNvPr id="54" name="任意多边形 53"/>
+            <p:cNvSpPr/>
+            <p:nvPr/>
+          </p:nvSpPr>
+          <p:spPr>
+            <a:xfrm rot="1800000">
+              <a:off x="9194866" y="2208957"/>
+              <a:ext cx="289306" cy="365765"/>
+            </a:xfrm>
+            <a:custGeom>
+              <a:avLst/>
+              <a:gdLst>
+                <a:gd name="connsiteX0" fmla="*/ 0 w 289306"/>
+                <a:gd name="connsiteY0" fmla="*/ 73153 h 365765"/>
+                <a:gd name="connsiteX1" fmla="*/ 144653 w 289306"/>
+                <a:gd name="connsiteY1" fmla="*/ 73153 h 365765"/>
+                <a:gd name="connsiteX2" fmla="*/ 144653 w 289306"/>
+                <a:gd name="connsiteY2" fmla="*/ 0 h 365765"/>
+                <a:gd name="connsiteX3" fmla="*/ 289306 w 289306"/>
+                <a:gd name="connsiteY3" fmla="*/ 182883 h 365765"/>
+                <a:gd name="connsiteX4" fmla="*/ 144653 w 289306"/>
+                <a:gd name="connsiteY4" fmla="*/ 365765 h 365765"/>
+                <a:gd name="connsiteX5" fmla="*/ 144653 w 289306"/>
+                <a:gd name="connsiteY5" fmla="*/ 292612 h 365765"/>
+                <a:gd name="connsiteX6" fmla="*/ 0 w 289306"/>
+                <a:gd name="connsiteY6" fmla="*/ 292612 h 365765"/>
+                <a:gd name="connsiteX7" fmla="*/ 0 w 289306"/>
+                <a:gd name="connsiteY7" fmla="*/ 73153 h 365765"/>
+              </a:gdLst>
+              <a:ahLst/>
+              <a:cxnLst>
+                <a:cxn ang="0">
+                  <a:pos x="connsiteX0" y="connsiteY0"/>
+                </a:cxn>
+                <a:cxn ang="0">
+                  <a:pos x="connsiteX1" y="connsiteY1"/>
+                </a:cxn>
+                <a:cxn ang="0">
+                  <a:pos x="connsiteX2" y="connsiteY2"/>
+                </a:cxn>
+                <a:cxn ang="0">
+                  <a:pos x="connsiteX3" y="connsiteY3"/>
+                </a:cxn>
+                <a:cxn ang="0">
+                  <a:pos x="connsiteX4" y="connsiteY4"/>
+                </a:cxn>
+                <a:cxn ang="0">
+                  <a:pos x="connsiteX5" y="connsiteY5"/>
+                </a:cxn>
+                <a:cxn ang="0">
+                  <a:pos x="connsiteX6" y="connsiteY6"/>
+                </a:cxn>
+                <a:cxn ang="0">
+                  <a:pos x="connsiteX7" y="connsiteY7"/>
+                </a:cxn>
+              </a:cxnLst>
+              <a:rect l="l" t="t" r="r" b="b"/>
+              <a:pathLst>
+                <a:path w="289306" h="365765">
+                  <a:moveTo>
+                    <a:pt x="0" y="73153"/>
+                  </a:moveTo>
+                  <a:lnTo>
+                    <a:pt x="144653" y="73153"/>
+                  </a:lnTo>
+                  <a:lnTo>
+                    <a:pt x="144653" y="0"/>
+                  </a:lnTo>
+                  <a:lnTo>
+                    <a:pt x="289306" y="182883"/>
+                  </a:lnTo>
+                  <a:lnTo>
+                    <a:pt x="144653" y="365765"/>
+                  </a:lnTo>
+                  <a:lnTo>
+                    <a:pt x="144653" y="292612"/>
+                  </a:lnTo>
+                  <a:lnTo>
+                    <a:pt x="0" y="292612"/>
+                  </a:lnTo>
+                  <a:lnTo>
+                    <a:pt x="0" y="73153"/>
+                  </a:lnTo>
+                  <a:close/>
+                </a:path>
+              </a:pathLst>
+            </a:custGeom>
+          </p:spPr>
+          <p:style>
+            <a:lnRef idx="0">
+              <a:schemeClr val="accent6">
+                <a:shade val="90000"/>
+                <a:hueOff val="0"/>
+                <a:satOff val="0"/>
+                <a:lumOff val="0"/>
+                <a:alphaOff val="0"/>
+              </a:schemeClr>
+            </a:lnRef>
+            <a:fillRef idx="3">
+              <a:schemeClr val="accent6">
+                <a:shade val="90000"/>
+                <a:hueOff val="0"/>
+                <a:satOff val="0"/>
+                <a:lumOff val="0"/>
+                <a:alphaOff val="0"/>
+              </a:schemeClr>
+            </a:fillRef>
+            <a:effectRef idx="3">
+              <a:schemeClr val="accent6">
+                <a:shade val="90000"/>
+                <a:hueOff val="0"/>
+                <a:satOff val="0"/>
+                <a:lumOff val="0"/>
+                <a:alphaOff val="0"/>
+              </a:schemeClr>
+            </a:effectRef>
+            <a:fontRef idx="minor">
+              <a:schemeClr val="lt1"/>
+            </a:fontRef>
+          </p:style>
+          <p:txBody>
+            <a:bodyPr spcFirstLastPara="0" vert="horz" wrap="square" lIns="0" tIns="73152" rIns="86791" bIns="73153" numCol="1" spcCol="1270" anchor="ctr" anchorCtr="0">
+              <a:noAutofit/>
+            </a:bodyPr>
+            <a:lstStyle/>
+            <a:p>
+              <a:pPr lvl="0" algn="ctr" defTabSz="488950">
+                <a:lnSpc>
+                  <a:spcPct val="90000"/>
+                </a:lnSpc>
+                <a:spcBef>
+                  <a:spcPct val="0"/>
+                </a:spcBef>
+                <a:spcAft>
+                  <a:spcPct val="35000"/>
+                </a:spcAft>
+              </a:pPr>
+              <a:endParaRPr lang="zh-CN" altLang="en-US" sz="1100" kern="1200"/>
+            </a:p>
+          </p:txBody>
+        </p:sp>
+        <p:sp>
+          <p:nvSpPr>
+            <p:cNvPr id="55" name="任意多边形 54"/>
+            <p:cNvSpPr/>
+            <p:nvPr/>
+          </p:nvSpPr>
+          <p:spPr>
+            <a:xfrm>
+              <a:off x="9510377" y="2261462"/>
+              <a:ext cx="1083749" cy="1083749"/>
+            </a:xfrm>
+            <a:custGeom>
+              <a:avLst/>
+              <a:gdLst>
+                <a:gd name="connsiteX0" fmla="*/ 0 w 1083749"/>
+                <a:gd name="connsiteY0" fmla="*/ 541875 h 1083749"/>
+                <a:gd name="connsiteX1" fmla="*/ 541875 w 1083749"/>
+                <a:gd name="connsiteY1" fmla="*/ 0 h 1083749"/>
+                <a:gd name="connsiteX2" fmla="*/ 1083750 w 1083749"/>
+                <a:gd name="connsiteY2" fmla="*/ 541875 h 1083749"/>
+                <a:gd name="connsiteX3" fmla="*/ 541875 w 1083749"/>
+                <a:gd name="connsiteY3" fmla="*/ 1083750 h 1083749"/>
+                <a:gd name="connsiteX4" fmla="*/ 0 w 1083749"/>
+                <a:gd name="connsiteY4" fmla="*/ 541875 h 1083749"/>
+              </a:gdLst>
+              <a:ahLst/>
+              <a:cxnLst>
+                <a:cxn ang="0">
+                  <a:pos x="connsiteX0" y="connsiteY0"/>
+                </a:cxn>
+                <a:cxn ang="0">
+                  <a:pos x="connsiteX1" y="connsiteY1"/>
+                </a:cxn>
+                <a:cxn ang="0">
+                  <a:pos x="connsiteX2" y="connsiteY2"/>
+                </a:cxn>
+                <a:cxn ang="0">
+                  <a:pos x="connsiteX3" y="connsiteY3"/>
+                </a:cxn>
+                <a:cxn ang="0">
+                  <a:pos x="connsiteX4" y="connsiteY4"/>
+                </a:cxn>
+              </a:cxnLst>
+              <a:rect l="l" t="t" r="r" b="b"/>
+              <a:pathLst>
+                <a:path w="1083749" h="1083749">
+                  <a:moveTo>
+                    <a:pt x="0" y="541875"/>
+                  </a:moveTo>
+                  <a:cubicBezTo>
+                    <a:pt x="0" y="242606"/>
+                    <a:pt x="242606" y="0"/>
+                    <a:pt x="541875" y="0"/>
+                  </a:cubicBezTo>
+                  <a:cubicBezTo>
+                    <a:pt x="841144" y="0"/>
+                    <a:pt x="1083750" y="242606"/>
+                    <a:pt x="1083750" y="541875"/>
+                  </a:cubicBezTo>
+                  <a:cubicBezTo>
+                    <a:pt x="1083750" y="841144"/>
+                    <a:pt x="841144" y="1083750"/>
+                    <a:pt x="541875" y="1083750"/>
+                  </a:cubicBezTo>
+                  <a:cubicBezTo>
+                    <a:pt x="242606" y="1083750"/>
+                    <a:pt x="0" y="841144"/>
+                    <a:pt x="0" y="541875"/>
+                  </a:cubicBezTo>
+                  <a:close/>
+                </a:path>
+              </a:pathLst>
+            </a:custGeom>
+          </p:spPr>
+          <p:style>
+            <a:lnRef idx="0">
+              <a:schemeClr val="lt1">
+                <a:hueOff val="0"/>
+                <a:satOff val="0"/>
+                <a:lumOff val="0"/>
+                <a:alphaOff val="0"/>
+              </a:schemeClr>
+            </a:lnRef>
+            <a:fillRef idx="3">
+              <a:schemeClr val="accent6">
+                <a:alpha val="90000"/>
+                <a:hueOff val="0"/>
+                <a:satOff val="0"/>
+                <a:lumOff val="0"/>
+                <a:alphaOff val="-8000"/>
+              </a:schemeClr>
+            </a:fillRef>
+            <a:effectRef idx="3">
+              <a:schemeClr val="accent6">
+                <a:alpha val="90000"/>
+                <a:hueOff val="0"/>
+                <a:satOff val="0"/>
+                <a:lumOff val="0"/>
+                <a:alphaOff val="-8000"/>
+              </a:schemeClr>
+            </a:effectRef>
+            <a:fontRef idx="minor">
+              <a:schemeClr val="lt1"/>
+            </a:fontRef>
+          </p:style>
+          <p:txBody>
+            <a:bodyPr spcFirstLastPara="0" vert="horz" wrap="square" lIns="173951" tIns="173951" rIns="173951" bIns="173951" numCol="1" spcCol="1270" anchor="ctr" anchorCtr="0">
+              <a:noAutofit/>
+            </a:bodyPr>
+            <a:lstStyle/>
+            <a:p>
+              <a:pPr lvl="0" algn="ctr" defTabSz="533400">
+                <a:lnSpc>
+                  <a:spcPct val="90000"/>
+                </a:lnSpc>
+                <a:spcBef>
+                  <a:spcPct val="0"/>
+                </a:spcBef>
+                <a:spcAft>
+                  <a:spcPct val="35000"/>
+                </a:spcAft>
+              </a:pPr>
+              <a:r>
+                <a:rPr lang="en-US" altLang="zh-CN" sz="1200" kern="1200" dirty="0" smtClean="0"/>
+                <a:t>Compile to </a:t>
+              </a:r>
+              <a:r>
+                <a:rPr lang="en-US" altLang="zh-CN" sz="1200" kern="1200" dirty="0" err="1" smtClean="0"/>
+                <a:t>Dotnet</a:t>
+              </a:r>
+              <a:r>
+                <a:rPr lang="en-US" altLang="zh-CN" sz="1200" kern="1200" dirty="0" smtClean="0"/>
+                <a:t> DLL</a:t>
+              </a:r>
+              <a:endParaRPr lang="zh-CN" altLang="en-US" sz="1200" kern="1200" dirty="0"/>
+            </a:p>
+          </p:txBody>
+        </p:sp>
+        <p:sp>
+          <p:nvSpPr>
+            <p:cNvPr id="56" name="任意多边形 55"/>
+            <p:cNvSpPr/>
+            <p:nvPr/>
+          </p:nvSpPr>
+          <p:spPr>
+            <a:xfrm rot="5400000">
+              <a:off x="9907599" y="3427072"/>
+              <a:ext cx="289306" cy="365765"/>
+            </a:xfrm>
+            <a:custGeom>
+              <a:avLst/>
+              <a:gdLst>
+                <a:gd name="connsiteX0" fmla="*/ 0 w 289306"/>
+                <a:gd name="connsiteY0" fmla="*/ 73153 h 365765"/>
+                <a:gd name="connsiteX1" fmla="*/ 144653 w 289306"/>
+                <a:gd name="connsiteY1" fmla="*/ 73153 h 365765"/>
+                <a:gd name="connsiteX2" fmla="*/ 144653 w 289306"/>
+                <a:gd name="connsiteY2" fmla="*/ 0 h 365765"/>
+                <a:gd name="connsiteX3" fmla="*/ 289306 w 289306"/>
+                <a:gd name="connsiteY3" fmla="*/ 182883 h 365765"/>
+                <a:gd name="connsiteX4" fmla="*/ 144653 w 289306"/>
+                <a:gd name="connsiteY4" fmla="*/ 365765 h 365765"/>
+                <a:gd name="connsiteX5" fmla="*/ 144653 w 289306"/>
+                <a:gd name="connsiteY5" fmla="*/ 292612 h 365765"/>
+                <a:gd name="connsiteX6" fmla="*/ 0 w 289306"/>
+                <a:gd name="connsiteY6" fmla="*/ 292612 h 365765"/>
+                <a:gd name="connsiteX7" fmla="*/ 0 w 289306"/>
+                <a:gd name="connsiteY7" fmla="*/ 73153 h 365765"/>
+              </a:gdLst>
+              <a:ahLst/>
+              <a:cxnLst>
+                <a:cxn ang="0">
+                  <a:pos x="connsiteX0" y="connsiteY0"/>
+                </a:cxn>
+                <a:cxn ang="0">
+                  <a:pos x="connsiteX1" y="connsiteY1"/>
+                </a:cxn>
+                <a:cxn ang="0">
+                  <a:pos x="connsiteX2" y="connsiteY2"/>
+                </a:cxn>
+                <a:cxn ang="0">
+                  <a:pos x="connsiteX3" y="connsiteY3"/>
+                </a:cxn>
+                <a:cxn ang="0">
+                  <a:pos x="connsiteX4" y="connsiteY4"/>
+                </a:cxn>
+                <a:cxn ang="0">
+                  <a:pos x="connsiteX5" y="connsiteY5"/>
+                </a:cxn>
+                <a:cxn ang="0">
+                  <a:pos x="connsiteX6" y="connsiteY6"/>
+                </a:cxn>
+                <a:cxn ang="0">
+                  <a:pos x="connsiteX7" y="connsiteY7"/>
+                </a:cxn>
+              </a:cxnLst>
+              <a:rect l="l" t="t" r="r" b="b"/>
+              <a:pathLst>
+                <a:path w="289306" h="365765">
+                  <a:moveTo>
+                    <a:pt x="0" y="73153"/>
+                  </a:moveTo>
+                  <a:lnTo>
+                    <a:pt x="144653" y="73153"/>
+                  </a:lnTo>
+                  <a:lnTo>
+                    <a:pt x="144653" y="0"/>
+                  </a:lnTo>
+                  <a:lnTo>
+                    <a:pt x="289306" y="182883"/>
+                  </a:lnTo>
+                  <a:lnTo>
+                    <a:pt x="144653" y="365765"/>
+                  </a:lnTo>
+                  <a:lnTo>
+                    <a:pt x="144653" y="292612"/>
+                  </a:lnTo>
+                  <a:lnTo>
+                    <a:pt x="0" y="292612"/>
+                  </a:lnTo>
+                  <a:lnTo>
+                    <a:pt x="0" y="73153"/>
+                  </a:lnTo>
+                  <a:close/>
+                </a:path>
+              </a:pathLst>
+            </a:custGeom>
+          </p:spPr>
+          <p:style>
+            <a:lnRef idx="0">
+              <a:schemeClr val="accent6">
+                <a:shade val="90000"/>
+                <a:hueOff val="75974"/>
+                <a:satOff val="-3035"/>
+                <a:lumOff val="7038"/>
+                <a:alphaOff val="0"/>
+              </a:schemeClr>
+            </a:lnRef>
+            <a:fillRef idx="3">
+              <a:schemeClr val="accent6">
+                <a:shade val="90000"/>
+                <a:hueOff val="75974"/>
+                <a:satOff val="-3035"/>
+                <a:lumOff val="7038"/>
+                <a:alphaOff val="0"/>
+              </a:schemeClr>
+            </a:fillRef>
+            <a:effectRef idx="3">
+              <a:schemeClr val="accent6">
+                <a:shade val="90000"/>
+                <a:hueOff val="75974"/>
+                <a:satOff val="-3035"/>
+                <a:lumOff val="7038"/>
+                <a:alphaOff val="0"/>
+              </a:schemeClr>
+            </a:effectRef>
+            <a:fontRef idx="minor">
+              <a:schemeClr val="lt1"/>
+            </a:fontRef>
+          </p:style>
+          <p:txBody>
+            <a:bodyPr spcFirstLastPara="0" vert="horz" wrap="square" lIns="0" tIns="73152" rIns="86791" bIns="73153" numCol="1" spcCol="1270" anchor="ctr" anchorCtr="0">
+              <a:noAutofit/>
+            </a:bodyPr>
+            <a:lstStyle/>
+            <a:p>
+              <a:pPr lvl="0" algn="ctr" defTabSz="488950">
+                <a:lnSpc>
+                  <a:spcPct val="90000"/>
+                </a:lnSpc>
+                <a:spcBef>
+                  <a:spcPct val="0"/>
+                </a:spcBef>
+                <a:spcAft>
+                  <a:spcPct val="35000"/>
+                </a:spcAft>
+              </a:pPr>
+              <a:endParaRPr lang="zh-CN" altLang="en-US" sz="1100" kern="1200"/>
+            </a:p>
+          </p:txBody>
+        </p:sp>
+        <p:sp>
+          <p:nvSpPr>
+            <p:cNvPr id="57" name="任意多边形 56"/>
+            <p:cNvSpPr/>
+            <p:nvPr/>
+          </p:nvSpPr>
+          <p:spPr>
+            <a:xfrm>
+              <a:off x="9510377" y="3891073"/>
+              <a:ext cx="1083749" cy="1083749"/>
+            </a:xfrm>
+            <a:custGeom>
+              <a:avLst/>
+              <a:gdLst>
+                <a:gd name="connsiteX0" fmla="*/ 0 w 1083749"/>
+                <a:gd name="connsiteY0" fmla="*/ 541875 h 1083749"/>
+                <a:gd name="connsiteX1" fmla="*/ 541875 w 1083749"/>
+                <a:gd name="connsiteY1" fmla="*/ 0 h 1083749"/>
+                <a:gd name="connsiteX2" fmla="*/ 1083750 w 1083749"/>
+                <a:gd name="connsiteY2" fmla="*/ 541875 h 1083749"/>
+                <a:gd name="connsiteX3" fmla="*/ 541875 w 1083749"/>
+                <a:gd name="connsiteY3" fmla="*/ 1083750 h 1083749"/>
+                <a:gd name="connsiteX4" fmla="*/ 0 w 1083749"/>
+                <a:gd name="connsiteY4" fmla="*/ 541875 h 1083749"/>
+              </a:gdLst>
+              <a:ahLst/>
+              <a:cxnLst>
+                <a:cxn ang="0">
+                  <a:pos x="connsiteX0" y="connsiteY0"/>
+                </a:cxn>
+                <a:cxn ang="0">
+                  <a:pos x="connsiteX1" y="connsiteY1"/>
+                </a:cxn>
+                <a:cxn ang="0">
+                  <a:pos x="connsiteX2" y="connsiteY2"/>
+                </a:cxn>
+                <a:cxn ang="0">
+                  <a:pos x="connsiteX3" y="connsiteY3"/>
+                </a:cxn>
+                <a:cxn ang="0">
+                  <a:pos x="connsiteX4" y="connsiteY4"/>
+                </a:cxn>
+              </a:cxnLst>
+              <a:rect l="l" t="t" r="r" b="b"/>
+              <a:pathLst>
+                <a:path w="1083749" h="1083749">
+                  <a:moveTo>
+                    <a:pt x="0" y="541875"/>
+                  </a:moveTo>
+                  <a:cubicBezTo>
+                    <a:pt x="0" y="242606"/>
+                    <a:pt x="242606" y="0"/>
+                    <a:pt x="541875" y="0"/>
+                  </a:cubicBezTo>
+                  <a:cubicBezTo>
+                    <a:pt x="841144" y="0"/>
+                    <a:pt x="1083750" y="242606"/>
+                    <a:pt x="1083750" y="541875"/>
+                  </a:cubicBezTo>
+                  <a:cubicBezTo>
+                    <a:pt x="1083750" y="841144"/>
+                    <a:pt x="841144" y="1083750"/>
+                    <a:pt x="541875" y="1083750"/>
+                  </a:cubicBezTo>
+                  <a:cubicBezTo>
+                    <a:pt x="242606" y="1083750"/>
+                    <a:pt x="0" y="841144"/>
+                    <a:pt x="0" y="541875"/>
+                  </a:cubicBezTo>
+                  <a:close/>
+                </a:path>
+              </a:pathLst>
+            </a:custGeom>
+          </p:spPr>
+          <p:style>
+            <a:lnRef idx="0">
+              <a:schemeClr val="lt1">
+                <a:hueOff val="0"/>
+                <a:satOff val="0"/>
+                <a:lumOff val="0"/>
+                <a:alphaOff val="0"/>
+              </a:schemeClr>
+            </a:lnRef>
+            <a:fillRef idx="3">
+              <a:schemeClr val="accent6">
+                <a:alpha val="90000"/>
+                <a:hueOff val="0"/>
+                <a:satOff val="0"/>
+                <a:lumOff val="0"/>
+                <a:alphaOff val="-16000"/>
+              </a:schemeClr>
+            </a:fillRef>
+            <a:effectRef idx="3">
+              <a:schemeClr val="accent6">
+                <a:alpha val="90000"/>
+                <a:hueOff val="0"/>
+                <a:satOff val="0"/>
+                <a:lumOff val="0"/>
+                <a:alphaOff val="-16000"/>
+              </a:schemeClr>
+            </a:effectRef>
+            <a:fontRef idx="minor">
+              <a:schemeClr val="lt1"/>
+            </a:fontRef>
+          </p:style>
+          <p:txBody>
+            <a:bodyPr spcFirstLastPara="0" vert="horz" wrap="square" lIns="173951" tIns="173951" rIns="173951" bIns="173951" numCol="1" spcCol="1270" anchor="ctr" anchorCtr="0">
+              <a:noAutofit/>
+            </a:bodyPr>
+            <a:lstStyle/>
+            <a:p>
+              <a:pPr lvl="0" algn="ctr" defTabSz="533400">
+                <a:lnSpc>
+                  <a:spcPct val="90000"/>
+                </a:lnSpc>
+                <a:spcBef>
+                  <a:spcPct val="0"/>
+                </a:spcBef>
+                <a:spcAft>
+                  <a:spcPct val="35000"/>
+                </a:spcAft>
+              </a:pPr>
+              <a:r>
+                <a:rPr lang="en-US" altLang="zh-CN" sz="1200" kern="1200" dirty="0" smtClean="0"/>
+                <a:t>Compile to AVM</a:t>
+              </a:r>
+              <a:endParaRPr lang="zh-CN" altLang="en-US" sz="1200" kern="1200" dirty="0"/>
+            </a:p>
+          </p:txBody>
+        </p:sp>
+        <p:sp>
+          <p:nvSpPr>
+            <p:cNvPr id="58" name="任意多边形 57"/>
+            <p:cNvSpPr/>
+            <p:nvPr/>
+          </p:nvSpPr>
+          <p:spPr>
+            <a:xfrm rot="19800000">
+              <a:off x="9209048" y="4653373"/>
+              <a:ext cx="289306" cy="365766"/>
+            </a:xfrm>
+            <a:custGeom>
+              <a:avLst/>
+              <a:gdLst>
+                <a:gd name="connsiteX0" fmla="*/ 0 w 289306"/>
+                <a:gd name="connsiteY0" fmla="*/ 73153 h 365765"/>
+                <a:gd name="connsiteX1" fmla="*/ 144653 w 289306"/>
+                <a:gd name="connsiteY1" fmla="*/ 73153 h 365765"/>
+                <a:gd name="connsiteX2" fmla="*/ 144653 w 289306"/>
+                <a:gd name="connsiteY2" fmla="*/ 0 h 365765"/>
+                <a:gd name="connsiteX3" fmla="*/ 289306 w 289306"/>
+                <a:gd name="connsiteY3" fmla="*/ 182883 h 365765"/>
+                <a:gd name="connsiteX4" fmla="*/ 144653 w 289306"/>
+                <a:gd name="connsiteY4" fmla="*/ 365765 h 365765"/>
+                <a:gd name="connsiteX5" fmla="*/ 144653 w 289306"/>
+                <a:gd name="connsiteY5" fmla="*/ 292612 h 365765"/>
+                <a:gd name="connsiteX6" fmla="*/ 0 w 289306"/>
+                <a:gd name="connsiteY6" fmla="*/ 292612 h 365765"/>
+                <a:gd name="connsiteX7" fmla="*/ 0 w 289306"/>
+                <a:gd name="connsiteY7" fmla="*/ 73153 h 365765"/>
+              </a:gdLst>
+              <a:ahLst/>
+              <a:cxnLst>
+                <a:cxn ang="0">
+                  <a:pos x="connsiteX0" y="connsiteY0"/>
+                </a:cxn>
+                <a:cxn ang="0">
+                  <a:pos x="connsiteX1" y="connsiteY1"/>
+                </a:cxn>
+                <a:cxn ang="0">
+                  <a:pos x="connsiteX2" y="connsiteY2"/>
+                </a:cxn>
+                <a:cxn ang="0">
+                  <a:pos x="connsiteX3" y="connsiteY3"/>
+                </a:cxn>
+                <a:cxn ang="0">
+                  <a:pos x="connsiteX4" y="connsiteY4"/>
+                </a:cxn>
+                <a:cxn ang="0">
+                  <a:pos x="connsiteX5" y="connsiteY5"/>
+                </a:cxn>
+                <a:cxn ang="0">
+                  <a:pos x="connsiteX6" y="connsiteY6"/>
+                </a:cxn>
+                <a:cxn ang="0">
+                  <a:pos x="connsiteX7" y="connsiteY7"/>
+                </a:cxn>
+              </a:cxnLst>
+              <a:rect l="l" t="t" r="r" b="b"/>
+              <a:pathLst>
+                <a:path w="289306" h="365765">
+                  <a:moveTo>
+                    <a:pt x="289306" y="292612"/>
+                  </a:moveTo>
+                  <a:lnTo>
+                    <a:pt x="144653" y="292612"/>
+                  </a:lnTo>
+                  <a:lnTo>
+                    <a:pt x="144653" y="365765"/>
+                  </a:lnTo>
+                  <a:lnTo>
+                    <a:pt x="0" y="182882"/>
+                  </a:lnTo>
+                  <a:lnTo>
+                    <a:pt x="144653" y="0"/>
+                  </a:lnTo>
+                  <a:lnTo>
+                    <a:pt x="144653" y="73153"/>
+                  </a:lnTo>
+                  <a:lnTo>
+                    <a:pt x="289306" y="73153"/>
+                  </a:lnTo>
+                  <a:lnTo>
+                    <a:pt x="289306" y="292612"/>
+                  </a:lnTo>
+                  <a:close/>
+                </a:path>
+              </a:pathLst>
+            </a:custGeom>
+          </p:spPr>
+          <p:style>
+            <a:lnRef idx="0">
+              <a:schemeClr val="accent6">
+                <a:shade val="90000"/>
+                <a:hueOff val="151948"/>
+                <a:satOff val="-6069"/>
+                <a:lumOff val="14076"/>
+                <a:alphaOff val="0"/>
+              </a:schemeClr>
+            </a:lnRef>
+            <a:fillRef idx="3">
+              <a:schemeClr val="accent6">
+                <a:shade val="90000"/>
+                <a:hueOff val="151948"/>
+                <a:satOff val="-6069"/>
+                <a:lumOff val="14076"/>
+                <a:alphaOff val="0"/>
+              </a:schemeClr>
+            </a:fillRef>
+            <a:effectRef idx="3">
+              <a:schemeClr val="accent6">
+                <a:shade val="90000"/>
+                <a:hueOff val="151948"/>
+                <a:satOff val="-6069"/>
+                <a:lumOff val="14076"/>
+                <a:alphaOff val="0"/>
+              </a:schemeClr>
+            </a:effectRef>
+            <a:fontRef idx="minor">
+              <a:schemeClr val="lt1"/>
+            </a:fontRef>
+          </p:style>
+          <p:txBody>
+            <a:bodyPr spcFirstLastPara="0" vert="horz" wrap="square" lIns="86791" tIns="73153" rIns="0" bIns="73153" numCol="1" spcCol="1270" anchor="ctr" anchorCtr="0">
+              <a:noAutofit/>
+            </a:bodyPr>
+            <a:lstStyle/>
+            <a:p>
+              <a:pPr lvl="0" algn="ctr" defTabSz="488950">
+                <a:lnSpc>
+                  <a:spcPct val="90000"/>
+                </a:lnSpc>
+                <a:spcBef>
+                  <a:spcPct val="0"/>
+                </a:spcBef>
+                <a:spcAft>
+                  <a:spcPct val="35000"/>
+                </a:spcAft>
+              </a:pPr>
+              <a:endParaRPr lang="zh-CN" altLang="en-US" sz="1100" kern="1200"/>
+            </a:p>
+          </p:txBody>
+        </p:sp>
+        <p:sp>
+          <p:nvSpPr>
+            <p:cNvPr id="59" name="任意多边形 58"/>
+            <p:cNvSpPr/>
+            <p:nvPr/>
+          </p:nvSpPr>
+          <p:spPr>
+            <a:xfrm>
+              <a:off x="8099093" y="4705879"/>
+              <a:ext cx="1083749" cy="1083749"/>
+            </a:xfrm>
+            <a:custGeom>
+              <a:avLst/>
+              <a:gdLst>
+                <a:gd name="connsiteX0" fmla="*/ 0 w 1083749"/>
+                <a:gd name="connsiteY0" fmla="*/ 541875 h 1083749"/>
+                <a:gd name="connsiteX1" fmla="*/ 541875 w 1083749"/>
+                <a:gd name="connsiteY1" fmla="*/ 0 h 1083749"/>
+                <a:gd name="connsiteX2" fmla="*/ 1083750 w 1083749"/>
+                <a:gd name="connsiteY2" fmla="*/ 541875 h 1083749"/>
+                <a:gd name="connsiteX3" fmla="*/ 541875 w 1083749"/>
+                <a:gd name="connsiteY3" fmla="*/ 1083750 h 1083749"/>
+                <a:gd name="connsiteX4" fmla="*/ 0 w 1083749"/>
+                <a:gd name="connsiteY4" fmla="*/ 541875 h 1083749"/>
+              </a:gdLst>
+              <a:ahLst/>
+              <a:cxnLst>
+                <a:cxn ang="0">
+                  <a:pos x="connsiteX0" y="connsiteY0"/>
+                </a:cxn>
+                <a:cxn ang="0">
+                  <a:pos x="connsiteX1" y="connsiteY1"/>
+                </a:cxn>
+                <a:cxn ang="0">
+                  <a:pos x="connsiteX2" y="connsiteY2"/>
+                </a:cxn>
+                <a:cxn ang="0">
+                  <a:pos x="connsiteX3" y="connsiteY3"/>
+                </a:cxn>
+                <a:cxn ang="0">
+                  <a:pos x="connsiteX4" y="connsiteY4"/>
+                </a:cxn>
+              </a:cxnLst>
+              <a:rect l="l" t="t" r="r" b="b"/>
+              <a:pathLst>
+                <a:path w="1083749" h="1083749">
+                  <a:moveTo>
+                    <a:pt x="0" y="541875"/>
+                  </a:moveTo>
+                  <a:cubicBezTo>
+                    <a:pt x="0" y="242606"/>
+                    <a:pt x="242606" y="0"/>
+                    <a:pt x="541875" y="0"/>
+                  </a:cubicBezTo>
+                  <a:cubicBezTo>
+                    <a:pt x="841144" y="0"/>
+                    <a:pt x="1083750" y="242606"/>
+                    <a:pt x="1083750" y="541875"/>
+                  </a:cubicBezTo>
+                  <a:cubicBezTo>
+                    <a:pt x="1083750" y="841144"/>
+                    <a:pt x="841144" y="1083750"/>
+                    <a:pt x="541875" y="1083750"/>
+                  </a:cubicBezTo>
+                  <a:cubicBezTo>
+                    <a:pt x="242606" y="1083750"/>
+                    <a:pt x="0" y="841144"/>
+                    <a:pt x="0" y="541875"/>
+                  </a:cubicBezTo>
+                  <a:close/>
+                </a:path>
+              </a:pathLst>
+            </a:custGeom>
+          </p:spPr>
+          <p:style>
+            <a:lnRef idx="0">
+              <a:schemeClr val="lt1">
+                <a:hueOff val="0"/>
+                <a:satOff val="0"/>
+                <a:lumOff val="0"/>
+                <a:alphaOff val="0"/>
+              </a:schemeClr>
+            </a:lnRef>
+            <a:fillRef idx="3">
+              <a:schemeClr val="accent6">
+                <a:alpha val="90000"/>
+                <a:hueOff val="0"/>
+                <a:satOff val="0"/>
+                <a:lumOff val="0"/>
+                <a:alphaOff val="-24000"/>
+              </a:schemeClr>
+            </a:fillRef>
+            <a:effectRef idx="3">
+              <a:schemeClr val="accent6">
+                <a:alpha val="90000"/>
+                <a:hueOff val="0"/>
+                <a:satOff val="0"/>
+                <a:lumOff val="0"/>
+                <a:alphaOff val="-24000"/>
+              </a:schemeClr>
+            </a:effectRef>
+            <a:fontRef idx="minor">
+              <a:schemeClr val="lt1"/>
+            </a:fontRef>
+          </p:style>
+          <p:txBody>
+            <a:bodyPr spcFirstLastPara="0" vert="horz" wrap="square" lIns="173951" tIns="173951" rIns="173951" bIns="173951" numCol="1" spcCol="1270" anchor="ctr" anchorCtr="0">
+              <a:noAutofit/>
+            </a:bodyPr>
+            <a:lstStyle/>
+            <a:p>
+              <a:pPr lvl="0" algn="ctr" defTabSz="533400">
+                <a:lnSpc>
+                  <a:spcPct val="90000"/>
+                </a:lnSpc>
+                <a:spcBef>
+                  <a:spcPct val="0"/>
+                </a:spcBef>
+                <a:spcAft>
+                  <a:spcPct val="35000"/>
+                </a:spcAft>
+              </a:pPr>
+              <a:r>
+                <a:rPr lang="en-US" altLang="zh-CN" sz="1200" kern="1200" dirty="0" err="1" smtClean="0"/>
+                <a:t>Depoly</a:t>
+              </a:r>
+              <a:r>
+                <a:rPr lang="en-US" altLang="zh-CN" sz="1200" kern="1200" dirty="0" smtClean="0"/>
+                <a:t> </a:t>
+              </a:r>
+            </a:p>
+            <a:p>
+              <a:pPr lvl="0" algn="ctr" defTabSz="533400">
+                <a:lnSpc>
+                  <a:spcPct val="90000"/>
+                </a:lnSpc>
+                <a:spcBef>
+                  <a:spcPct val="0"/>
+                </a:spcBef>
+                <a:spcAft>
+                  <a:spcPct val="35000"/>
+                </a:spcAft>
+              </a:pPr>
+              <a:r>
+                <a:rPr lang="en-US" altLang="zh-CN" sz="1200" kern="1200" dirty="0" smtClean="0"/>
+                <a:t>Contract</a:t>
+              </a:r>
+              <a:endParaRPr lang="zh-CN" altLang="en-US" sz="1200" kern="1200" dirty="0"/>
+            </a:p>
+          </p:txBody>
+        </p:sp>
+        <p:sp>
+          <p:nvSpPr>
+            <p:cNvPr id="60" name="任意多边形 59"/>
+            <p:cNvSpPr/>
+            <p:nvPr/>
+          </p:nvSpPr>
+          <p:spPr>
+            <a:xfrm rot="1800000">
+              <a:off x="7797763" y="4661561"/>
+              <a:ext cx="289307" cy="365766"/>
+            </a:xfrm>
+            <a:custGeom>
+              <a:avLst/>
+              <a:gdLst>
+                <a:gd name="connsiteX0" fmla="*/ 0 w 289306"/>
+                <a:gd name="connsiteY0" fmla="*/ 73153 h 365765"/>
+                <a:gd name="connsiteX1" fmla="*/ 144653 w 289306"/>
+                <a:gd name="connsiteY1" fmla="*/ 73153 h 365765"/>
+                <a:gd name="connsiteX2" fmla="*/ 144653 w 289306"/>
+                <a:gd name="connsiteY2" fmla="*/ 0 h 365765"/>
+                <a:gd name="connsiteX3" fmla="*/ 289306 w 289306"/>
+                <a:gd name="connsiteY3" fmla="*/ 182883 h 365765"/>
+                <a:gd name="connsiteX4" fmla="*/ 144653 w 289306"/>
+                <a:gd name="connsiteY4" fmla="*/ 365765 h 365765"/>
+                <a:gd name="connsiteX5" fmla="*/ 144653 w 289306"/>
+                <a:gd name="connsiteY5" fmla="*/ 292612 h 365765"/>
+                <a:gd name="connsiteX6" fmla="*/ 0 w 289306"/>
+                <a:gd name="connsiteY6" fmla="*/ 292612 h 365765"/>
+                <a:gd name="connsiteX7" fmla="*/ 0 w 289306"/>
+                <a:gd name="connsiteY7" fmla="*/ 73153 h 365765"/>
+              </a:gdLst>
+              <a:ahLst/>
+              <a:cxnLst>
+                <a:cxn ang="0">
+                  <a:pos x="connsiteX0" y="connsiteY0"/>
+                </a:cxn>
+                <a:cxn ang="0">
+                  <a:pos x="connsiteX1" y="connsiteY1"/>
+                </a:cxn>
+                <a:cxn ang="0">
+                  <a:pos x="connsiteX2" y="connsiteY2"/>
+                </a:cxn>
+                <a:cxn ang="0">
+                  <a:pos x="connsiteX3" y="connsiteY3"/>
+                </a:cxn>
+                <a:cxn ang="0">
+                  <a:pos x="connsiteX4" y="connsiteY4"/>
+                </a:cxn>
+                <a:cxn ang="0">
+                  <a:pos x="connsiteX5" y="connsiteY5"/>
+                </a:cxn>
+                <a:cxn ang="0">
+                  <a:pos x="connsiteX6" y="connsiteY6"/>
+                </a:cxn>
+                <a:cxn ang="0">
+                  <a:pos x="connsiteX7" y="connsiteY7"/>
+                </a:cxn>
+              </a:cxnLst>
+              <a:rect l="l" t="t" r="r" b="b"/>
+              <a:pathLst>
+                <a:path w="289306" h="365765">
+                  <a:moveTo>
+                    <a:pt x="289306" y="292612"/>
+                  </a:moveTo>
+                  <a:lnTo>
+                    <a:pt x="144653" y="292612"/>
+                  </a:lnTo>
+                  <a:lnTo>
+                    <a:pt x="144653" y="365765"/>
+                  </a:lnTo>
+                  <a:lnTo>
+                    <a:pt x="0" y="182882"/>
+                  </a:lnTo>
+                  <a:lnTo>
+                    <a:pt x="144653" y="0"/>
+                  </a:lnTo>
+                  <a:lnTo>
+                    <a:pt x="144653" y="73153"/>
+                  </a:lnTo>
+                  <a:lnTo>
+                    <a:pt x="289306" y="73153"/>
+                  </a:lnTo>
+                  <a:lnTo>
+                    <a:pt x="289306" y="292612"/>
+                  </a:lnTo>
+                  <a:close/>
+                </a:path>
+              </a:pathLst>
+            </a:custGeom>
+          </p:spPr>
+          <p:style>
+            <a:lnRef idx="0">
+              <a:schemeClr val="accent6">
+                <a:shade val="90000"/>
+                <a:hueOff val="227922"/>
+                <a:satOff val="-9104"/>
+                <a:lumOff val="21115"/>
+                <a:alphaOff val="0"/>
+              </a:schemeClr>
+            </a:lnRef>
+            <a:fillRef idx="3">
+              <a:schemeClr val="accent6">
+                <a:shade val="90000"/>
+                <a:hueOff val="227922"/>
+                <a:satOff val="-9104"/>
+                <a:lumOff val="21115"/>
+                <a:alphaOff val="0"/>
+              </a:schemeClr>
+            </a:fillRef>
+            <a:effectRef idx="3">
+              <a:schemeClr val="accent6">
+                <a:shade val="90000"/>
+                <a:hueOff val="227922"/>
+                <a:satOff val="-9104"/>
+                <a:lumOff val="21115"/>
+                <a:alphaOff val="0"/>
+              </a:schemeClr>
+            </a:effectRef>
+            <a:fontRef idx="minor">
+              <a:schemeClr val="lt1"/>
+            </a:fontRef>
+          </p:style>
+          <p:txBody>
+            <a:bodyPr spcFirstLastPara="0" vert="horz" wrap="square" lIns="86792" tIns="73153" rIns="0" bIns="73153" numCol="1" spcCol="1270" anchor="ctr" anchorCtr="0">
+              <a:noAutofit/>
+            </a:bodyPr>
+            <a:lstStyle/>
+            <a:p>
+              <a:pPr lvl="0" algn="ctr" defTabSz="488950">
+                <a:lnSpc>
+                  <a:spcPct val="90000"/>
+                </a:lnSpc>
+                <a:spcBef>
+                  <a:spcPct val="0"/>
+                </a:spcBef>
+                <a:spcAft>
+                  <a:spcPct val="35000"/>
+                </a:spcAft>
+              </a:pPr>
+              <a:endParaRPr lang="zh-CN" altLang="en-US" sz="1100" kern="1200"/>
+            </a:p>
+          </p:txBody>
+        </p:sp>
+        <p:sp>
+          <p:nvSpPr>
+            <p:cNvPr id="61" name="任意多边形 60"/>
+            <p:cNvSpPr/>
+            <p:nvPr/>
+          </p:nvSpPr>
+          <p:spPr>
+            <a:xfrm>
+              <a:off x="6687808" y="3891073"/>
+              <a:ext cx="1083749" cy="1083749"/>
+            </a:xfrm>
+            <a:custGeom>
+              <a:avLst/>
+              <a:gdLst>
+                <a:gd name="connsiteX0" fmla="*/ 0 w 1083749"/>
+                <a:gd name="connsiteY0" fmla="*/ 541875 h 1083749"/>
+                <a:gd name="connsiteX1" fmla="*/ 541875 w 1083749"/>
+                <a:gd name="connsiteY1" fmla="*/ 0 h 1083749"/>
+                <a:gd name="connsiteX2" fmla="*/ 1083750 w 1083749"/>
+                <a:gd name="connsiteY2" fmla="*/ 541875 h 1083749"/>
+                <a:gd name="connsiteX3" fmla="*/ 541875 w 1083749"/>
+                <a:gd name="connsiteY3" fmla="*/ 1083750 h 1083749"/>
+                <a:gd name="connsiteX4" fmla="*/ 0 w 1083749"/>
+                <a:gd name="connsiteY4" fmla="*/ 541875 h 1083749"/>
+              </a:gdLst>
+              <a:ahLst/>
+              <a:cxnLst>
+                <a:cxn ang="0">
+                  <a:pos x="connsiteX0" y="connsiteY0"/>
+                </a:cxn>
+                <a:cxn ang="0">
+                  <a:pos x="connsiteX1" y="connsiteY1"/>
+                </a:cxn>
+                <a:cxn ang="0">
+                  <a:pos x="connsiteX2" y="connsiteY2"/>
+                </a:cxn>
+                <a:cxn ang="0">
+                  <a:pos x="connsiteX3" y="connsiteY3"/>
+                </a:cxn>
+                <a:cxn ang="0">
+                  <a:pos x="connsiteX4" y="connsiteY4"/>
+                </a:cxn>
+              </a:cxnLst>
+              <a:rect l="l" t="t" r="r" b="b"/>
+              <a:pathLst>
+                <a:path w="1083749" h="1083749">
+                  <a:moveTo>
+                    <a:pt x="0" y="541875"/>
+                  </a:moveTo>
+                  <a:cubicBezTo>
+                    <a:pt x="0" y="242606"/>
+                    <a:pt x="242606" y="0"/>
+                    <a:pt x="541875" y="0"/>
+                  </a:cubicBezTo>
+                  <a:cubicBezTo>
+                    <a:pt x="841144" y="0"/>
+                    <a:pt x="1083750" y="242606"/>
+                    <a:pt x="1083750" y="541875"/>
+                  </a:cubicBezTo>
+                  <a:cubicBezTo>
+                    <a:pt x="1083750" y="841144"/>
+                    <a:pt x="841144" y="1083750"/>
+                    <a:pt x="541875" y="1083750"/>
+                  </a:cubicBezTo>
+                  <a:cubicBezTo>
+                    <a:pt x="242606" y="1083750"/>
+                    <a:pt x="0" y="841144"/>
+                    <a:pt x="0" y="541875"/>
+                  </a:cubicBezTo>
+                  <a:close/>
+                </a:path>
+              </a:pathLst>
+            </a:custGeom>
+          </p:spPr>
+          <p:style>
+            <a:lnRef idx="0">
+              <a:schemeClr val="lt1">
+                <a:hueOff val="0"/>
+                <a:satOff val="0"/>
+                <a:lumOff val="0"/>
+                <a:alphaOff val="0"/>
+              </a:schemeClr>
+            </a:lnRef>
+            <a:fillRef idx="3">
+              <a:schemeClr val="accent6">
+                <a:alpha val="90000"/>
+                <a:hueOff val="0"/>
+                <a:satOff val="0"/>
+                <a:lumOff val="0"/>
+                <a:alphaOff val="-32000"/>
+              </a:schemeClr>
+            </a:fillRef>
+            <a:effectRef idx="3">
+              <a:schemeClr val="accent6">
+                <a:alpha val="90000"/>
+                <a:hueOff val="0"/>
+                <a:satOff val="0"/>
+                <a:lumOff val="0"/>
+                <a:alphaOff val="-32000"/>
+              </a:schemeClr>
+            </a:effectRef>
+            <a:fontRef idx="minor">
+              <a:schemeClr val="lt1"/>
+            </a:fontRef>
+          </p:style>
+          <p:txBody>
+            <a:bodyPr spcFirstLastPara="0" vert="horz" wrap="square" lIns="173951" tIns="173951" rIns="173951" bIns="173951" numCol="1" spcCol="1270" anchor="ctr" anchorCtr="0">
+              <a:noAutofit/>
+            </a:bodyPr>
+            <a:lstStyle/>
+            <a:p>
+              <a:pPr lvl="0" algn="ctr" defTabSz="533400">
+                <a:lnSpc>
+                  <a:spcPct val="90000"/>
+                </a:lnSpc>
+                <a:spcBef>
+                  <a:spcPct val="0"/>
+                </a:spcBef>
+                <a:spcAft>
+                  <a:spcPct val="35000"/>
+                </a:spcAft>
+              </a:pPr>
+              <a:r>
+                <a:rPr lang="en-US" altLang="zh-CN" sz="1200" kern="1200" dirty="0"/>
+                <a:t>Invoke Transaction</a:t>
+              </a:r>
+              <a:endParaRPr lang="zh-CN" altLang="en-US" sz="1200" kern="1200" dirty="0"/>
+            </a:p>
+          </p:txBody>
+        </p:sp>
+        <p:sp>
+          <p:nvSpPr>
+            <p:cNvPr id="64" name="任意多边形 63"/>
+            <p:cNvSpPr/>
+            <p:nvPr/>
+          </p:nvSpPr>
+          <p:spPr>
+            <a:xfrm>
+              <a:off x="8099092" y="4189617"/>
+              <a:ext cx="1277011" cy="365765"/>
+            </a:xfrm>
+            <a:custGeom>
+              <a:avLst/>
+              <a:gdLst>
+                <a:gd name="connsiteX0" fmla="*/ 0 w 289306"/>
+                <a:gd name="connsiteY0" fmla="*/ 73153 h 365765"/>
+                <a:gd name="connsiteX1" fmla="*/ 144653 w 289306"/>
+                <a:gd name="connsiteY1" fmla="*/ 73153 h 365765"/>
+                <a:gd name="connsiteX2" fmla="*/ 144653 w 289306"/>
+                <a:gd name="connsiteY2" fmla="*/ 0 h 365765"/>
+                <a:gd name="connsiteX3" fmla="*/ 289306 w 289306"/>
+                <a:gd name="connsiteY3" fmla="*/ 182883 h 365765"/>
+                <a:gd name="connsiteX4" fmla="*/ 144653 w 289306"/>
+                <a:gd name="connsiteY4" fmla="*/ 365765 h 365765"/>
+                <a:gd name="connsiteX5" fmla="*/ 144653 w 289306"/>
+                <a:gd name="connsiteY5" fmla="*/ 292612 h 365765"/>
+                <a:gd name="connsiteX6" fmla="*/ 0 w 289306"/>
+                <a:gd name="connsiteY6" fmla="*/ 292612 h 365765"/>
+                <a:gd name="connsiteX7" fmla="*/ 0 w 289306"/>
+                <a:gd name="connsiteY7" fmla="*/ 73153 h 365765"/>
+              </a:gdLst>
+              <a:ahLst/>
+              <a:cxnLst>
+                <a:cxn ang="0">
+                  <a:pos x="connsiteX0" y="connsiteY0"/>
+                </a:cxn>
+                <a:cxn ang="0">
+                  <a:pos x="connsiteX1" y="connsiteY1"/>
+                </a:cxn>
+                <a:cxn ang="0">
+                  <a:pos x="connsiteX2" y="connsiteY2"/>
+                </a:cxn>
+                <a:cxn ang="0">
+                  <a:pos x="connsiteX3" y="connsiteY3"/>
+                </a:cxn>
+                <a:cxn ang="0">
+                  <a:pos x="connsiteX4" y="connsiteY4"/>
+                </a:cxn>
+                <a:cxn ang="0">
+                  <a:pos x="connsiteX5" y="connsiteY5"/>
+                </a:cxn>
+                <a:cxn ang="0">
+                  <a:pos x="connsiteX6" y="connsiteY6"/>
+                </a:cxn>
+                <a:cxn ang="0">
+                  <a:pos x="connsiteX7" y="connsiteY7"/>
+                </a:cxn>
+              </a:cxnLst>
+              <a:rect l="l" t="t" r="r" b="b"/>
+              <a:pathLst>
+                <a:path w="289306" h="365765">
+                  <a:moveTo>
+                    <a:pt x="0" y="73153"/>
+                  </a:moveTo>
+                  <a:lnTo>
+                    <a:pt x="144653" y="73153"/>
+                  </a:lnTo>
+                  <a:lnTo>
+                    <a:pt x="144653" y="0"/>
+                  </a:lnTo>
+                  <a:lnTo>
+                    <a:pt x="289306" y="182883"/>
+                  </a:lnTo>
+                  <a:lnTo>
+                    <a:pt x="144653" y="365765"/>
+                  </a:lnTo>
+                  <a:lnTo>
+                    <a:pt x="144653" y="292612"/>
+                  </a:lnTo>
+                  <a:lnTo>
+                    <a:pt x="0" y="292612"/>
+                  </a:lnTo>
+                  <a:lnTo>
+                    <a:pt x="0" y="73153"/>
+                  </a:lnTo>
+                  <a:close/>
+                </a:path>
+              </a:pathLst>
+            </a:custGeom>
+            <a:solidFill>
+              <a:srgbClr val="FF0000"/>
+            </a:solidFill>
+          </p:spPr>
+          <p:style>
+            <a:lnRef idx="0">
+              <a:schemeClr val="accent6">
+                <a:shade val="90000"/>
+                <a:hueOff val="379870"/>
+                <a:satOff val="-15173"/>
+                <a:lumOff val="35191"/>
+                <a:alphaOff val="0"/>
+              </a:schemeClr>
+            </a:lnRef>
+            <a:fillRef idx="3">
+              <a:scrgbClr r="0" g="0" b="0"/>
+            </a:fillRef>
+            <a:effectRef idx="3">
+              <a:schemeClr val="accent6">
+                <a:shade val="90000"/>
+                <a:hueOff val="379870"/>
+                <a:satOff val="-15173"/>
+                <a:lumOff val="35191"/>
+                <a:alphaOff val="0"/>
+              </a:schemeClr>
+            </a:effectRef>
+            <a:fontRef idx="minor">
+              <a:schemeClr val="lt1"/>
+            </a:fontRef>
+          </p:style>
+          <p:txBody>
+            <a:bodyPr spcFirstLastPara="0" vert="horz" wrap="square" lIns="-1" tIns="73152" rIns="86792" bIns="73153" numCol="1" spcCol="1270" anchor="ctr" anchorCtr="0">
+              <a:noAutofit/>
+            </a:bodyPr>
+            <a:lstStyle/>
+            <a:p>
+              <a:pPr lvl="0" algn="ctr" defTabSz="488950">
+                <a:lnSpc>
+                  <a:spcPct val="90000"/>
+                </a:lnSpc>
+                <a:spcBef>
+                  <a:spcPct val="0"/>
+                </a:spcBef>
+                <a:spcAft>
+                  <a:spcPct val="35000"/>
+                </a:spcAft>
+              </a:pPr>
+              <a:endParaRPr lang="zh-CN" altLang="en-US" sz="1100" kern="1200"/>
+            </a:p>
+          </p:txBody>
+        </p:sp>
+        <p:sp>
+          <p:nvSpPr>
+            <p:cNvPr id="65" name="任意多边形 64"/>
+            <p:cNvSpPr/>
+            <p:nvPr/>
+          </p:nvSpPr>
+          <p:spPr>
+            <a:xfrm rot="14225127">
+              <a:off x="8620577" y="3115689"/>
+              <a:ext cx="1277011" cy="365765"/>
+            </a:xfrm>
+            <a:custGeom>
+              <a:avLst/>
+              <a:gdLst>
+                <a:gd name="connsiteX0" fmla="*/ 0 w 289306"/>
+                <a:gd name="connsiteY0" fmla="*/ 73153 h 365765"/>
+                <a:gd name="connsiteX1" fmla="*/ 144653 w 289306"/>
+                <a:gd name="connsiteY1" fmla="*/ 73153 h 365765"/>
+                <a:gd name="connsiteX2" fmla="*/ 144653 w 289306"/>
+                <a:gd name="connsiteY2" fmla="*/ 0 h 365765"/>
+                <a:gd name="connsiteX3" fmla="*/ 289306 w 289306"/>
+                <a:gd name="connsiteY3" fmla="*/ 182883 h 365765"/>
+                <a:gd name="connsiteX4" fmla="*/ 144653 w 289306"/>
+                <a:gd name="connsiteY4" fmla="*/ 365765 h 365765"/>
+                <a:gd name="connsiteX5" fmla="*/ 144653 w 289306"/>
+                <a:gd name="connsiteY5" fmla="*/ 292612 h 365765"/>
+                <a:gd name="connsiteX6" fmla="*/ 0 w 289306"/>
+                <a:gd name="connsiteY6" fmla="*/ 292612 h 365765"/>
+                <a:gd name="connsiteX7" fmla="*/ 0 w 289306"/>
+                <a:gd name="connsiteY7" fmla="*/ 73153 h 365765"/>
+              </a:gdLst>
+              <a:ahLst/>
+              <a:cxnLst>
+                <a:cxn ang="0">
+                  <a:pos x="connsiteX0" y="connsiteY0"/>
+                </a:cxn>
+                <a:cxn ang="0">
+                  <a:pos x="connsiteX1" y="connsiteY1"/>
+                </a:cxn>
+                <a:cxn ang="0">
+                  <a:pos x="connsiteX2" y="connsiteY2"/>
+                </a:cxn>
+                <a:cxn ang="0">
+                  <a:pos x="connsiteX3" y="connsiteY3"/>
+                </a:cxn>
+                <a:cxn ang="0">
+                  <a:pos x="connsiteX4" y="connsiteY4"/>
+                </a:cxn>
+                <a:cxn ang="0">
+                  <a:pos x="connsiteX5" y="connsiteY5"/>
+                </a:cxn>
+                <a:cxn ang="0">
+                  <a:pos x="connsiteX6" y="connsiteY6"/>
+                </a:cxn>
+                <a:cxn ang="0">
+                  <a:pos x="connsiteX7" y="connsiteY7"/>
+                </a:cxn>
+              </a:cxnLst>
+              <a:rect l="l" t="t" r="r" b="b"/>
+              <a:pathLst>
+                <a:path w="289306" h="365765">
+                  <a:moveTo>
+                    <a:pt x="0" y="73153"/>
+                  </a:moveTo>
+                  <a:lnTo>
+                    <a:pt x="144653" y="73153"/>
+                  </a:lnTo>
+                  <a:lnTo>
+                    <a:pt x="144653" y="0"/>
+                  </a:lnTo>
+                  <a:lnTo>
+                    <a:pt x="289306" y="182883"/>
+                  </a:lnTo>
+                  <a:lnTo>
+                    <a:pt x="144653" y="365765"/>
+                  </a:lnTo>
+                  <a:lnTo>
+                    <a:pt x="144653" y="292612"/>
+                  </a:lnTo>
+                  <a:lnTo>
+                    <a:pt x="0" y="292612"/>
+                  </a:lnTo>
+                  <a:lnTo>
+                    <a:pt x="0" y="73153"/>
+                  </a:lnTo>
+                  <a:close/>
+                </a:path>
+              </a:pathLst>
+            </a:custGeom>
+            <a:solidFill>
+              <a:schemeClr val="accent4">
+                <a:lumMod val="60000"/>
+                <a:lumOff val="40000"/>
+              </a:schemeClr>
+            </a:solidFill>
+          </p:spPr>
+          <p:style>
+            <a:lnRef idx="0">
+              <a:schemeClr val="accent6">
+                <a:shade val="90000"/>
+                <a:hueOff val="379870"/>
+                <a:satOff val="-15173"/>
+                <a:lumOff val="35191"/>
+                <a:alphaOff val="0"/>
+              </a:schemeClr>
+            </a:lnRef>
+            <a:fillRef idx="3">
+              <a:scrgbClr r="0" g="0" b="0"/>
+            </a:fillRef>
+            <a:effectRef idx="3">
+              <a:schemeClr val="accent6">
+                <a:shade val="90000"/>
+                <a:hueOff val="379870"/>
+                <a:satOff val="-15173"/>
+                <a:lumOff val="35191"/>
+                <a:alphaOff val="0"/>
+              </a:schemeClr>
+            </a:effectRef>
+            <a:fontRef idx="minor">
+              <a:schemeClr val="lt1"/>
+            </a:fontRef>
+          </p:style>
+          <p:txBody>
+            <a:bodyPr spcFirstLastPara="0" vert="horz" wrap="square" lIns="-1" tIns="73152" rIns="86792" bIns="73153" numCol="1" spcCol="1270" anchor="ctr" anchorCtr="0">
+              <a:noAutofit/>
+            </a:bodyPr>
+            <a:lstStyle/>
+            <a:p>
+              <a:pPr lvl="0" algn="ctr" defTabSz="488950">
+                <a:lnSpc>
+                  <a:spcPct val="90000"/>
+                </a:lnSpc>
+                <a:spcBef>
+                  <a:spcPct val="0"/>
+                </a:spcBef>
+                <a:spcAft>
+                  <a:spcPct val="35000"/>
+                </a:spcAft>
+              </a:pPr>
+              <a:endParaRPr lang="zh-CN" altLang="en-US" sz="1100" kern="1200"/>
+            </a:p>
+          </p:txBody>
+        </p:sp>
+      </p:grpSp>
     </p:spTree>
     <p:extLst>
       <p:ext uri="{BB962C8B-B14F-4D97-AF65-F5344CB8AC3E}">
@@ -5295,33 +8495,6 @@
       </p:grpSpPr>
       <p:sp>
         <p:nvSpPr>
-          <p:cNvPr id="2" name="标题 1"/>
-          <p:cNvSpPr>
-            <a:spLocks noGrp="1"/>
-          </p:cNvSpPr>
-          <p:nvPr>
-            <p:ph type="title"/>
-          </p:nvPr>
-        </p:nvSpPr>
-        <p:spPr/>
-        <p:txBody>
-          <a:bodyPr/>
-          <a:lstStyle/>
-          <a:p>
-            <a:r>
-              <a:rPr lang="zh-CN" altLang="en-US" dirty="0" smtClean="0"/>
-              <a:t>我们有一些工具</a:t>
-            </a:r>
-            <a:r>
-              <a:rPr lang="en-US" altLang="zh-CN" dirty="0" smtClean="0"/>
-              <a:t>2</a:t>
-            </a:r>
-            <a:endParaRPr lang="zh-CN" altLang="en-US" dirty="0"/>
-          </a:p>
-        </p:txBody>
-      </p:sp>
-      <p:sp>
-        <p:nvSpPr>
           <p:cNvPr id="3" name="内容占位符 2"/>
           <p:cNvSpPr>
             <a:spLocks noGrp="1"/>
@@ -5330,118 +8503,70 @@
             <p:ph idx="1"/>
           </p:nvPr>
         </p:nvSpPr>
-        <p:spPr/>
+        <p:spPr>
+          <a:xfrm>
+            <a:off x="838200" y="1825625"/>
+            <a:ext cx="4993143" cy="4351338"/>
+          </a:xfrm>
+        </p:spPr>
         <p:txBody>
-          <a:bodyPr/>
+          <a:bodyPr>
+            <a:normAutofit/>
+          </a:bodyPr>
           <a:lstStyle/>
           <a:p>
             <a:r>
               <a:rPr lang="en-US" altLang="zh-CN" dirty="0" smtClean="0"/>
-              <a:t>In Chinese </a:t>
-            </a:r>
-            <a:r>
-              <a:rPr lang="en-US" altLang="zh-CN" dirty="0" err="1" smtClean="0"/>
-              <a:t>goodjob</a:t>
-            </a:r>
-            <a:r>
-              <a:rPr lang="en-US" altLang="zh-CN" dirty="0" smtClean="0"/>
-              <a:t> or cool </a:t>
-            </a:r>
-          </a:p>
-          <a:p>
-            <a:pPr marL="457200" lvl="1" indent="0">
-              <a:buNone/>
-            </a:pPr>
-            <a:r>
-              <a:rPr lang="en-US" altLang="zh-CN" dirty="0" smtClean="0"/>
-              <a:t>	you can say “New bee”</a:t>
-            </a:r>
-            <a:endParaRPr lang="en-US" altLang="zh-CN" dirty="0" smtClean="0">
-              <a:hlinkClick r:id="rId2"/>
-            </a:endParaRPr>
-          </a:p>
-          <a:p>
-            <a:r>
-              <a:rPr lang="en-US" altLang="zh-CN" dirty="0" smtClean="0">
-                <a:hlinkClick r:id="rId2"/>
-              </a:rPr>
-              <a:t>https://github.com/CityOfZion/</a:t>
-            </a:r>
-          </a:p>
-          <a:p>
-            <a:pPr marL="0" indent="0">
-              <a:buNone/>
-            </a:pPr>
-            <a:r>
-              <a:rPr lang="en-US" altLang="zh-CN" dirty="0">
-                <a:hlinkClick r:id="rId2"/>
-              </a:rPr>
-              <a:t>	</a:t>
-            </a:r>
-            <a:r>
-              <a:rPr lang="en-US" altLang="zh-CN" dirty="0" smtClean="0">
-                <a:hlinkClick r:id="rId2"/>
-              </a:rPr>
-              <a:t>neo-</a:t>
-            </a:r>
-            <a:r>
-              <a:rPr lang="en-US" altLang="zh-CN" dirty="0" err="1" smtClean="0">
-                <a:hlinkClick r:id="rId2"/>
-              </a:rPr>
-              <a:t>gui</a:t>
-            </a:r>
-            <a:r>
-              <a:rPr lang="en-US" altLang="zh-CN" dirty="0" smtClean="0">
-                <a:hlinkClick r:id="rId2"/>
-              </a:rPr>
-              <a:t>-developer</a:t>
-            </a:r>
-            <a:endParaRPr lang="en-US" altLang="zh-CN" dirty="0" smtClean="0"/>
-          </a:p>
-          <a:p>
-            <a:r>
-              <a:rPr lang="en-US" altLang="zh-CN" dirty="0" smtClean="0"/>
-              <a:t>Neo-</a:t>
-            </a:r>
-            <a:r>
-              <a:rPr lang="en-US" altLang="zh-CN" dirty="0" err="1" smtClean="0"/>
-              <a:t>gui</a:t>
-            </a:r>
-            <a:r>
-              <a:rPr lang="en-US" altLang="zh-CN" dirty="0" smtClean="0"/>
-              <a:t>-developer is </a:t>
-            </a:r>
-            <a:r>
-              <a:rPr lang="en-US" altLang="zh-CN" dirty="0" smtClean="0"/>
-              <a:t>New Bee</a:t>
-            </a:r>
-            <a:endParaRPr lang="en-US" altLang="zh-CN" dirty="0"/>
-          </a:p>
-          <a:p>
-            <a:r>
-              <a:rPr lang="zh-CN" altLang="en-US" dirty="0" smtClean="0"/>
-              <a:t>他能方便的观察</a:t>
-            </a:r>
-            <a:r>
-              <a:rPr lang="en-US" altLang="zh-CN" dirty="0" smtClean="0"/>
-              <a:t>log </a:t>
-            </a:r>
-            <a:r>
-              <a:rPr lang="zh-CN" altLang="en-US" dirty="0" smtClean="0"/>
-              <a:t>和 </a:t>
-            </a:r>
-            <a:r>
-              <a:rPr lang="en-US" altLang="zh-CN" dirty="0" smtClean="0"/>
-              <a:t>notify</a:t>
-            </a:r>
-            <a:endParaRPr lang="en-US" altLang="zh-CN" dirty="0" smtClean="0"/>
+              <a:t>It </a:t>
+            </a:r>
+            <a:r>
+              <a:rPr lang="en-US" altLang="zh-CN" dirty="0"/>
+              <a:t>is time to make a change</a:t>
+            </a:r>
+            <a:endParaRPr lang="zh-CN" altLang="zh-CN" dirty="0"/>
+          </a:p>
+          <a:p>
+            <a:endParaRPr lang="zh-CN" altLang="en-US" dirty="0"/>
           </a:p>
         </p:txBody>
       </p:sp>
+      <p:pic>
+        <p:nvPicPr>
+          <p:cNvPr id="4" name="图片 3" descr="https://timgsa.baidu.com/timg?image&amp;quality=80&amp;size=b9999_10000&amp;sec=1515331006140&amp;di=d22d2cf34975c230bc646ef9da6d6e13&amp;imgtype=0&amp;src=http%3A%2F%2Fimgsrc.baidu.com%2Fimgad%2Fpic%2Fitem%2F3c6d55fbb2fb4316bc5014412ba4462309f7d3ba.jpg"/>
+          <p:cNvPicPr/>
+          <p:nvPr/>
+        </p:nvPicPr>
+        <p:blipFill>
+          <a:blip r:embed="rId2">
+            <a:extLst>
+              <a:ext uri="{28A0092B-C50C-407E-A947-70E740481C1C}">
+                <a14:useLocalDpi xmlns:a14="http://schemas.microsoft.com/office/drawing/2010/main" val="0"/>
+              </a:ext>
+            </a:extLst>
+          </a:blip>
+          <a:srcRect/>
+          <a:stretch>
+            <a:fillRect/>
+          </a:stretch>
+        </p:blipFill>
+        <p:spPr bwMode="auto">
+          <a:xfrm>
+            <a:off x="5831343" y="735828"/>
+            <a:ext cx="5274310" cy="5268595"/>
+          </a:xfrm>
+          <a:prstGeom prst="rect">
+            <a:avLst/>
+          </a:prstGeom>
+          <a:noFill/>
+          <a:ln>
+            <a:noFill/>
+          </a:ln>
+        </p:spPr>
+      </p:pic>
     </p:spTree>
     <p:extLst>
       <p:ext uri="{BB962C8B-B14F-4D97-AF65-F5344CB8AC3E}">
-        <p14:creationId xmlns:p14="http://schemas.microsoft.com/office/powerpoint/2010/main" val="4037427466"/>
+        <p14:creationId xmlns:p14="http://schemas.microsoft.com/office/powerpoint/2010/main" val="1238040828"/>
       </p:ext>
     </p:extLst>
   </p:cSld>
@@ -5470,154 +8595,7 @@
       </p:grpSpPr>
       <p:sp>
         <p:nvSpPr>
-          <p:cNvPr id="4" name="矩形 3"/>
-          <p:cNvSpPr/>
-          <p:nvPr/>
-        </p:nvSpPr>
-        <p:spPr>
-          <a:xfrm>
-            <a:off x="972065" y="1787781"/>
-            <a:ext cx="6096000" cy="1200329"/>
-          </a:xfrm>
-          <a:prstGeom prst="rect">
-            <a:avLst/>
-          </a:prstGeom>
-        </p:spPr>
-        <p:txBody>
-          <a:bodyPr>
-            <a:spAutoFit/>
-          </a:bodyPr>
-          <a:lstStyle/>
-          <a:p>
-            <a:pPr algn="just">
-              <a:spcAft>
-                <a:spcPts val="0"/>
-              </a:spcAft>
-            </a:pPr>
-            <a:r>
-              <a:rPr lang="zh-CN" altLang="zh-CN" kern="100" dirty="0">
-                <a:latin typeface="Calibri" panose="020F0502020204030204" pitchFamily="34" charset="0"/>
-                <a:cs typeface="Times New Roman" panose="02020603050405020304" pitchFamily="18" charset="0"/>
-              </a:rPr>
-              <a:t>但是，交易到底干了什么？</a:t>
-            </a:r>
-            <a:r>
-              <a:rPr lang="en-US" altLang="zh-CN" kern="100" dirty="0">
-                <a:latin typeface="Calibri" panose="020F0502020204030204" pitchFamily="34" charset="0"/>
-                <a:cs typeface="Times New Roman" panose="02020603050405020304" pitchFamily="18" charset="0"/>
-              </a:rPr>
-              <a:t>no one knows.</a:t>
-            </a:r>
-            <a:endParaRPr lang="zh-CN" altLang="zh-CN" kern="100" dirty="0">
-              <a:latin typeface="Calibri" panose="020F0502020204030204" pitchFamily="34" charset="0"/>
-              <a:cs typeface="Times New Roman" panose="02020603050405020304" pitchFamily="18" charset="0"/>
-            </a:endParaRPr>
-          </a:p>
-          <a:p>
-            <a:pPr algn="just">
-              <a:spcAft>
-                <a:spcPts val="0"/>
-              </a:spcAft>
-            </a:pPr>
-            <a:r>
-              <a:rPr lang="en-US" altLang="zh-CN" kern="100" dirty="0">
-                <a:latin typeface="Calibri" panose="020F0502020204030204" pitchFamily="34" charset="0"/>
-                <a:cs typeface="Times New Roman" panose="02020603050405020304" pitchFamily="18" charset="0"/>
-              </a:rPr>
-              <a:t>That is no new </a:t>
-            </a:r>
-            <a:r>
-              <a:rPr lang="en-US" altLang="zh-CN" kern="100" dirty="0" smtClean="0">
-                <a:latin typeface="Calibri" panose="020F0502020204030204" pitchFamily="34" charset="0"/>
-                <a:cs typeface="Times New Roman" panose="02020603050405020304" pitchFamily="18" charset="0"/>
-              </a:rPr>
-              <a:t>bee.</a:t>
-            </a:r>
-          </a:p>
-          <a:p>
-            <a:pPr algn="just">
-              <a:spcAft>
-                <a:spcPts val="0"/>
-              </a:spcAft>
-            </a:pPr>
-            <a:r>
-              <a:rPr lang="en-US" altLang="zh-CN" kern="100" dirty="0" smtClean="0">
-                <a:latin typeface="Calibri" panose="020F0502020204030204" pitchFamily="34" charset="0"/>
-                <a:cs typeface="Times New Roman" panose="02020603050405020304" pitchFamily="18" charset="0"/>
-              </a:rPr>
-              <a:t>no cool</a:t>
-            </a:r>
-            <a:r>
-              <a:rPr lang="zh-CN" altLang="en-US" kern="100" dirty="0">
-                <a:latin typeface="Calibri" panose="020F0502020204030204" pitchFamily="34" charset="0"/>
-                <a:cs typeface="Times New Roman" panose="02020603050405020304" pitchFamily="18" charset="0"/>
-              </a:rPr>
-              <a:t> </a:t>
-            </a:r>
-            <a:r>
-              <a:rPr lang="en-US" altLang="zh-CN" kern="100" dirty="0" smtClean="0">
-                <a:latin typeface="Calibri" panose="020F0502020204030204" pitchFamily="34" charset="0"/>
-                <a:cs typeface="Times New Roman" panose="02020603050405020304" pitchFamily="18" charset="0"/>
-              </a:rPr>
-              <a:t>at all.</a:t>
-            </a:r>
-          </a:p>
-          <a:p>
-            <a:pPr algn="just">
-              <a:spcAft>
-                <a:spcPts val="0"/>
-              </a:spcAft>
-            </a:pPr>
-            <a:r>
-              <a:rPr lang="en-US" altLang="zh-CN" kern="100" dirty="0" smtClean="0">
-                <a:latin typeface="Calibri" panose="020F0502020204030204" pitchFamily="34" charset="0"/>
-                <a:cs typeface="Times New Roman" panose="02020603050405020304" pitchFamily="18" charset="0"/>
-              </a:rPr>
-              <a:t>no new bee at all.</a:t>
-            </a:r>
-            <a:endParaRPr lang="zh-CN" altLang="zh-CN" kern="100" dirty="0">
-              <a:latin typeface="Calibri" panose="020F0502020204030204" pitchFamily="34" charset="0"/>
-              <a:cs typeface="Times New Roman" panose="02020603050405020304" pitchFamily="18" charset="0"/>
-            </a:endParaRPr>
-          </a:p>
-        </p:txBody>
-      </p:sp>
-      <p:pic>
-        <p:nvPicPr>
-          <p:cNvPr id="5" name="图片 4" descr="https://timgsa.baidu.com/timg?image&amp;quality=80&amp;size=b9999_10000&amp;sec=1515330505370&amp;di=395663ae44b58152aad8bf1fcdc24591&amp;imgtype=0&amp;src=http%3A%2F%2Fimg1.gtimg.com%2Fhebei%2Fpics%2Fhv1%2F239%2F164%2F2188%2F142316759.jpg"/>
-          <p:cNvPicPr/>
-          <p:nvPr/>
-        </p:nvPicPr>
-        <p:blipFill>
-          <a:blip r:embed="rId2">
-            <a:extLst>
-              <a:ext uri="{28A0092B-C50C-407E-A947-70E740481C1C}">
-                <a14:useLocalDpi xmlns:a14="http://schemas.microsoft.com/office/drawing/2010/main" val="0"/>
-              </a:ext>
-            </a:extLst>
-          </a:blip>
-          <a:srcRect/>
-          <a:stretch>
-            <a:fillRect/>
-          </a:stretch>
-        </p:blipFill>
-        <p:spPr bwMode="auto">
-          <a:xfrm>
-            <a:off x="3129332" y="2531205"/>
-            <a:ext cx="5274310" cy="3515995"/>
-          </a:xfrm>
-          <a:prstGeom prst="rect">
-            <a:avLst/>
-          </a:prstGeom>
-          <a:noFill/>
-          <a:ln>
-            <a:noFill/>
-          </a:ln>
-        </p:spPr>
-      </p:pic>
-      <p:sp>
-        <p:nvSpPr>
-          <p:cNvPr id="6" name="标题 1"/>
+          <p:cNvPr id="2" name="标题 1"/>
           <p:cNvSpPr>
             <a:spLocks noGrp="1"/>
           </p:cNvSpPr>
@@ -5625,10 +8603,33 @@
             <p:ph type="title"/>
           </p:nvPr>
         </p:nvSpPr>
+        <p:spPr/>
+        <p:txBody>
+          <a:bodyPr/>
+          <a:lstStyle/>
+          <a:p>
+            <a:r>
+              <a:rPr lang="zh-CN" altLang="en-US" dirty="0" smtClean="0"/>
+              <a:t>补上这个圈</a:t>
+            </a:r>
+            <a:endParaRPr lang="zh-CN" altLang="en-US" dirty="0"/>
+          </a:p>
+        </p:txBody>
+      </p:sp>
+      <p:sp>
+        <p:nvSpPr>
+          <p:cNvPr id="3" name="内容占位符 2"/>
+          <p:cNvSpPr>
+            <a:spLocks noGrp="1"/>
+          </p:cNvSpPr>
+          <p:nvPr>
+            <p:ph idx="1"/>
+          </p:nvPr>
+        </p:nvSpPr>
         <p:spPr>
           <a:xfrm>
-            <a:off x="838200" y="365125"/>
-            <a:ext cx="10515600" cy="1325563"/>
+            <a:off x="838200" y="1825625"/>
+            <a:ext cx="5089935" cy="4351338"/>
           </a:xfrm>
         </p:spPr>
         <p:txBody>
@@ -5637,16 +8638,2017 @@
           <a:p>
             <a:r>
               <a:rPr lang="en-US" altLang="zh-CN" dirty="0" smtClean="0"/>
-              <a:t>Not enough</a:t>
-            </a:r>
+              <a:t>Finish the loop</a:t>
+            </a:r>
+          </a:p>
+          <a:p>
+            <a:endParaRPr lang="en-US" altLang="zh-CN" dirty="0"/>
+          </a:p>
+          <a:p>
+            <a:r>
+              <a:rPr lang="en-US" altLang="zh-CN" dirty="0" smtClean="0"/>
+              <a:t>Log every step on </a:t>
+            </a:r>
+            <a:r>
+              <a:rPr lang="en-US" altLang="zh-CN" dirty="0" err="1" smtClean="0"/>
+              <a:t>NeoVM</a:t>
+            </a:r>
+            <a:endParaRPr lang="en-US" altLang="zh-CN" dirty="0" smtClean="0"/>
+          </a:p>
+          <a:p>
+            <a:endParaRPr lang="en-US" altLang="zh-CN" dirty="0" smtClean="0"/>
+          </a:p>
+          <a:p>
+            <a:r>
+              <a:rPr lang="en-US" altLang="zh-CN" dirty="0" smtClean="0"/>
+              <a:t>We got a Debug loop</a:t>
+            </a:r>
+            <a:endParaRPr lang="en-US" altLang="zh-CN" dirty="0"/>
+          </a:p>
+          <a:p>
+            <a:endParaRPr lang="en-US" altLang="zh-CN" dirty="0" smtClean="0"/>
+          </a:p>
+          <a:p>
             <a:endParaRPr lang="zh-CN" altLang="en-US" dirty="0"/>
+          </a:p>
+        </p:txBody>
+      </p:sp>
+      <p:grpSp>
+        <p:nvGrpSpPr>
+          <p:cNvPr id="4" name="组合 3"/>
+          <p:cNvGrpSpPr/>
+          <p:nvPr/>
+        </p:nvGrpSpPr>
+        <p:grpSpPr>
+          <a:xfrm>
+            <a:off x="6687808" y="1446656"/>
+            <a:ext cx="3906318" cy="4342972"/>
+            <a:chOff x="6687808" y="1446656"/>
+            <a:chExt cx="3906318" cy="4342972"/>
+          </a:xfrm>
+        </p:grpSpPr>
+        <p:sp>
+          <p:nvSpPr>
+            <p:cNvPr id="6" name="任意多边形 5"/>
+            <p:cNvSpPr/>
+            <p:nvPr/>
+          </p:nvSpPr>
+          <p:spPr>
+            <a:xfrm>
+              <a:off x="8099093" y="1446656"/>
+              <a:ext cx="1083749" cy="1083749"/>
+            </a:xfrm>
+            <a:custGeom>
+              <a:avLst/>
+              <a:gdLst>
+                <a:gd name="connsiteX0" fmla="*/ 0 w 1083749"/>
+                <a:gd name="connsiteY0" fmla="*/ 541875 h 1083749"/>
+                <a:gd name="connsiteX1" fmla="*/ 541875 w 1083749"/>
+                <a:gd name="connsiteY1" fmla="*/ 0 h 1083749"/>
+                <a:gd name="connsiteX2" fmla="*/ 1083750 w 1083749"/>
+                <a:gd name="connsiteY2" fmla="*/ 541875 h 1083749"/>
+                <a:gd name="connsiteX3" fmla="*/ 541875 w 1083749"/>
+                <a:gd name="connsiteY3" fmla="*/ 1083750 h 1083749"/>
+                <a:gd name="connsiteX4" fmla="*/ 0 w 1083749"/>
+                <a:gd name="connsiteY4" fmla="*/ 541875 h 1083749"/>
+              </a:gdLst>
+              <a:ahLst/>
+              <a:cxnLst>
+                <a:cxn ang="0">
+                  <a:pos x="connsiteX0" y="connsiteY0"/>
+                </a:cxn>
+                <a:cxn ang="0">
+                  <a:pos x="connsiteX1" y="connsiteY1"/>
+                </a:cxn>
+                <a:cxn ang="0">
+                  <a:pos x="connsiteX2" y="connsiteY2"/>
+                </a:cxn>
+                <a:cxn ang="0">
+                  <a:pos x="connsiteX3" y="connsiteY3"/>
+                </a:cxn>
+                <a:cxn ang="0">
+                  <a:pos x="connsiteX4" y="connsiteY4"/>
+                </a:cxn>
+              </a:cxnLst>
+              <a:rect l="l" t="t" r="r" b="b"/>
+              <a:pathLst>
+                <a:path w="1083749" h="1083749">
+                  <a:moveTo>
+                    <a:pt x="0" y="541875"/>
+                  </a:moveTo>
+                  <a:cubicBezTo>
+                    <a:pt x="0" y="242606"/>
+                    <a:pt x="242606" y="0"/>
+                    <a:pt x="541875" y="0"/>
+                  </a:cubicBezTo>
+                  <a:cubicBezTo>
+                    <a:pt x="841144" y="0"/>
+                    <a:pt x="1083750" y="242606"/>
+                    <a:pt x="1083750" y="541875"/>
+                  </a:cubicBezTo>
+                  <a:cubicBezTo>
+                    <a:pt x="1083750" y="841144"/>
+                    <a:pt x="841144" y="1083750"/>
+                    <a:pt x="541875" y="1083750"/>
+                  </a:cubicBezTo>
+                  <a:cubicBezTo>
+                    <a:pt x="242606" y="1083750"/>
+                    <a:pt x="0" y="841144"/>
+                    <a:pt x="0" y="541875"/>
+                  </a:cubicBezTo>
+                  <a:close/>
+                </a:path>
+              </a:pathLst>
+            </a:custGeom>
+          </p:spPr>
+          <p:style>
+            <a:lnRef idx="0">
+              <a:schemeClr val="lt1">
+                <a:hueOff val="0"/>
+                <a:satOff val="0"/>
+                <a:lumOff val="0"/>
+                <a:alphaOff val="0"/>
+              </a:schemeClr>
+            </a:lnRef>
+            <a:fillRef idx="3">
+              <a:schemeClr val="accent6">
+                <a:alpha val="90000"/>
+                <a:hueOff val="0"/>
+                <a:satOff val="0"/>
+                <a:lumOff val="0"/>
+                <a:alphaOff val="0"/>
+              </a:schemeClr>
+            </a:fillRef>
+            <a:effectRef idx="3">
+              <a:schemeClr val="accent6">
+                <a:alpha val="90000"/>
+                <a:hueOff val="0"/>
+                <a:satOff val="0"/>
+                <a:lumOff val="0"/>
+                <a:alphaOff val="0"/>
+              </a:schemeClr>
+            </a:effectRef>
+            <a:fontRef idx="minor">
+              <a:schemeClr val="lt1"/>
+            </a:fontRef>
+          </p:style>
+          <p:txBody>
+            <a:bodyPr spcFirstLastPara="0" vert="horz" wrap="square" lIns="173951" tIns="173951" rIns="173951" bIns="173951" numCol="1" spcCol="1270" anchor="ctr" anchorCtr="0">
+              <a:noAutofit/>
+            </a:bodyPr>
+            <a:lstStyle/>
+            <a:p>
+              <a:pPr lvl="0" algn="ctr" defTabSz="533400">
+                <a:lnSpc>
+                  <a:spcPct val="90000"/>
+                </a:lnSpc>
+                <a:spcBef>
+                  <a:spcPct val="0"/>
+                </a:spcBef>
+                <a:spcAft>
+                  <a:spcPct val="35000"/>
+                </a:spcAft>
+              </a:pPr>
+              <a:r>
+                <a:rPr lang="en-US" altLang="zh-CN" sz="1200" kern="1200" dirty="0" smtClean="0"/>
+                <a:t>SC </a:t>
+              </a:r>
+              <a:r>
+                <a:rPr lang="en-US" altLang="zh-CN" sz="1200" kern="1200" dirty="0"/>
+                <a:t>source code</a:t>
+              </a:r>
+              <a:endParaRPr lang="zh-CN" altLang="en-US" sz="1200" kern="1200" dirty="0"/>
+            </a:p>
+          </p:txBody>
+        </p:sp>
+        <p:sp>
+          <p:nvSpPr>
+            <p:cNvPr id="7" name="任意多边形 6"/>
+            <p:cNvSpPr/>
+            <p:nvPr/>
+          </p:nvSpPr>
+          <p:spPr>
+            <a:xfrm rot="1800000">
+              <a:off x="9194866" y="2208957"/>
+              <a:ext cx="289306" cy="365765"/>
+            </a:xfrm>
+            <a:custGeom>
+              <a:avLst/>
+              <a:gdLst>
+                <a:gd name="connsiteX0" fmla="*/ 0 w 289306"/>
+                <a:gd name="connsiteY0" fmla="*/ 73153 h 365765"/>
+                <a:gd name="connsiteX1" fmla="*/ 144653 w 289306"/>
+                <a:gd name="connsiteY1" fmla="*/ 73153 h 365765"/>
+                <a:gd name="connsiteX2" fmla="*/ 144653 w 289306"/>
+                <a:gd name="connsiteY2" fmla="*/ 0 h 365765"/>
+                <a:gd name="connsiteX3" fmla="*/ 289306 w 289306"/>
+                <a:gd name="connsiteY3" fmla="*/ 182883 h 365765"/>
+                <a:gd name="connsiteX4" fmla="*/ 144653 w 289306"/>
+                <a:gd name="connsiteY4" fmla="*/ 365765 h 365765"/>
+                <a:gd name="connsiteX5" fmla="*/ 144653 w 289306"/>
+                <a:gd name="connsiteY5" fmla="*/ 292612 h 365765"/>
+                <a:gd name="connsiteX6" fmla="*/ 0 w 289306"/>
+                <a:gd name="connsiteY6" fmla="*/ 292612 h 365765"/>
+                <a:gd name="connsiteX7" fmla="*/ 0 w 289306"/>
+                <a:gd name="connsiteY7" fmla="*/ 73153 h 365765"/>
+              </a:gdLst>
+              <a:ahLst/>
+              <a:cxnLst>
+                <a:cxn ang="0">
+                  <a:pos x="connsiteX0" y="connsiteY0"/>
+                </a:cxn>
+                <a:cxn ang="0">
+                  <a:pos x="connsiteX1" y="connsiteY1"/>
+                </a:cxn>
+                <a:cxn ang="0">
+                  <a:pos x="connsiteX2" y="connsiteY2"/>
+                </a:cxn>
+                <a:cxn ang="0">
+                  <a:pos x="connsiteX3" y="connsiteY3"/>
+                </a:cxn>
+                <a:cxn ang="0">
+                  <a:pos x="connsiteX4" y="connsiteY4"/>
+                </a:cxn>
+                <a:cxn ang="0">
+                  <a:pos x="connsiteX5" y="connsiteY5"/>
+                </a:cxn>
+                <a:cxn ang="0">
+                  <a:pos x="connsiteX6" y="connsiteY6"/>
+                </a:cxn>
+                <a:cxn ang="0">
+                  <a:pos x="connsiteX7" y="connsiteY7"/>
+                </a:cxn>
+              </a:cxnLst>
+              <a:rect l="l" t="t" r="r" b="b"/>
+              <a:pathLst>
+                <a:path w="289306" h="365765">
+                  <a:moveTo>
+                    <a:pt x="0" y="73153"/>
+                  </a:moveTo>
+                  <a:lnTo>
+                    <a:pt x="144653" y="73153"/>
+                  </a:lnTo>
+                  <a:lnTo>
+                    <a:pt x="144653" y="0"/>
+                  </a:lnTo>
+                  <a:lnTo>
+                    <a:pt x="289306" y="182883"/>
+                  </a:lnTo>
+                  <a:lnTo>
+                    <a:pt x="144653" y="365765"/>
+                  </a:lnTo>
+                  <a:lnTo>
+                    <a:pt x="144653" y="292612"/>
+                  </a:lnTo>
+                  <a:lnTo>
+                    <a:pt x="0" y="292612"/>
+                  </a:lnTo>
+                  <a:lnTo>
+                    <a:pt x="0" y="73153"/>
+                  </a:lnTo>
+                  <a:close/>
+                </a:path>
+              </a:pathLst>
+            </a:custGeom>
+          </p:spPr>
+          <p:style>
+            <a:lnRef idx="0">
+              <a:schemeClr val="accent6">
+                <a:shade val="90000"/>
+                <a:hueOff val="0"/>
+                <a:satOff val="0"/>
+                <a:lumOff val="0"/>
+                <a:alphaOff val="0"/>
+              </a:schemeClr>
+            </a:lnRef>
+            <a:fillRef idx="3">
+              <a:schemeClr val="accent6">
+                <a:shade val="90000"/>
+                <a:hueOff val="0"/>
+                <a:satOff val="0"/>
+                <a:lumOff val="0"/>
+                <a:alphaOff val="0"/>
+              </a:schemeClr>
+            </a:fillRef>
+            <a:effectRef idx="3">
+              <a:schemeClr val="accent6">
+                <a:shade val="90000"/>
+                <a:hueOff val="0"/>
+                <a:satOff val="0"/>
+                <a:lumOff val="0"/>
+                <a:alphaOff val="0"/>
+              </a:schemeClr>
+            </a:effectRef>
+            <a:fontRef idx="minor">
+              <a:schemeClr val="lt1"/>
+            </a:fontRef>
+          </p:style>
+          <p:txBody>
+            <a:bodyPr spcFirstLastPara="0" vert="horz" wrap="square" lIns="0" tIns="73152" rIns="86791" bIns="73153" numCol="1" spcCol="1270" anchor="ctr" anchorCtr="0">
+              <a:noAutofit/>
+            </a:bodyPr>
+            <a:lstStyle/>
+            <a:p>
+              <a:pPr lvl="0" algn="ctr" defTabSz="488950">
+                <a:lnSpc>
+                  <a:spcPct val="90000"/>
+                </a:lnSpc>
+                <a:spcBef>
+                  <a:spcPct val="0"/>
+                </a:spcBef>
+                <a:spcAft>
+                  <a:spcPct val="35000"/>
+                </a:spcAft>
+              </a:pPr>
+              <a:endParaRPr lang="zh-CN" altLang="en-US" sz="1100" kern="1200"/>
+            </a:p>
+          </p:txBody>
+        </p:sp>
+        <p:sp>
+          <p:nvSpPr>
+            <p:cNvPr id="8" name="任意多边形 7"/>
+            <p:cNvSpPr/>
+            <p:nvPr/>
+          </p:nvSpPr>
+          <p:spPr>
+            <a:xfrm>
+              <a:off x="9510377" y="2261462"/>
+              <a:ext cx="1083749" cy="1083749"/>
+            </a:xfrm>
+            <a:custGeom>
+              <a:avLst/>
+              <a:gdLst>
+                <a:gd name="connsiteX0" fmla="*/ 0 w 1083749"/>
+                <a:gd name="connsiteY0" fmla="*/ 541875 h 1083749"/>
+                <a:gd name="connsiteX1" fmla="*/ 541875 w 1083749"/>
+                <a:gd name="connsiteY1" fmla="*/ 0 h 1083749"/>
+                <a:gd name="connsiteX2" fmla="*/ 1083750 w 1083749"/>
+                <a:gd name="connsiteY2" fmla="*/ 541875 h 1083749"/>
+                <a:gd name="connsiteX3" fmla="*/ 541875 w 1083749"/>
+                <a:gd name="connsiteY3" fmla="*/ 1083750 h 1083749"/>
+                <a:gd name="connsiteX4" fmla="*/ 0 w 1083749"/>
+                <a:gd name="connsiteY4" fmla="*/ 541875 h 1083749"/>
+              </a:gdLst>
+              <a:ahLst/>
+              <a:cxnLst>
+                <a:cxn ang="0">
+                  <a:pos x="connsiteX0" y="connsiteY0"/>
+                </a:cxn>
+                <a:cxn ang="0">
+                  <a:pos x="connsiteX1" y="connsiteY1"/>
+                </a:cxn>
+                <a:cxn ang="0">
+                  <a:pos x="connsiteX2" y="connsiteY2"/>
+                </a:cxn>
+                <a:cxn ang="0">
+                  <a:pos x="connsiteX3" y="connsiteY3"/>
+                </a:cxn>
+                <a:cxn ang="0">
+                  <a:pos x="connsiteX4" y="connsiteY4"/>
+                </a:cxn>
+              </a:cxnLst>
+              <a:rect l="l" t="t" r="r" b="b"/>
+              <a:pathLst>
+                <a:path w="1083749" h="1083749">
+                  <a:moveTo>
+                    <a:pt x="0" y="541875"/>
+                  </a:moveTo>
+                  <a:cubicBezTo>
+                    <a:pt x="0" y="242606"/>
+                    <a:pt x="242606" y="0"/>
+                    <a:pt x="541875" y="0"/>
+                  </a:cubicBezTo>
+                  <a:cubicBezTo>
+                    <a:pt x="841144" y="0"/>
+                    <a:pt x="1083750" y="242606"/>
+                    <a:pt x="1083750" y="541875"/>
+                  </a:cubicBezTo>
+                  <a:cubicBezTo>
+                    <a:pt x="1083750" y="841144"/>
+                    <a:pt x="841144" y="1083750"/>
+                    <a:pt x="541875" y="1083750"/>
+                  </a:cubicBezTo>
+                  <a:cubicBezTo>
+                    <a:pt x="242606" y="1083750"/>
+                    <a:pt x="0" y="841144"/>
+                    <a:pt x="0" y="541875"/>
+                  </a:cubicBezTo>
+                  <a:close/>
+                </a:path>
+              </a:pathLst>
+            </a:custGeom>
+          </p:spPr>
+          <p:style>
+            <a:lnRef idx="0">
+              <a:schemeClr val="lt1">
+                <a:hueOff val="0"/>
+                <a:satOff val="0"/>
+                <a:lumOff val="0"/>
+                <a:alphaOff val="0"/>
+              </a:schemeClr>
+            </a:lnRef>
+            <a:fillRef idx="3">
+              <a:schemeClr val="accent6">
+                <a:alpha val="90000"/>
+                <a:hueOff val="0"/>
+                <a:satOff val="0"/>
+                <a:lumOff val="0"/>
+                <a:alphaOff val="-8000"/>
+              </a:schemeClr>
+            </a:fillRef>
+            <a:effectRef idx="3">
+              <a:schemeClr val="accent6">
+                <a:alpha val="90000"/>
+                <a:hueOff val="0"/>
+                <a:satOff val="0"/>
+                <a:lumOff val="0"/>
+                <a:alphaOff val="-8000"/>
+              </a:schemeClr>
+            </a:effectRef>
+            <a:fontRef idx="minor">
+              <a:schemeClr val="lt1"/>
+            </a:fontRef>
+          </p:style>
+          <p:txBody>
+            <a:bodyPr spcFirstLastPara="0" vert="horz" wrap="square" lIns="173951" tIns="173951" rIns="173951" bIns="173951" numCol="1" spcCol="1270" anchor="ctr" anchorCtr="0">
+              <a:noAutofit/>
+            </a:bodyPr>
+            <a:lstStyle/>
+            <a:p>
+              <a:pPr lvl="0" algn="ctr" defTabSz="533400">
+                <a:lnSpc>
+                  <a:spcPct val="90000"/>
+                </a:lnSpc>
+                <a:spcBef>
+                  <a:spcPct val="0"/>
+                </a:spcBef>
+                <a:spcAft>
+                  <a:spcPct val="35000"/>
+                </a:spcAft>
+              </a:pPr>
+              <a:r>
+                <a:rPr lang="en-US" altLang="zh-CN" sz="1200" kern="1200" dirty="0" smtClean="0"/>
+                <a:t>Compile to </a:t>
+              </a:r>
+              <a:r>
+                <a:rPr lang="en-US" altLang="zh-CN" sz="1200" kern="1200" dirty="0" err="1" smtClean="0"/>
+                <a:t>Dotnet</a:t>
+              </a:r>
+              <a:r>
+                <a:rPr lang="en-US" altLang="zh-CN" sz="1200" kern="1200" dirty="0" smtClean="0"/>
+                <a:t> DLL</a:t>
+              </a:r>
+              <a:endParaRPr lang="zh-CN" altLang="en-US" sz="1200" kern="1200" dirty="0"/>
+            </a:p>
+          </p:txBody>
+        </p:sp>
+        <p:sp>
+          <p:nvSpPr>
+            <p:cNvPr id="9" name="任意多边形 8"/>
+            <p:cNvSpPr/>
+            <p:nvPr/>
+          </p:nvSpPr>
+          <p:spPr>
+            <a:xfrm rot="5400000">
+              <a:off x="9907599" y="3427072"/>
+              <a:ext cx="289306" cy="365765"/>
+            </a:xfrm>
+            <a:custGeom>
+              <a:avLst/>
+              <a:gdLst>
+                <a:gd name="connsiteX0" fmla="*/ 0 w 289306"/>
+                <a:gd name="connsiteY0" fmla="*/ 73153 h 365765"/>
+                <a:gd name="connsiteX1" fmla="*/ 144653 w 289306"/>
+                <a:gd name="connsiteY1" fmla="*/ 73153 h 365765"/>
+                <a:gd name="connsiteX2" fmla="*/ 144653 w 289306"/>
+                <a:gd name="connsiteY2" fmla="*/ 0 h 365765"/>
+                <a:gd name="connsiteX3" fmla="*/ 289306 w 289306"/>
+                <a:gd name="connsiteY3" fmla="*/ 182883 h 365765"/>
+                <a:gd name="connsiteX4" fmla="*/ 144653 w 289306"/>
+                <a:gd name="connsiteY4" fmla="*/ 365765 h 365765"/>
+                <a:gd name="connsiteX5" fmla="*/ 144653 w 289306"/>
+                <a:gd name="connsiteY5" fmla="*/ 292612 h 365765"/>
+                <a:gd name="connsiteX6" fmla="*/ 0 w 289306"/>
+                <a:gd name="connsiteY6" fmla="*/ 292612 h 365765"/>
+                <a:gd name="connsiteX7" fmla="*/ 0 w 289306"/>
+                <a:gd name="connsiteY7" fmla="*/ 73153 h 365765"/>
+              </a:gdLst>
+              <a:ahLst/>
+              <a:cxnLst>
+                <a:cxn ang="0">
+                  <a:pos x="connsiteX0" y="connsiteY0"/>
+                </a:cxn>
+                <a:cxn ang="0">
+                  <a:pos x="connsiteX1" y="connsiteY1"/>
+                </a:cxn>
+                <a:cxn ang="0">
+                  <a:pos x="connsiteX2" y="connsiteY2"/>
+                </a:cxn>
+                <a:cxn ang="0">
+                  <a:pos x="connsiteX3" y="connsiteY3"/>
+                </a:cxn>
+                <a:cxn ang="0">
+                  <a:pos x="connsiteX4" y="connsiteY4"/>
+                </a:cxn>
+                <a:cxn ang="0">
+                  <a:pos x="connsiteX5" y="connsiteY5"/>
+                </a:cxn>
+                <a:cxn ang="0">
+                  <a:pos x="connsiteX6" y="connsiteY6"/>
+                </a:cxn>
+                <a:cxn ang="0">
+                  <a:pos x="connsiteX7" y="connsiteY7"/>
+                </a:cxn>
+              </a:cxnLst>
+              <a:rect l="l" t="t" r="r" b="b"/>
+              <a:pathLst>
+                <a:path w="289306" h="365765">
+                  <a:moveTo>
+                    <a:pt x="0" y="73153"/>
+                  </a:moveTo>
+                  <a:lnTo>
+                    <a:pt x="144653" y="73153"/>
+                  </a:lnTo>
+                  <a:lnTo>
+                    <a:pt x="144653" y="0"/>
+                  </a:lnTo>
+                  <a:lnTo>
+                    <a:pt x="289306" y="182883"/>
+                  </a:lnTo>
+                  <a:lnTo>
+                    <a:pt x="144653" y="365765"/>
+                  </a:lnTo>
+                  <a:lnTo>
+                    <a:pt x="144653" y="292612"/>
+                  </a:lnTo>
+                  <a:lnTo>
+                    <a:pt x="0" y="292612"/>
+                  </a:lnTo>
+                  <a:lnTo>
+                    <a:pt x="0" y="73153"/>
+                  </a:lnTo>
+                  <a:close/>
+                </a:path>
+              </a:pathLst>
+            </a:custGeom>
+          </p:spPr>
+          <p:style>
+            <a:lnRef idx="0">
+              <a:schemeClr val="accent6">
+                <a:shade val="90000"/>
+                <a:hueOff val="75974"/>
+                <a:satOff val="-3035"/>
+                <a:lumOff val="7038"/>
+                <a:alphaOff val="0"/>
+              </a:schemeClr>
+            </a:lnRef>
+            <a:fillRef idx="3">
+              <a:schemeClr val="accent6">
+                <a:shade val="90000"/>
+                <a:hueOff val="75974"/>
+                <a:satOff val="-3035"/>
+                <a:lumOff val="7038"/>
+                <a:alphaOff val="0"/>
+              </a:schemeClr>
+            </a:fillRef>
+            <a:effectRef idx="3">
+              <a:schemeClr val="accent6">
+                <a:shade val="90000"/>
+                <a:hueOff val="75974"/>
+                <a:satOff val="-3035"/>
+                <a:lumOff val="7038"/>
+                <a:alphaOff val="0"/>
+              </a:schemeClr>
+            </a:effectRef>
+            <a:fontRef idx="minor">
+              <a:schemeClr val="lt1"/>
+            </a:fontRef>
+          </p:style>
+          <p:txBody>
+            <a:bodyPr spcFirstLastPara="0" vert="horz" wrap="square" lIns="0" tIns="73152" rIns="86791" bIns="73153" numCol="1" spcCol="1270" anchor="ctr" anchorCtr="0">
+              <a:noAutofit/>
+            </a:bodyPr>
+            <a:lstStyle/>
+            <a:p>
+              <a:pPr lvl="0" algn="ctr" defTabSz="488950">
+                <a:lnSpc>
+                  <a:spcPct val="90000"/>
+                </a:lnSpc>
+                <a:spcBef>
+                  <a:spcPct val="0"/>
+                </a:spcBef>
+                <a:spcAft>
+                  <a:spcPct val="35000"/>
+                </a:spcAft>
+              </a:pPr>
+              <a:endParaRPr lang="zh-CN" altLang="en-US" sz="1100" kern="1200"/>
+            </a:p>
+          </p:txBody>
+        </p:sp>
+        <p:sp>
+          <p:nvSpPr>
+            <p:cNvPr id="10" name="任意多边形 9"/>
+            <p:cNvSpPr/>
+            <p:nvPr/>
+          </p:nvSpPr>
+          <p:spPr>
+            <a:xfrm>
+              <a:off x="9510377" y="3891073"/>
+              <a:ext cx="1083749" cy="1083749"/>
+            </a:xfrm>
+            <a:custGeom>
+              <a:avLst/>
+              <a:gdLst>
+                <a:gd name="connsiteX0" fmla="*/ 0 w 1083749"/>
+                <a:gd name="connsiteY0" fmla="*/ 541875 h 1083749"/>
+                <a:gd name="connsiteX1" fmla="*/ 541875 w 1083749"/>
+                <a:gd name="connsiteY1" fmla="*/ 0 h 1083749"/>
+                <a:gd name="connsiteX2" fmla="*/ 1083750 w 1083749"/>
+                <a:gd name="connsiteY2" fmla="*/ 541875 h 1083749"/>
+                <a:gd name="connsiteX3" fmla="*/ 541875 w 1083749"/>
+                <a:gd name="connsiteY3" fmla="*/ 1083750 h 1083749"/>
+                <a:gd name="connsiteX4" fmla="*/ 0 w 1083749"/>
+                <a:gd name="connsiteY4" fmla="*/ 541875 h 1083749"/>
+              </a:gdLst>
+              <a:ahLst/>
+              <a:cxnLst>
+                <a:cxn ang="0">
+                  <a:pos x="connsiteX0" y="connsiteY0"/>
+                </a:cxn>
+                <a:cxn ang="0">
+                  <a:pos x="connsiteX1" y="connsiteY1"/>
+                </a:cxn>
+                <a:cxn ang="0">
+                  <a:pos x="connsiteX2" y="connsiteY2"/>
+                </a:cxn>
+                <a:cxn ang="0">
+                  <a:pos x="connsiteX3" y="connsiteY3"/>
+                </a:cxn>
+                <a:cxn ang="0">
+                  <a:pos x="connsiteX4" y="connsiteY4"/>
+                </a:cxn>
+              </a:cxnLst>
+              <a:rect l="l" t="t" r="r" b="b"/>
+              <a:pathLst>
+                <a:path w="1083749" h="1083749">
+                  <a:moveTo>
+                    <a:pt x="0" y="541875"/>
+                  </a:moveTo>
+                  <a:cubicBezTo>
+                    <a:pt x="0" y="242606"/>
+                    <a:pt x="242606" y="0"/>
+                    <a:pt x="541875" y="0"/>
+                  </a:cubicBezTo>
+                  <a:cubicBezTo>
+                    <a:pt x="841144" y="0"/>
+                    <a:pt x="1083750" y="242606"/>
+                    <a:pt x="1083750" y="541875"/>
+                  </a:cubicBezTo>
+                  <a:cubicBezTo>
+                    <a:pt x="1083750" y="841144"/>
+                    <a:pt x="841144" y="1083750"/>
+                    <a:pt x="541875" y="1083750"/>
+                  </a:cubicBezTo>
+                  <a:cubicBezTo>
+                    <a:pt x="242606" y="1083750"/>
+                    <a:pt x="0" y="841144"/>
+                    <a:pt x="0" y="541875"/>
+                  </a:cubicBezTo>
+                  <a:close/>
+                </a:path>
+              </a:pathLst>
+            </a:custGeom>
+          </p:spPr>
+          <p:style>
+            <a:lnRef idx="0">
+              <a:schemeClr val="lt1">
+                <a:hueOff val="0"/>
+                <a:satOff val="0"/>
+                <a:lumOff val="0"/>
+                <a:alphaOff val="0"/>
+              </a:schemeClr>
+            </a:lnRef>
+            <a:fillRef idx="3">
+              <a:schemeClr val="accent6">
+                <a:alpha val="90000"/>
+                <a:hueOff val="0"/>
+                <a:satOff val="0"/>
+                <a:lumOff val="0"/>
+                <a:alphaOff val="-16000"/>
+              </a:schemeClr>
+            </a:fillRef>
+            <a:effectRef idx="3">
+              <a:schemeClr val="accent6">
+                <a:alpha val="90000"/>
+                <a:hueOff val="0"/>
+                <a:satOff val="0"/>
+                <a:lumOff val="0"/>
+                <a:alphaOff val="-16000"/>
+              </a:schemeClr>
+            </a:effectRef>
+            <a:fontRef idx="minor">
+              <a:schemeClr val="lt1"/>
+            </a:fontRef>
+          </p:style>
+          <p:txBody>
+            <a:bodyPr spcFirstLastPara="0" vert="horz" wrap="square" lIns="173951" tIns="173951" rIns="173951" bIns="173951" numCol="1" spcCol="1270" anchor="ctr" anchorCtr="0">
+              <a:noAutofit/>
+            </a:bodyPr>
+            <a:lstStyle/>
+            <a:p>
+              <a:pPr lvl="0" algn="ctr" defTabSz="533400">
+                <a:lnSpc>
+                  <a:spcPct val="90000"/>
+                </a:lnSpc>
+                <a:spcBef>
+                  <a:spcPct val="0"/>
+                </a:spcBef>
+                <a:spcAft>
+                  <a:spcPct val="35000"/>
+                </a:spcAft>
+              </a:pPr>
+              <a:r>
+                <a:rPr lang="en-US" altLang="zh-CN" sz="1200" kern="1200" dirty="0" smtClean="0"/>
+                <a:t>Compile to AVM</a:t>
+              </a:r>
+              <a:endParaRPr lang="zh-CN" altLang="en-US" sz="1200" kern="1200" dirty="0"/>
+            </a:p>
+          </p:txBody>
+        </p:sp>
+        <p:sp>
+          <p:nvSpPr>
+            <p:cNvPr id="11" name="任意多边形 10"/>
+            <p:cNvSpPr/>
+            <p:nvPr/>
+          </p:nvSpPr>
+          <p:spPr>
+            <a:xfrm rot="19800000">
+              <a:off x="9209048" y="4653373"/>
+              <a:ext cx="289306" cy="365766"/>
+            </a:xfrm>
+            <a:custGeom>
+              <a:avLst/>
+              <a:gdLst>
+                <a:gd name="connsiteX0" fmla="*/ 0 w 289306"/>
+                <a:gd name="connsiteY0" fmla="*/ 73153 h 365765"/>
+                <a:gd name="connsiteX1" fmla="*/ 144653 w 289306"/>
+                <a:gd name="connsiteY1" fmla="*/ 73153 h 365765"/>
+                <a:gd name="connsiteX2" fmla="*/ 144653 w 289306"/>
+                <a:gd name="connsiteY2" fmla="*/ 0 h 365765"/>
+                <a:gd name="connsiteX3" fmla="*/ 289306 w 289306"/>
+                <a:gd name="connsiteY3" fmla="*/ 182883 h 365765"/>
+                <a:gd name="connsiteX4" fmla="*/ 144653 w 289306"/>
+                <a:gd name="connsiteY4" fmla="*/ 365765 h 365765"/>
+                <a:gd name="connsiteX5" fmla="*/ 144653 w 289306"/>
+                <a:gd name="connsiteY5" fmla="*/ 292612 h 365765"/>
+                <a:gd name="connsiteX6" fmla="*/ 0 w 289306"/>
+                <a:gd name="connsiteY6" fmla="*/ 292612 h 365765"/>
+                <a:gd name="connsiteX7" fmla="*/ 0 w 289306"/>
+                <a:gd name="connsiteY7" fmla="*/ 73153 h 365765"/>
+              </a:gdLst>
+              <a:ahLst/>
+              <a:cxnLst>
+                <a:cxn ang="0">
+                  <a:pos x="connsiteX0" y="connsiteY0"/>
+                </a:cxn>
+                <a:cxn ang="0">
+                  <a:pos x="connsiteX1" y="connsiteY1"/>
+                </a:cxn>
+                <a:cxn ang="0">
+                  <a:pos x="connsiteX2" y="connsiteY2"/>
+                </a:cxn>
+                <a:cxn ang="0">
+                  <a:pos x="connsiteX3" y="connsiteY3"/>
+                </a:cxn>
+                <a:cxn ang="0">
+                  <a:pos x="connsiteX4" y="connsiteY4"/>
+                </a:cxn>
+                <a:cxn ang="0">
+                  <a:pos x="connsiteX5" y="connsiteY5"/>
+                </a:cxn>
+                <a:cxn ang="0">
+                  <a:pos x="connsiteX6" y="connsiteY6"/>
+                </a:cxn>
+                <a:cxn ang="0">
+                  <a:pos x="connsiteX7" y="connsiteY7"/>
+                </a:cxn>
+              </a:cxnLst>
+              <a:rect l="l" t="t" r="r" b="b"/>
+              <a:pathLst>
+                <a:path w="289306" h="365765">
+                  <a:moveTo>
+                    <a:pt x="289306" y="292612"/>
+                  </a:moveTo>
+                  <a:lnTo>
+                    <a:pt x="144653" y="292612"/>
+                  </a:lnTo>
+                  <a:lnTo>
+                    <a:pt x="144653" y="365765"/>
+                  </a:lnTo>
+                  <a:lnTo>
+                    <a:pt x="0" y="182882"/>
+                  </a:lnTo>
+                  <a:lnTo>
+                    <a:pt x="144653" y="0"/>
+                  </a:lnTo>
+                  <a:lnTo>
+                    <a:pt x="144653" y="73153"/>
+                  </a:lnTo>
+                  <a:lnTo>
+                    <a:pt x="289306" y="73153"/>
+                  </a:lnTo>
+                  <a:lnTo>
+                    <a:pt x="289306" y="292612"/>
+                  </a:lnTo>
+                  <a:close/>
+                </a:path>
+              </a:pathLst>
+            </a:custGeom>
+          </p:spPr>
+          <p:style>
+            <a:lnRef idx="0">
+              <a:schemeClr val="accent6">
+                <a:shade val="90000"/>
+                <a:hueOff val="151948"/>
+                <a:satOff val="-6069"/>
+                <a:lumOff val="14076"/>
+                <a:alphaOff val="0"/>
+              </a:schemeClr>
+            </a:lnRef>
+            <a:fillRef idx="3">
+              <a:schemeClr val="accent6">
+                <a:shade val="90000"/>
+                <a:hueOff val="151948"/>
+                <a:satOff val="-6069"/>
+                <a:lumOff val="14076"/>
+                <a:alphaOff val="0"/>
+              </a:schemeClr>
+            </a:fillRef>
+            <a:effectRef idx="3">
+              <a:schemeClr val="accent6">
+                <a:shade val="90000"/>
+                <a:hueOff val="151948"/>
+                <a:satOff val="-6069"/>
+                <a:lumOff val="14076"/>
+                <a:alphaOff val="0"/>
+              </a:schemeClr>
+            </a:effectRef>
+            <a:fontRef idx="minor">
+              <a:schemeClr val="lt1"/>
+            </a:fontRef>
+          </p:style>
+          <p:txBody>
+            <a:bodyPr spcFirstLastPara="0" vert="horz" wrap="square" lIns="86791" tIns="73153" rIns="0" bIns="73153" numCol="1" spcCol="1270" anchor="ctr" anchorCtr="0">
+              <a:noAutofit/>
+            </a:bodyPr>
+            <a:lstStyle/>
+            <a:p>
+              <a:pPr lvl="0" algn="ctr" defTabSz="488950">
+                <a:lnSpc>
+                  <a:spcPct val="90000"/>
+                </a:lnSpc>
+                <a:spcBef>
+                  <a:spcPct val="0"/>
+                </a:spcBef>
+                <a:spcAft>
+                  <a:spcPct val="35000"/>
+                </a:spcAft>
+              </a:pPr>
+              <a:endParaRPr lang="zh-CN" altLang="en-US" sz="1100" kern="1200"/>
+            </a:p>
+          </p:txBody>
+        </p:sp>
+        <p:sp>
+          <p:nvSpPr>
+            <p:cNvPr id="12" name="任意多边形 11"/>
+            <p:cNvSpPr/>
+            <p:nvPr/>
+          </p:nvSpPr>
+          <p:spPr>
+            <a:xfrm>
+              <a:off x="8099093" y="4705879"/>
+              <a:ext cx="1083749" cy="1083749"/>
+            </a:xfrm>
+            <a:custGeom>
+              <a:avLst/>
+              <a:gdLst>
+                <a:gd name="connsiteX0" fmla="*/ 0 w 1083749"/>
+                <a:gd name="connsiteY0" fmla="*/ 541875 h 1083749"/>
+                <a:gd name="connsiteX1" fmla="*/ 541875 w 1083749"/>
+                <a:gd name="connsiteY1" fmla="*/ 0 h 1083749"/>
+                <a:gd name="connsiteX2" fmla="*/ 1083750 w 1083749"/>
+                <a:gd name="connsiteY2" fmla="*/ 541875 h 1083749"/>
+                <a:gd name="connsiteX3" fmla="*/ 541875 w 1083749"/>
+                <a:gd name="connsiteY3" fmla="*/ 1083750 h 1083749"/>
+                <a:gd name="connsiteX4" fmla="*/ 0 w 1083749"/>
+                <a:gd name="connsiteY4" fmla="*/ 541875 h 1083749"/>
+              </a:gdLst>
+              <a:ahLst/>
+              <a:cxnLst>
+                <a:cxn ang="0">
+                  <a:pos x="connsiteX0" y="connsiteY0"/>
+                </a:cxn>
+                <a:cxn ang="0">
+                  <a:pos x="connsiteX1" y="connsiteY1"/>
+                </a:cxn>
+                <a:cxn ang="0">
+                  <a:pos x="connsiteX2" y="connsiteY2"/>
+                </a:cxn>
+                <a:cxn ang="0">
+                  <a:pos x="connsiteX3" y="connsiteY3"/>
+                </a:cxn>
+                <a:cxn ang="0">
+                  <a:pos x="connsiteX4" y="connsiteY4"/>
+                </a:cxn>
+              </a:cxnLst>
+              <a:rect l="l" t="t" r="r" b="b"/>
+              <a:pathLst>
+                <a:path w="1083749" h="1083749">
+                  <a:moveTo>
+                    <a:pt x="0" y="541875"/>
+                  </a:moveTo>
+                  <a:cubicBezTo>
+                    <a:pt x="0" y="242606"/>
+                    <a:pt x="242606" y="0"/>
+                    <a:pt x="541875" y="0"/>
+                  </a:cubicBezTo>
+                  <a:cubicBezTo>
+                    <a:pt x="841144" y="0"/>
+                    <a:pt x="1083750" y="242606"/>
+                    <a:pt x="1083750" y="541875"/>
+                  </a:cubicBezTo>
+                  <a:cubicBezTo>
+                    <a:pt x="1083750" y="841144"/>
+                    <a:pt x="841144" y="1083750"/>
+                    <a:pt x="541875" y="1083750"/>
+                  </a:cubicBezTo>
+                  <a:cubicBezTo>
+                    <a:pt x="242606" y="1083750"/>
+                    <a:pt x="0" y="841144"/>
+                    <a:pt x="0" y="541875"/>
+                  </a:cubicBezTo>
+                  <a:close/>
+                </a:path>
+              </a:pathLst>
+            </a:custGeom>
+          </p:spPr>
+          <p:style>
+            <a:lnRef idx="0">
+              <a:schemeClr val="lt1">
+                <a:hueOff val="0"/>
+                <a:satOff val="0"/>
+                <a:lumOff val="0"/>
+                <a:alphaOff val="0"/>
+              </a:schemeClr>
+            </a:lnRef>
+            <a:fillRef idx="3">
+              <a:schemeClr val="accent6">
+                <a:alpha val="90000"/>
+                <a:hueOff val="0"/>
+                <a:satOff val="0"/>
+                <a:lumOff val="0"/>
+                <a:alphaOff val="-24000"/>
+              </a:schemeClr>
+            </a:fillRef>
+            <a:effectRef idx="3">
+              <a:schemeClr val="accent6">
+                <a:alpha val="90000"/>
+                <a:hueOff val="0"/>
+                <a:satOff val="0"/>
+                <a:lumOff val="0"/>
+                <a:alphaOff val="-24000"/>
+              </a:schemeClr>
+            </a:effectRef>
+            <a:fontRef idx="minor">
+              <a:schemeClr val="lt1"/>
+            </a:fontRef>
+          </p:style>
+          <p:txBody>
+            <a:bodyPr spcFirstLastPara="0" vert="horz" wrap="square" lIns="173951" tIns="173951" rIns="173951" bIns="173951" numCol="1" spcCol="1270" anchor="ctr" anchorCtr="0">
+              <a:noAutofit/>
+            </a:bodyPr>
+            <a:lstStyle/>
+            <a:p>
+              <a:pPr lvl="0" algn="ctr" defTabSz="533400">
+                <a:lnSpc>
+                  <a:spcPct val="90000"/>
+                </a:lnSpc>
+                <a:spcBef>
+                  <a:spcPct val="0"/>
+                </a:spcBef>
+                <a:spcAft>
+                  <a:spcPct val="35000"/>
+                </a:spcAft>
+              </a:pPr>
+              <a:r>
+                <a:rPr lang="en-US" altLang="zh-CN" sz="1200" kern="1200" dirty="0" err="1" smtClean="0"/>
+                <a:t>Depoly</a:t>
+              </a:r>
+              <a:r>
+                <a:rPr lang="en-US" altLang="zh-CN" sz="1200" kern="1200" dirty="0" smtClean="0"/>
+                <a:t> </a:t>
+              </a:r>
+            </a:p>
+            <a:p>
+              <a:pPr lvl="0" algn="ctr" defTabSz="533400">
+                <a:lnSpc>
+                  <a:spcPct val="90000"/>
+                </a:lnSpc>
+                <a:spcBef>
+                  <a:spcPct val="0"/>
+                </a:spcBef>
+                <a:spcAft>
+                  <a:spcPct val="35000"/>
+                </a:spcAft>
+              </a:pPr>
+              <a:r>
+                <a:rPr lang="en-US" altLang="zh-CN" sz="1200" kern="1200" dirty="0" smtClean="0"/>
+                <a:t>Contract</a:t>
+              </a:r>
+              <a:endParaRPr lang="zh-CN" altLang="en-US" sz="1200" kern="1200" dirty="0"/>
+            </a:p>
+          </p:txBody>
+        </p:sp>
+        <p:sp>
+          <p:nvSpPr>
+            <p:cNvPr id="13" name="任意多边形 12"/>
+            <p:cNvSpPr/>
+            <p:nvPr/>
+          </p:nvSpPr>
+          <p:spPr>
+            <a:xfrm rot="1800000">
+              <a:off x="7797763" y="4661561"/>
+              <a:ext cx="289307" cy="365766"/>
+            </a:xfrm>
+            <a:custGeom>
+              <a:avLst/>
+              <a:gdLst>
+                <a:gd name="connsiteX0" fmla="*/ 0 w 289306"/>
+                <a:gd name="connsiteY0" fmla="*/ 73153 h 365765"/>
+                <a:gd name="connsiteX1" fmla="*/ 144653 w 289306"/>
+                <a:gd name="connsiteY1" fmla="*/ 73153 h 365765"/>
+                <a:gd name="connsiteX2" fmla="*/ 144653 w 289306"/>
+                <a:gd name="connsiteY2" fmla="*/ 0 h 365765"/>
+                <a:gd name="connsiteX3" fmla="*/ 289306 w 289306"/>
+                <a:gd name="connsiteY3" fmla="*/ 182883 h 365765"/>
+                <a:gd name="connsiteX4" fmla="*/ 144653 w 289306"/>
+                <a:gd name="connsiteY4" fmla="*/ 365765 h 365765"/>
+                <a:gd name="connsiteX5" fmla="*/ 144653 w 289306"/>
+                <a:gd name="connsiteY5" fmla="*/ 292612 h 365765"/>
+                <a:gd name="connsiteX6" fmla="*/ 0 w 289306"/>
+                <a:gd name="connsiteY6" fmla="*/ 292612 h 365765"/>
+                <a:gd name="connsiteX7" fmla="*/ 0 w 289306"/>
+                <a:gd name="connsiteY7" fmla="*/ 73153 h 365765"/>
+              </a:gdLst>
+              <a:ahLst/>
+              <a:cxnLst>
+                <a:cxn ang="0">
+                  <a:pos x="connsiteX0" y="connsiteY0"/>
+                </a:cxn>
+                <a:cxn ang="0">
+                  <a:pos x="connsiteX1" y="connsiteY1"/>
+                </a:cxn>
+                <a:cxn ang="0">
+                  <a:pos x="connsiteX2" y="connsiteY2"/>
+                </a:cxn>
+                <a:cxn ang="0">
+                  <a:pos x="connsiteX3" y="connsiteY3"/>
+                </a:cxn>
+                <a:cxn ang="0">
+                  <a:pos x="connsiteX4" y="connsiteY4"/>
+                </a:cxn>
+                <a:cxn ang="0">
+                  <a:pos x="connsiteX5" y="connsiteY5"/>
+                </a:cxn>
+                <a:cxn ang="0">
+                  <a:pos x="connsiteX6" y="connsiteY6"/>
+                </a:cxn>
+                <a:cxn ang="0">
+                  <a:pos x="connsiteX7" y="connsiteY7"/>
+                </a:cxn>
+              </a:cxnLst>
+              <a:rect l="l" t="t" r="r" b="b"/>
+              <a:pathLst>
+                <a:path w="289306" h="365765">
+                  <a:moveTo>
+                    <a:pt x="289306" y="292612"/>
+                  </a:moveTo>
+                  <a:lnTo>
+                    <a:pt x="144653" y="292612"/>
+                  </a:lnTo>
+                  <a:lnTo>
+                    <a:pt x="144653" y="365765"/>
+                  </a:lnTo>
+                  <a:lnTo>
+                    <a:pt x="0" y="182882"/>
+                  </a:lnTo>
+                  <a:lnTo>
+                    <a:pt x="144653" y="0"/>
+                  </a:lnTo>
+                  <a:lnTo>
+                    <a:pt x="144653" y="73153"/>
+                  </a:lnTo>
+                  <a:lnTo>
+                    <a:pt x="289306" y="73153"/>
+                  </a:lnTo>
+                  <a:lnTo>
+                    <a:pt x="289306" y="292612"/>
+                  </a:lnTo>
+                  <a:close/>
+                </a:path>
+              </a:pathLst>
+            </a:custGeom>
+          </p:spPr>
+          <p:style>
+            <a:lnRef idx="0">
+              <a:schemeClr val="accent6">
+                <a:shade val="90000"/>
+                <a:hueOff val="227922"/>
+                <a:satOff val="-9104"/>
+                <a:lumOff val="21115"/>
+                <a:alphaOff val="0"/>
+              </a:schemeClr>
+            </a:lnRef>
+            <a:fillRef idx="3">
+              <a:schemeClr val="accent6">
+                <a:shade val="90000"/>
+                <a:hueOff val="227922"/>
+                <a:satOff val="-9104"/>
+                <a:lumOff val="21115"/>
+                <a:alphaOff val="0"/>
+              </a:schemeClr>
+            </a:fillRef>
+            <a:effectRef idx="3">
+              <a:schemeClr val="accent6">
+                <a:shade val="90000"/>
+                <a:hueOff val="227922"/>
+                <a:satOff val="-9104"/>
+                <a:lumOff val="21115"/>
+                <a:alphaOff val="0"/>
+              </a:schemeClr>
+            </a:effectRef>
+            <a:fontRef idx="minor">
+              <a:schemeClr val="lt1"/>
+            </a:fontRef>
+          </p:style>
+          <p:txBody>
+            <a:bodyPr spcFirstLastPara="0" vert="horz" wrap="square" lIns="86792" tIns="73153" rIns="0" bIns="73153" numCol="1" spcCol="1270" anchor="ctr" anchorCtr="0">
+              <a:noAutofit/>
+            </a:bodyPr>
+            <a:lstStyle/>
+            <a:p>
+              <a:pPr lvl="0" algn="ctr" defTabSz="488950">
+                <a:lnSpc>
+                  <a:spcPct val="90000"/>
+                </a:lnSpc>
+                <a:spcBef>
+                  <a:spcPct val="0"/>
+                </a:spcBef>
+                <a:spcAft>
+                  <a:spcPct val="35000"/>
+                </a:spcAft>
+              </a:pPr>
+              <a:endParaRPr lang="zh-CN" altLang="en-US" sz="1100" kern="1200"/>
+            </a:p>
+          </p:txBody>
+        </p:sp>
+        <p:sp>
+          <p:nvSpPr>
+            <p:cNvPr id="14" name="任意多边形 13"/>
+            <p:cNvSpPr/>
+            <p:nvPr/>
+          </p:nvSpPr>
+          <p:spPr>
+            <a:xfrm>
+              <a:off x="6687808" y="3891073"/>
+              <a:ext cx="1083749" cy="1083749"/>
+            </a:xfrm>
+            <a:custGeom>
+              <a:avLst/>
+              <a:gdLst>
+                <a:gd name="connsiteX0" fmla="*/ 0 w 1083749"/>
+                <a:gd name="connsiteY0" fmla="*/ 541875 h 1083749"/>
+                <a:gd name="connsiteX1" fmla="*/ 541875 w 1083749"/>
+                <a:gd name="connsiteY1" fmla="*/ 0 h 1083749"/>
+                <a:gd name="connsiteX2" fmla="*/ 1083750 w 1083749"/>
+                <a:gd name="connsiteY2" fmla="*/ 541875 h 1083749"/>
+                <a:gd name="connsiteX3" fmla="*/ 541875 w 1083749"/>
+                <a:gd name="connsiteY3" fmla="*/ 1083750 h 1083749"/>
+                <a:gd name="connsiteX4" fmla="*/ 0 w 1083749"/>
+                <a:gd name="connsiteY4" fmla="*/ 541875 h 1083749"/>
+              </a:gdLst>
+              <a:ahLst/>
+              <a:cxnLst>
+                <a:cxn ang="0">
+                  <a:pos x="connsiteX0" y="connsiteY0"/>
+                </a:cxn>
+                <a:cxn ang="0">
+                  <a:pos x="connsiteX1" y="connsiteY1"/>
+                </a:cxn>
+                <a:cxn ang="0">
+                  <a:pos x="connsiteX2" y="connsiteY2"/>
+                </a:cxn>
+                <a:cxn ang="0">
+                  <a:pos x="connsiteX3" y="connsiteY3"/>
+                </a:cxn>
+                <a:cxn ang="0">
+                  <a:pos x="connsiteX4" y="connsiteY4"/>
+                </a:cxn>
+              </a:cxnLst>
+              <a:rect l="l" t="t" r="r" b="b"/>
+              <a:pathLst>
+                <a:path w="1083749" h="1083749">
+                  <a:moveTo>
+                    <a:pt x="0" y="541875"/>
+                  </a:moveTo>
+                  <a:cubicBezTo>
+                    <a:pt x="0" y="242606"/>
+                    <a:pt x="242606" y="0"/>
+                    <a:pt x="541875" y="0"/>
+                  </a:cubicBezTo>
+                  <a:cubicBezTo>
+                    <a:pt x="841144" y="0"/>
+                    <a:pt x="1083750" y="242606"/>
+                    <a:pt x="1083750" y="541875"/>
+                  </a:cubicBezTo>
+                  <a:cubicBezTo>
+                    <a:pt x="1083750" y="841144"/>
+                    <a:pt x="841144" y="1083750"/>
+                    <a:pt x="541875" y="1083750"/>
+                  </a:cubicBezTo>
+                  <a:cubicBezTo>
+                    <a:pt x="242606" y="1083750"/>
+                    <a:pt x="0" y="841144"/>
+                    <a:pt x="0" y="541875"/>
+                  </a:cubicBezTo>
+                  <a:close/>
+                </a:path>
+              </a:pathLst>
+            </a:custGeom>
+          </p:spPr>
+          <p:style>
+            <a:lnRef idx="0">
+              <a:schemeClr val="lt1">
+                <a:hueOff val="0"/>
+                <a:satOff val="0"/>
+                <a:lumOff val="0"/>
+                <a:alphaOff val="0"/>
+              </a:schemeClr>
+            </a:lnRef>
+            <a:fillRef idx="3">
+              <a:schemeClr val="accent6">
+                <a:alpha val="90000"/>
+                <a:hueOff val="0"/>
+                <a:satOff val="0"/>
+                <a:lumOff val="0"/>
+                <a:alphaOff val="-32000"/>
+              </a:schemeClr>
+            </a:fillRef>
+            <a:effectRef idx="3">
+              <a:schemeClr val="accent6">
+                <a:alpha val="90000"/>
+                <a:hueOff val="0"/>
+                <a:satOff val="0"/>
+                <a:lumOff val="0"/>
+                <a:alphaOff val="-32000"/>
+              </a:schemeClr>
+            </a:effectRef>
+            <a:fontRef idx="minor">
+              <a:schemeClr val="lt1"/>
+            </a:fontRef>
+          </p:style>
+          <p:txBody>
+            <a:bodyPr spcFirstLastPara="0" vert="horz" wrap="square" lIns="173951" tIns="173951" rIns="173951" bIns="173951" numCol="1" spcCol="1270" anchor="ctr" anchorCtr="0">
+              <a:noAutofit/>
+            </a:bodyPr>
+            <a:lstStyle/>
+            <a:p>
+              <a:pPr lvl="0" algn="ctr" defTabSz="533400">
+                <a:lnSpc>
+                  <a:spcPct val="90000"/>
+                </a:lnSpc>
+                <a:spcBef>
+                  <a:spcPct val="0"/>
+                </a:spcBef>
+                <a:spcAft>
+                  <a:spcPct val="35000"/>
+                </a:spcAft>
+              </a:pPr>
+              <a:r>
+                <a:rPr lang="en-US" altLang="zh-CN" sz="1200" kern="1200" dirty="0"/>
+                <a:t>Invoke Transaction</a:t>
+              </a:r>
+              <a:endParaRPr lang="zh-CN" altLang="en-US" sz="1200" kern="1200" dirty="0"/>
+            </a:p>
+          </p:txBody>
+        </p:sp>
+        <p:sp>
+          <p:nvSpPr>
+            <p:cNvPr id="15" name="任意多边形 14"/>
+            <p:cNvSpPr/>
+            <p:nvPr/>
+          </p:nvSpPr>
+          <p:spPr>
+            <a:xfrm rot="16200000">
+              <a:off x="7085029" y="3443448"/>
+              <a:ext cx="289306" cy="365765"/>
+            </a:xfrm>
+            <a:custGeom>
+              <a:avLst/>
+              <a:gdLst>
+                <a:gd name="connsiteX0" fmla="*/ 0 w 289306"/>
+                <a:gd name="connsiteY0" fmla="*/ 73153 h 365765"/>
+                <a:gd name="connsiteX1" fmla="*/ 144653 w 289306"/>
+                <a:gd name="connsiteY1" fmla="*/ 73153 h 365765"/>
+                <a:gd name="connsiteX2" fmla="*/ 144653 w 289306"/>
+                <a:gd name="connsiteY2" fmla="*/ 0 h 365765"/>
+                <a:gd name="connsiteX3" fmla="*/ 289306 w 289306"/>
+                <a:gd name="connsiteY3" fmla="*/ 182883 h 365765"/>
+                <a:gd name="connsiteX4" fmla="*/ 144653 w 289306"/>
+                <a:gd name="connsiteY4" fmla="*/ 365765 h 365765"/>
+                <a:gd name="connsiteX5" fmla="*/ 144653 w 289306"/>
+                <a:gd name="connsiteY5" fmla="*/ 292612 h 365765"/>
+                <a:gd name="connsiteX6" fmla="*/ 0 w 289306"/>
+                <a:gd name="connsiteY6" fmla="*/ 292612 h 365765"/>
+                <a:gd name="connsiteX7" fmla="*/ 0 w 289306"/>
+                <a:gd name="connsiteY7" fmla="*/ 73153 h 365765"/>
+              </a:gdLst>
+              <a:ahLst/>
+              <a:cxnLst>
+                <a:cxn ang="0">
+                  <a:pos x="connsiteX0" y="connsiteY0"/>
+                </a:cxn>
+                <a:cxn ang="0">
+                  <a:pos x="connsiteX1" y="connsiteY1"/>
+                </a:cxn>
+                <a:cxn ang="0">
+                  <a:pos x="connsiteX2" y="connsiteY2"/>
+                </a:cxn>
+                <a:cxn ang="0">
+                  <a:pos x="connsiteX3" y="connsiteY3"/>
+                </a:cxn>
+                <a:cxn ang="0">
+                  <a:pos x="connsiteX4" y="connsiteY4"/>
+                </a:cxn>
+                <a:cxn ang="0">
+                  <a:pos x="connsiteX5" y="connsiteY5"/>
+                </a:cxn>
+                <a:cxn ang="0">
+                  <a:pos x="connsiteX6" y="connsiteY6"/>
+                </a:cxn>
+                <a:cxn ang="0">
+                  <a:pos x="connsiteX7" y="connsiteY7"/>
+                </a:cxn>
+              </a:cxnLst>
+              <a:rect l="l" t="t" r="r" b="b"/>
+              <a:pathLst>
+                <a:path w="289306" h="365765">
+                  <a:moveTo>
+                    <a:pt x="0" y="73153"/>
+                  </a:moveTo>
+                  <a:lnTo>
+                    <a:pt x="144653" y="73153"/>
+                  </a:lnTo>
+                  <a:lnTo>
+                    <a:pt x="144653" y="0"/>
+                  </a:lnTo>
+                  <a:lnTo>
+                    <a:pt x="289306" y="182883"/>
+                  </a:lnTo>
+                  <a:lnTo>
+                    <a:pt x="144653" y="365765"/>
+                  </a:lnTo>
+                  <a:lnTo>
+                    <a:pt x="144653" y="292612"/>
+                  </a:lnTo>
+                  <a:lnTo>
+                    <a:pt x="0" y="292612"/>
+                  </a:lnTo>
+                  <a:lnTo>
+                    <a:pt x="0" y="73153"/>
+                  </a:lnTo>
+                  <a:close/>
+                </a:path>
+              </a:pathLst>
+            </a:custGeom>
+          </p:spPr>
+          <p:style>
+            <a:lnRef idx="0">
+              <a:schemeClr val="accent6">
+                <a:shade val="90000"/>
+                <a:hueOff val="303896"/>
+                <a:satOff val="-12138"/>
+                <a:lumOff val="28153"/>
+                <a:alphaOff val="0"/>
+              </a:schemeClr>
+            </a:lnRef>
+            <a:fillRef idx="3">
+              <a:schemeClr val="accent6">
+                <a:shade val="90000"/>
+                <a:hueOff val="303896"/>
+                <a:satOff val="-12138"/>
+                <a:lumOff val="28153"/>
+                <a:alphaOff val="0"/>
+              </a:schemeClr>
+            </a:fillRef>
+            <a:effectRef idx="3">
+              <a:schemeClr val="accent6">
+                <a:shade val="90000"/>
+                <a:hueOff val="303896"/>
+                <a:satOff val="-12138"/>
+                <a:lumOff val="28153"/>
+                <a:alphaOff val="0"/>
+              </a:schemeClr>
+            </a:effectRef>
+            <a:fontRef idx="minor">
+              <a:schemeClr val="lt1"/>
+            </a:fontRef>
+          </p:style>
+          <p:txBody>
+            <a:bodyPr spcFirstLastPara="0" vert="horz" wrap="square" lIns="-1" tIns="73152" rIns="86792" bIns="73153" numCol="1" spcCol="1270" anchor="ctr" anchorCtr="0">
+              <a:noAutofit/>
+            </a:bodyPr>
+            <a:lstStyle/>
+            <a:p>
+              <a:pPr lvl="0" algn="ctr" defTabSz="488950">
+                <a:lnSpc>
+                  <a:spcPct val="90000"/>
+                </a:lnSpc>
+                <a:spcBef>
+                  <a:spcPct val="0"/>
+                </a:spcBef>
+                <a:spcAft>
+                  <a:spcPct val="35000"/>
+                </a:spcAft>
+              </a:pPr>
+              <a:endParaRPr lang="zh-CN" altLang="en-US" sz="1100" kern="1200"/>
+            </a:p>
+          </p:txBody>
+        </p:sp>
+        <p:sp>
+          <p:nvSpPr>
+            <p:cNvPr id="16" name="任意多边形 15"/>
+            <p:cNvSpPr/>
+            <p:nvPr/>
+          </p:nvSpPr>
+          <p:spPr>
+            <a:xfrm rot="19800000">
+              <a:off x="7783581" y="2217145"/>
+              <a:ext cx="289306" cy="365765"/>
+            </a:xfrm>
+            <a:custGeom>
+              <a:avLst/>
+              <a:gdLst>
+                <a:gd name="connsiteX0" fmla="*/ 0 w 289306"/>
+                <a:gd name="connsiteY0" fmla="*/ 73153 h 365765"/>
+                <a:gd name="connsiteX1" fmla="*/ 144653 w 289306"/>
+                <a:gd name="connsiteY1" fmla="*/ 73153 h 365765"/>
+                <a:gd name="connsiteX2" fmla="*/ 144653 w 289306"/>
+                <a:gd name="connsiteY2" fmla="*/ 0 h 365765"/>
+                <a:gd name="connsiteX3" fmla="*/ 289306 w 289306"/>
+                <a:gd name="connsiteY3" fmla="*/ 182883 h 365765"/>
+                <a:gd name="connsiteX4" fmla="*/ 144653 w 289306"/>
+                <a:gd name="connsiteY4" fmla="*/ 365765 h 365765"/>
+                <a:gd name="connsiteX5" fmla="*/ 144653 w 289306"/>
+                <a:gd name="connsiteY5" fmla="*/ 292612 h 365765"/>
+                <a:gd name="connsiteX6" fmla="*/ 0 w 289306"/>
+                <a:gd name="connsiteY6" fmla="*/ 292612 h 365765"/>
+                <a:gd name="connsiteX7" fmla="*/ 0 w 289306"/>
+                <a:gd name="connsiteY7" fmla="*/ 73153 h 365765"/>
+              </a:gdLst>
+              <a:ahLst/>
+              <a:cxnLst>
+                <a:cxn ang="0">
+                  <a:pos x="connsiteX0" y="connsiteY0"/>
+                </a:cxn>
+                <a:cxn ang="0">
+                  <a:pos x="connsiteX1" y="connsiteY1"/>
+                </a:cxn>
+                <a:cxn ang="0">
+                  <a:pos x="connsiteX2" y="connsiteY2"/>
+                </a:cxn>
+                <a:cxn ang="0">
+                  <a:pos x="connsiteX3" y="connsiteY3"/>
+                </a:cxn>
+                <a:cxn ang="0">
+                  <a:pos x="connsiteX4" y="connsiteY4"/>
+                </a:cxn>
+                <a:cxn ang="0">
+                  <a:pos x="connsiteX5" y="connsiteY5"/>
+                </a:cxn>
+                <a:cxn ang="0">
+                  <a:pos x="connsiteX6" y="connsiteY6"/>
+                </a:cxn>
+                <a:cxn ang="0">
+                  <a:pos x="connsiteX7" y="connsiteY7"/>
+                </a:cxn>
+              </a:cxnLst>
+              <a:rect l="l" t="t" r="r" b="b"/>
+              <a:pathLst>
+                <a:path w="289306" h="365765">
+                  <a:moveTo>
+                    <a:pt x="0" y="73153"/>
+                  </a:moveTo>
+                  <a:lnTo>
+                    <a:pt x="144653" y="73153"/>
+                  </a:lnTo>
+                  <a:lnTo>
+                    <a:pt x="144653" y="0"/>
+                  </a:lnTo>
+                  <a:lnTo>
+                    <a:pt x="289306" y="182883"/>
+                  </a:lnTo>
+                  <a:lnTo>
+                    <a:pt x="144653" y="365765"/>
+                  </a:lnTo>
+                  <a:lnTo>
+                    <a:pt x="144653" y="292612"/>
+                  </a:lnTo>
+                  <a:lnTo>
+                    <a:pt x="0" y="292612"/>
+                  </a:lnTo>
+                  <a:lnTo>
+                    <a:pt x="0" y="73153"/>
+                  </a:lnTo>
+                  <a:close/>
+                </a:path>
+              </a:pathLst>
+            </a:custGeom>
+            <a:solidFill>
+              <a:schemeClr val="accent4">
+                <a:lumMod val="60000"/>
+                <a:lumOff val="40000"/>
+              </a:schemeClr>
+            </a:solidFill>
+          </p:spPr>
+          <p:style>
+            <a:lnRef idx="0">
+              <a:schemeClr val="accent6">
+                <a:shade val="90000"/>
+                <a:hueOff val="379870"/>
+                <a:satOff val="-15173"/>
+                <a:lumOff val="35191"/>
+                <a:alphaOff val="0"/>
+              </a:schemeClr>
+            </a:lnRef>
+            <a:fillRef idx="3">
+              <a:scrgbClr r="0" g="0" b="0"/>
+            </a:fillRef>
+            <a:effectRef idx="3">
+              <a:schemeClr val="accent6">
+                <a:shade val="90000"/>
+                <a:hueOff val="379870"/>
+                <a:satOff val="-15173"/>
+                <a:lumOff val="35191"/>
+                <a:alphaOff val="0"/>
+              </a:schemeClr>
+            </a:effectRef>
+            <a:fontRef idx="minor">
+              <a:schemeClr val="lt1"/>
+            </a:fontRef>
+          </p:style>
+          <p:txBody>
+            <a:bodyPr spcFirstLastPara="0" vert="horz" wrap="square" lIns="-1" tIns="73152" rIns="86792" bIns="73153" numCol="1" spcCol="1270" anchor="ctr" anchorCtr="0">
+              <a:noAutofit/>
+            </a:bodyPr>
+            <a:lstStyle/>
+            <a:p>
+              <a:pPr lvl="0" algn="ctr" defTabSz="488950">
+                <a:lnSpc>
+                  <a:spcPct val="90000"/>
+                </a:lnSpc>
+                <a:spcBef>
+                  <a:spcPct val="0"/>
+                </a:spcBef>
+                <a:spcAft>
+                  <a:spcPct val="35000"/>
+                </a:spcAft>
+              </a:pPr>
+              <a:endParaRPr lang="zh-CN" altLang="en-US" sz="1100" kern="1200"/>
+            </a:p>
+          </p:txBody>
+        </p:sp>
+        <p:sp>
+          <p:nvSpPr>
+            <p:cNvPr id="17" name="任意多边形 16"/>
+            <p:cNvSpPr/>
+            <p:nvPr/>
+          </p:nvSpPr>
+          <p:spPr>
+            <a:xfrm rot="2126741">
+              <a:off x="7794912" y="3513158"/>
+              <a:ext cx="1692109" cy="365765"/>
+            </a:xfrm>
+            <a:custGeom>
+              <a:avLst/>
+              <a:gdLst>
+                <a:gd name="connsiteX0" fmla="*/ 0 w 289306"/>
+                <a:gd name="connsiteY0" fmla="*/ 73153 h 365765"/>
+                <a:gd name="connsiteX1" fmla="*/ 144653 w 289306"/>
+                <a:gd name="connsiteY1" fmla="*/ 73153 h 365765"/>
+                <a:gd name="connsiteX2" fmla="*/ 144653 w 289306"/>
+                <a:gd name="connsiteY2" fmla="*/ 0 h 365765"/>
+                <a:gd name="connsiteX3" fmla="*/ 289306 w 289306"/>
+                <a:gd name="connsiteY3" fmla="*/ 182883 h 365765"/>
+                <a:gd name="connsiteX4" fmla="*/ 144653 w 289306"/>
+                <a:gd name="connsiteY4" fmla="*/ 365765 h 365765"/>
+                <a:gd name="connsiteX5" fmla="*/ 144653 w 289306"/>
+                <a:gd name="connsiteY5" fmla="*/ 292612 h 365765"/>
+                <a:gd name="connsiteX6" fmla="*/ 0 w 289306"/>
+                <a:gd name="connsiteY6" fmla="*/ 292612 h 365765"/>
+                <a:gd name="connsiteX7" fmla="*/ 0 w 289306"/>
+                <a:gd name="connsiteY7" fmla="*/ 73153 h 365765"/>
+              </a:gdLst>
+              <a:ahLst/>
+              <a:cxnLst>
+                <a:cxn ang="0">
+                  <a:pos x="connsiteX0" y="connsiteY0"/>
+                </a:cxn>
+                <a:cxn ang="0">
+                  <a:pos x="connsiteX1" y="connsiteY1"/>
+                </a:cxn>
+                <a:cxn ang="0">
+                  <a:pos x="connsiteX2" y="connsiteY2"/>
+                </a:cxn>
+                <a:cxn ang="0">
+                  <a:pos x="connsiteX3" y="connsiteY3"/>
+                </a:cxn>
+                <a:cxn ang="0">
+                  <a:pos x="connsiteX4" y="connsiteY4"/>
+                </a:cxn>
+                <a:cxn ang="0">
+                  <a:pos x="connsiteX5" y="connsiteY5"/>
+                </a:cxn>
+                <a:cxn ang="0">
+                  <a:pos x="connsiteX6" y="connsiteY6"/>
+                </a:cxn>
+                <a:cxn ang="0">
+                  <a:pos x="connsiteX7" y="connsiteY7"/>
+                </a:cxn>
+              </a:cxnLst>
+              <a:rect l="l" t="t" r="r" b="b"/>
+              <a:pathLst>
+                <a:path w="289306" h="365765">
+                  <a:moveTo>
+                    <a:pt x="0" y="73153"/>
+                  </a:moveTo>
+                  <a:lnTo>
+                    <a:pt x="144653" y="73153"/>
+                  </a:lnTo>
+                  <a:lnTo>
+                    <a:pt x="144653" y="0"/>
+                  </a:lnTo>
+                  <a:lnTo>
+                    <a:pt x="289306" y="182883"/>
+                  </a:lnTo>
+                  <a:lnTo>
+                    <a:pt x="144653" y="365765"/>
+                  </a:lnTo>
+                  <a:lnTo>
+                    <a:pt x="144653" y="292612"/>
+                  </a:lnTo>
+                  <a:lnTo>
+                    <a:pt x="0" y="292612"/>
+                  </a:lnTo>
+                  <a:lnTo>
+                    <a:pt x="0" y="73153"/>
+                  </a:lnTo>
+                  <a:close/>
+                </a:path>
+              </a:pathLst>
+            </a:custGeom>
+            <a:solidFill>
+              <a:schemeClr val="accent4">
+                <a:lumMod val="60000"/>
+                <a:lumOff val="40000"/>
+              </a:schemeClr>
+            </a:solidFill>
+          </p:spPr>
+          <p:style>
+            <a:lnRef idx="0">
+              <a:schemeClr val="accent6">
+                <a:shade val="90000"/>
+                <a:hueOff val="379870"/>
+                <a:satOff val="-15173"/>
+                <a:lumOff val="35191"/>
+                <a:alphaOff val="0"/>
+              </a:schemeClr>
+            </a:lnRef>
+            <a:fillRef idx="3">
+              <a:scrgbClr r="0" g="0" b="0"/>
+            </a:fillRef>
+            <a:effectRef idx="3">
+              <a:schemeClr val="accent6">
+                <a:shade val="90000"/>
+                <a:hueOff val="379870"/>
+                <a:satOff val="-15173"/>
+                <a:lumOff val="35191"/>
+                <a:alphaOff val="0"/>
+              </a:schemeClr>
+            </a:effectRef>
+            <a:fontRef idx="minor">
+              <a:schemeClr val="lt1"/>
+            </a:fontRef>
+          </p:style>
+          <p:txBody>
+            <a:bodyPr spcFirstLastPara="0" vert="horz" wrap="square" lIns="-1" tIns="73152" rIns="86792" bIns="73153" numCol="1" spcCol="1270" anchor="ctr" anchorCtr="0">
+              <a:noAutofit/>
+            </a:bodyPr>
+            <a:lstStyle/>
+            <a:p>
+              <a:pPr lvl="0" algn="ctr" defTabSz="488950">
+                <a:lnSpc>
+                  <a:spcPct val="90000"/>
+                </a:lnSpc>
+                <a:spcBef>
+                  <a:spcPct val="0"/>
+                </a:spcBef>
+                <a:spcAft>
+                  <a:spcPct val="35000"/>
+                </a:spcAft>
+              </a:pPr>
+              <a:endParaRPr lang="zh-CN" altLang="en-US" sz="1100" kern="1200"/>
+            </a:p>
+          </p:txBody>
+        </p:sp>
+        <p:sp>
+          <p:nvSpPr>
+            <p:cNvPr id="18" name="任意多边形 17"/>
+            <p:cNvSpPr/>
+            <p:nvPr/>
+          </p:nvSpPr>
+          <p:spPr>
+            <a:xfrm rot="14225127">
+              <a:off x="8620577" y="3115689"/>
+              <a:ext cx="1277011" cy="365765"/>
+            </a:xfrm>
+            <a:custGeom>
+              <a:avLst/>
+              <a:gdLst>
+                <a:gd name="connsiteX0" fmla="*/ 0 w 289306"/>
+                <a:gd name="connsiteY0" fmla="*/ 73153 h 365765"/>
+                <a:gd name="connsiteX1" fmla="*/ 144653 w 289306"/>
+                <a:gd name="connsiteY1" fmla="*/ 73153 h 365765"/>
+                <a:gd name="connsiteX2" fmla="*/ 144653 w 289306"/>
+                <a:gd name="connsiteY2" fmla="*/ 0 h 365765"/>
+                <a:gd name="connsiteX3" fmla="*/ 289306 w 289306"/>
+                <a:gd name="connsiteY3" fmla="*/ 182883 h 365765"/>
+                <a:gd name="connsiteX4" fmla="*/ 144653 w 289306"/>
+                <a:gd name="connsiteY4" fmla="*/ 365765 h 365765"/>
+                <a:gd name="connsiteX5" fmla="*/ 144653 w 289306"/>
+                <a:gd name="connsiteY5" fmla="*/ 292612 h 365765"/>
+                <a:gd name="connsiteX6" fmla="*/ 0 w 289306"/>
+                <a:gd name="connsiteY6" fmla="*/ 292612 h 365765"/>
+                <a:gd name="connsiteX7" fmla="*/ 0 w 289306"/>
+                <a:gd name="connsiteY7" fmla="*/ 73153 h 365765"/>
+              </a:gdLst>
+              <a:ahLst/>
+              <a:cxnLst>
+                <a:cxn ang="0">
+                  <a:pos x="connsiteX0" y="connsiteY0"/>
+                </a:cxn>
+                <a:cxn ang="0">
+                  <a:pos x="connsiteX1" y="connsiteY1"/>
+                </a:cxn>
+                <a:cxn ang="0">
+                  <a:pos x="connsiteX2" y="connsiteY2"/>
+                </a:cxn>
+                <a:cxn ang="0">
+                  <a:pos x="connsiteX3" y="connsiteY3"/>
+                </a:cxn>
+                <a:cxn ang="0">
+                  <a:pos x="connsiteX4" y="connsiteY4"/>
+                </a:cxn>
+                <a:cxn ang="0">
+                  <a:pos x="connsiteX5" y="connsiteY5"/>
+                </a:cxn>
+                <a:cxn ang="0">
+                  <a:pos x="connsiteX6" y="connsiteY6"/>
+                </a:cxn>
+                <a:cxn ang="0">
+                  <a:pos x="connsiteX7" y="connsiteY7"/>
+                </a:cxn>
+              </a:cxnLst>
+              <a:rect l="l" t="t" r="r" b="b"/>
+              <a:pathLst>
+                <a:path w="289306" h="365765">
+                  <a:moveTo>
+                    <a:pt x="0" y="73153"/>
+                  </a:moveTo>
+                  <a:lnTo>
+                    <a:pt x="144653" y="73153"/>
+                  </a:lnTo>
+                  <a:lnTo>
+                    <a:pt x="144653" y="0"/>
+                  </a:lnTo>
+                  <a:lnTo>
+                    <a:pt x="289306" y="182883"/>
+                  </a:lnTo>
+                  <a:lnTo>
+                    <a:pt x="144653" y="365765"/>
+                  </a:lnTo>
+                  <a:lnTo>
+                    <a:pt x="144653" y="292612"/>
+                  </a:lnTo>
+                  <a:lnTo>
+                    <a:pt x="0" y="292612"/>
+                  </a:lnTo>
+                  <a:lnTo>
+                    <a:pt x="0" y="73153"/>
+                  </a:lnTo>
+                  <a:close/>
+                </a:path>
+              </a:pathLst>
+            </a:custGeom>
+            <a:solidFill>
+              <a:schemeClr val="accent4">
+                <a:lumMod val="60000"/>
+                <a:lumOff val="40000"/>
+              </a:schemeClr>
+            </a:solidFill>
+          </p:spPr>
+          <p:style>
+            <a:lnRef idx="0">
+              <a:schemeClr val="accent6">
+                <a:shade val="90000"/>
+                <a:hueOff val="379870"/>
+                <a:satOff val="-15173"/>
+                <a:lumOff val="35191"/>
+                <a:alphaOff val="0"/>
+              </a:schemeClr>
+            </a:lnRef>
+            <a:fillRef idx="3">
+              <a:scrgbClr r="0" g="0" b="0"/>
+            </a:fillRef>
+            <a:effectRef idx="3">
+              <a:schemeClr val="accent6">
+                <a:shade val="90000"/>
+                <a:hueOff val="379870"/>
+                <a:satOff val="-15173"/>
+                <a:lumOff val="35191"/>
+                <a:alphaOff val="0"/>
+              </a:schemeClr>
+            </a:effectRef>
+            <a:fontRef idx="minor">
+              <a:schemeClr val="lt1"/>
+            </a:fontRef>
+          </p:style>
+          <p:txBody>
+            <a:bodyPr spcFirstLastPara="0" vert="horz" wrap="square" lIns="-1" tIns="73152" rIns="86792" bIns="73153" numCol="1" spcCol="1270" anchor="ctr" anchorCtr="0">
+              <a:noAutofit/>
+            </a:bodyPr>
+            <a:lstStyle/>
+            <a:p>
+              <a:pPr lvl="0" algn="ctr" defTabSz="488950">
+                <a:lnSpc>
+                  <a:spcPct val="90000"/>
+                </a:lnSpc>
+                <a:spcBef>
+                  <a:spcPct val="0"/>
+                </a:spcBef>
+                <a:spcAft>
+                  <a:spcPct val="35000"/>
+                </a:spcAft>
+              </a:pPr>
+              <a:endParaRPr lang="zh-CN" altLang="en-US" sz="1100" kern="1200"/>
+            </a:p>
+          </p:txBody>
+        </p:sp>
+      </p:grpSp>
+      <p:sp>
+        <p:nvSpPr>
+          <p:cNvPr id="19" name="任意多边形 18"/>
+          <p:cNvSpPr/>
+          <p:nvPr/>
+        </p:nvSpPr>
+        <p:spPr>
+          <a:xfrm>
+            <a:off x="6687808" y="2261461"/>
+            <a:ext cx="1083749" cy="1083749"/>
+          </a:xfrm>
+          <a:custGeom>
+            <a:avLst/>
+            <a:gdLst>
+              <a:gd name="connsiteX0" fmla="*/ 0 w 1083749"/>
+              <a:gd name="connsiteY0" fmla="*/ 541875 h 1083749"/>
+              <a:gd name="connsiteX1" fmla="*/ 541875 w 1083749"/>
+              <a:gd name="connsiteY1" fmla="*/ 0 h 1083749"/>
+              <a:gd name="connsiteX2" fmla="*/ 1083750 w 1083749"/>
+              <a:gd name="connsiteY2" fmla="*/ 541875 h 1083749"/>
+              <a:gd name="connsiteX3" fmla="*/ 541875 w 1083749"/>
+              <a:gd name="connsiteY3" fmla="*/ 1083750 h 1083749"/>
+              <a:gd name="connsiteX4" fmla="*/ 0 w 1083749"/>
+              <a:gd name="connsiteY4" fmla="*/ 541875 h 1083749"/>
+            </a:gdLst>
+            <a:ahLst/>
+            <a:cxnLst>
+              <a:cxn ang="0">
+                <a:pos x="connsiteX0" y="connsiteY0"/>
+              </a:cxn>
+              <a:cxn ang="0">
+                <a:pos x="connsiteX1" y="connsiteY1"/>
+              </a:cxn>
+              <a:cxn ang="0">
+                <a:pos x="connsiteX2" y="connsiteY2"/>
+              </a:cxn>
+              <a:cxn ang="0">
+                <a:pos x="connsiteX3" y="connsiteY3"/>
+              </a:cxn>
+              <a:cxn ang="0">
+                <a:pos x="connsiteX4" y="connsiteY4"/>
+              </a:cxn>
+            </a:cxnLst>
+            <a:rect l="l" t="t" r="r" b="b"/>
+            <a:pathLst>
+              <a:path w="1083749" h="1083749">
+                <a:moveTo>
+                  <a:pt x="0" y="541875"/>
+                </a:moveTo>
+                <a:cubicBezTo>
+                  <a:pt x="0" y="242606"/>
+                  <a:pt x="242606" y="0"/>
+                  <a:pt x="541875" y="0"/>
+                </a:cubicBezTo>
+                <a:cubicBezTo>
+                  <a:pt x="841144" y="0"/>
+                  <a:pt x="1083750" y="242606"/>
+                  <a:pt x="1083750" y="541875"/>
+                </a:cubicBezTo>
+                <a:cubicBezTo>
+                  <a:pt x="1083750" y="841144"/>
+                  <a:pt x="841144" y="1083750"/>
+                  <a:pt x="541875" y="1083750"/>
+                </a:cubicBezTo>
+                <a:cubicBezTo>
+                  <a:pt x="242606" y="1083750"/>
+                  <a:pt x="0" y="841144"/>
+                  <a:pt x="0" y="541875"/>
+                </a:cubicBezTo>
+                <a:close/>
+              </a:path>
+            </a:pathLst>
+          </a:custGeom>
+        </p:spPr>
+        <p:style>
+          <a:lnRef idx="0">
+            <a:schemeClr val="lt1">
+              <a:hueOff val="0"/>
+              <a:satOff val="0"/>
+              <a:lumOff val="0"/>
+              <a:alphaOff val="0"/>
+            </a:schemeClr>
+          </a:lnRef>
+          <a:fillRef idx="3">
+            <a:schemeClr val="accent6">
+              <a:alpha val="90000"/>
+              <a:hueOff val="0"/>
+              <a:satOff val="0"/>
+              <a:lumOff val="0"/>
+              <a:alphaOff val="0"/>
+            </a:schemeClr>
+          </a:fillRef>
+          <a:effectRef idx="3">
+            <a:schemeClr val="accent6">
+              <a:alpha val="90000"/>
+              <a:hueOff val="0"/>
+              <a:satOff val="0"/>
+              <a:lumOff val="0"/>
+              <a:alphaOff val="0"/>
+            </a:schemeClr>
+          </a:effectRef>
+          <a:fontRef idx="minor">
+            <a:schemeClr val="lt1"/>
+          </a:fontRef>
+        </p:style>
+        <p:txBody>
+          <a:bodyPr spcFirstLastPara="0" vert="horz" wrap="square" lIns="173951" tIns="173951" rIns="173951" bIns="173951" numCol="1" spcCol="1270" anchor="ctr" anchorCtr="0">
+            <a:noAutofit/>
+          </a:bodyPr>
+          <a:lstStyle/>
+          <a:p>
+            <a:pPr lvl="0" algn="ctr" defTabSz="533400">
+              <a:lnSpc>
+                <a:spcPct val="90000"/>
+              </a:lnSpc>
+              <a:spcBef>
+                <a:spcPct val="0"/>
+              </a:spcBef>
+              <a:spcAft>
+                <a:spcPct val="35000"/>
+              </a:spcAft>
+            </a:pPr>
+            <a:r>
+              <a:rPr lang="en-US" altLang="zh-CN" sz="1200" kern="1200" dirty="0" err="1" smtClean="0"/>
+              <a:t>Fulllog</a:t>
+            </a:r>
+            <a:endParaRPr lang="zh-CN" altLang="en-US" sz="1200" kern="1200" dirty="0"/>
           </a:p>
         </p:txBody>
       </p:sp>
     </p:spTree>
     <p:extLst>
       <p:ext uri="{BB962C8B-B14F-4D97-AF65-F5344CB8AC3E}">
-        <p14:creationId xmlns:p14="http://schemas.microsoft.com/office/powerpoint/2010/main" val="498221211"/>
+        <p14:creationId xmlns:p14="http://schemas.microsoft.com/office/powerpoint/2010/main" val="3608433791"/>
       </p:ext>
     </p:extLst>
   </p:cSld>

--- a/lights/how to debug smartcontract(NEO).pptx
+++ b/lights/how to debug smartcontract(NEO).pptx
@@ -3042,7 +3042,7 @@
           <a:graphicData uri="http://schemas.openxmlformats.org/presentationml/2006/ole">
             <mc:AlternateContent xmlns:mc="http://schemas.openxmlformats.org/markup-compatibility/2006">
               <mc:Choice xmlns:v="urn:schemas-microsoft-com:vml" Requires="v">
-                <p:oleObj spid="_x0000_s4102" r:id="rId3" imgW="9193320" imgH="5168160" progId="">
+                <p:oleObj spid="_x0000_s4103" r:id="rId3" imgW="9193320" imgH="5168160" progId="">
                   <p:embed/>
                 </p:oleObj>
               </mc:Choice>
@@ -3406,12 +3406,8 @@
               <a:t>，</a:t>
             </a:r>
             <a:r>
-              <a:rPr lang="en-US" altLang="zh-CN" smtClean="0"/>
-              <a:t>is That </a:t>
-            </a:r>
-            <a:r>
               <a:rPr lang="en-US" altLang="zh-CN" dirty="0" smtClean="0"/>
-              <a:t>cool</a:t>
+              <a:t>is That cool</a:t>
             </a:r>
             <a:r>
               <a:rPr lang="en-US" altLang="zh-CN" dirty="0"/>
@@ -4282,7 +4278,7 @@
           <a:graphicData uri="http://schemas.openxmlformats.org/presentationml/2006/ole">
             <mc:AlternateContent xmlns:mc="http://schemas.openxmlformats.org/markup-compatibility/2006">
               <mc:Choice xmlns:v="urn:schemas-microsoft-com:vml" Requires="v">
-                <p:oleObj spid="_x0000_s1030" r:id="rId4" imgW="5041080" imgH="3949200" progId="">
+                <p:oleObj spid="_x0000_s1031" r:id="rId4" imgW="5041080" imgH="3949200" progId="">
                   <p:embed/>
                 </p:oleObj>
               </mc:Choice>
@@ -4641,7 +4637,7 @@
           <a:graphicData uri="http://schemas.openxmlformats.org/presentationml/2006/ole">
             <mc:AlternateContent xmlns:mc="http://schemas.openxmlformats.org/markup-compatibility/2006">
               <mc:Choice xmlns:v="urn:schemas-microsoft-com:vml" Requires="v">
-                <p:oleObj spid="_x0000_s3077" r:id="rId3" imgW="6170031" imgH="2648207" progId="Unknown">
+                <p:oleObj spid="_x0000_s3078" r:id="rId3" imgW="6170031" imgH="2648207" progId="Unknown">
                   <p:embed/>
                 </p:oleObj>
               </mc:Choice>
@@ -4762,22 +4758,32 @@
           <a:lstStyle/>
           <a:p>
             <a:r>
+              <a:rPr lang="zh-CN" altLang="en-US" dirty="0" smtClean="0"/>
+              <a:t>调试是一个循环</a:t>
+            </a:r>
+            <a:endParaRPr lang="en-US" altLang="zh-CN" dirty="0" smtClean="0"/>
+          </a:p>
+          <a:p>
+            <a:pPr lvl="1"/>
+            <a:r>
               <a:rPr lang="en-US" altLang="zh-CN" dirty="0" smtClean="0"/>
-              <a:t>Adjust and try</a:t>
-            </a:r>
+              <a:t>1.</a:t>
+            </a:r>
+            <a:r>
+              <a:rPr lang="zh-CN" altLang="en-US" dirty="0" smtClean="0"/>
+              <a:t>修改代码</a:t>
+            </a:r>
+            <a:endParaRPr lang="en-US" altLang="zh-CN" dirty="0" smtClean="0"/>
           </a:p>
           <a:p>
             <a:pPr lvl="1"/>
             <a:r>
               <a:rPr lang="en-US" altLang="zh-CN" dirty="0" smtClean="0"/>
-              <a:t>1.Fix code</a:t>
-            </a:r>
-          </a:p>
-          <a:p>
-            <a:pPr lvl="1"/>
-            <a:r>
-              <a:rPr lang="en-US" altLang="zh-CN" dirty="0" smtClean="0"/>
-              <a:t>2.Compile 2 </a:t>
+              <a:t>2.</a:t>
+            </a:r>
+            <a:r>
+              <a:rPr lang="zh-CN" altLang="en-US" dirty="0" smtClean="0"/>
+              <a:t>把他编译成</a:t>
             </a:r>
             <a:r>
               <a:rPr lang="en-US" altLang="zh-CN" dirty="0" err="1" smtClean="0"/>
@@ -4797,36 +4803,54 @@
             <a:pPr lvl="1"/>
             <a:r>
               <a:rPr lang="en-US" altLang="zh-CN" dirty="0" smtClean="0"/>
-              <a:t>3.Compile 2 AVM</a:t>
+              <a:t>3.</a:t>
+            </a:r>
+            <a:r>
+              <a:rPr lang="zh-CN" altLang="en-US" dirty="0" smtClean="0"/>
+              <a:t>把他编译成</a:t>
+            </a:r>
+            <a:r>
+              <a:rPr lang="en-US" altLang="zh-CN" dirty="0" smtClean="0"/>
+              <a:t>AVM</a:t>
             </a:r>
           </a:p>
           <a:p>
             <a:pPr lvl="1"/>
             <a:r>
               <a:rPr lang="en-US" altLang="zh-CN" dirty="0" smtClean="0"/>
-              <a:t>4.Depoly a contract</a:t>
-            </a:r>
+              <a:t>4.</a:t>
+            </a:r>
+            <a:r>
+              <a:rPr lang="zh-CN" altLang="en-US" dirty="0" smtClean="0"/>
+              <a:t>发布合约</a:t>
+            </a:r>
+            <a:endParaRPr lang="en-US" altLang="zh-CN" dirty="0" smtClean="0"/>
           </a:p>
           <a:p>
             <a:pPr lvl="1"/>
             <a:r>
               <a:rPr lang="en-US" altLang="zh-CN" dirty="0" smtClean="0"/>
-              <a:t>5.Send Invok</a:t>
-            </a:r>
+              <a:t>5.</a:t>
+            </a:r>
+            <a:r>
+              <a:rPr lang="zh-CN" altLang="en-US" dirty="0"/>
+              <a:t>执行</a:t>
+            </a:r>
+            <a:r>
+              <a:rPr lang="zh-CN" altLang="en-US" dirty="0" smtClean="0"/>
+              <a:t>调用合约的交易</a:t>
+            </a:r>
+            <a:endParaRPr lang="en-US" altLang="zh-CN" dirty="0" smtClean="0"/>
+          </a:p>
+          <a:p>
+            <a:pPr lvl="1"/>
             <a:r>
               <a:rPr lang="en-US" altLang="zh-CN" dirty="0" smtClean="0"/>
-              <a:t>e Transaction</a:t>
-            </a:r>
-          </a:p>
-          <a:p>
-            <a:pPr lvl="1"/>
-            <a:r>
-              <a:rPr lang="en-US" altLang="zh-CN" dirty="0" smtClean="0"/>
-              <a:t>6.And? We got A </a:t>
-            </a:r>
-            <a:r>
-              <a:rPr lang="en-US" altLang="zh-CN" dirty="0" err="1" smtClean="0"/>
-              <a:t>BlackHole</a:t>
+              <a:t>6.</a:t>
+            </a:r>
+            <a:r>
+              <a:rPr lang="zh-CN" altLang="en-US" dirty="0" smtClean="0"/>
+              <a:t>看结果，结果我们得到了一个黑洞</a:t>
             </a:r>
             <a:endParaRPr lang="en-US" altLang="zh-CN" dirty="0" smtClean="0"/>
           </a:p>
@@ -5005,9 +5029,22 @@
                 <a:rPr lang="en-US" altLang="zh-CN" sz="1200" kern="1200" dirty="0" smtClean="0"/>
                 <a:t>SC </a:t>
               </a:r>
+            </a:p>
+            <a:p>
+              <a:pPr lvl="0" algn="ctr" defTabSz="533400">
+                <a:lnSpc>
+                  <a:spcPct val="90000"/>
+                </a:lnSpc>
+                <a:spcBef>
+                  <a:spcPct val="0"/>
+                </a:spcBef>
+                <a:spcAft>
+                  <a:spcPct val="35000"/>
+                </a:spcAft>
+              </a:pPr>
               <a:r>
-                <a:rPr lang="en-US" altLang="zh-CN" sz="1200" kern="1200" dirty="0"/>
-                <a:t>source code</a:t>
+                <a:rPr lang="en-US" altLang="zh-CN" sz="1200" kern="1200" dirty="0" err="1" smtClean="0"/>
+                <a:t>sourcecode</a:t>
               </a:r>
               <a:endParaRPr lang="zh-CN" altLang="en-US" sz="1200" kern="1200" dirty="0"/>
             </a:p>
@@ -5561,7 +5598,7 @@
               </a:pPr>
               <a:r>
                 <a:rPr lang="en-US" altLang="zh-CN" sz="1200" kern="1200" dirty="0" smtClean="0"/>
-                <a:t>Compile to AVM</a:t>
+                <a:t>AVM</a:t>
               </a:r>
               <a:endParaRPr lang="zh-CN" altLang="en-US" sz="1200" kern="1200" dirty="0"/>
             </a:p>
@@ -6424,8 +6461,8 @@
             <p:nvPr/>
           </p:nvSpPr>
           <p:spPr>
-            <a:xfrm>
-              <a:off x="8099092" y="4189617"/>
+            <a:xfrm rot="1688424">
+              <a:off x="8065192" y="3719392"/>
               <a:ext cx="1277011" cy="365765"/>
             </a:xfrm>
             <a:custGeom>
@@ -8176,146 +8213,6 @@
                 <a:t>Invoke Transaction</a:t>
               </a:r>
               <a:endParaRPr lang="zh-CN" altLang="en-US" sz="1200" kern="1200" dirty="0"/>
-            </a:p>
-          </p:txBody>
-        </p:sp>
-        <p:sp>
-          <p:nvSpPr>
-            <p:cNvPr id="64" name="任意多边形 63"/>
-            <p:cNvSpPr/>
-            <p:nvPr/>
-          </p:nvSpPr>
-          <p:spPr>
-            <a:xfrm>
-              <a:off x="8099092" y="4189617"/>
-              <a:ext cx="1277011" cy="365765"/>
-            </a:xfrm>
-            <a:custGeom>
-              <a:avLst/>
-              <a:gdLst>
-                <a:gd name="connsiteX0" fmla="*/ 0 w 289306"/>
-                <a:gd name="connsiteY0" fmla="*/ 73153 h 365765"/>
-                <a:gd name="connsiteX1" fmla="*/ 144653 w 289306"/>
-                <a:gd name="connsiteY1" fmla="*/ 73153 h 365765"/>
-                <a:gd name="connsiteX2" fmla="*/ 144653 w 289306"/>
-                <a:gd name="connsiteY2" fmla="*/ 0 h 365765"/>
-                <a:gd name="connsiteX3" fmla="*/ 289306 w 289306"/>
-                <a:gd name="connsiteY3" fmla="*/ 182883 h 365765"/>
-                <a:gd name="connsiteX4" fmla="*/ 144653 w 289306"/>
-                <a:gd name="connsiteY4" fmla="*/ 365765 h 365765"/>
-                <a:gd name="connsiteX5" fmla="*/ 144653 w 289306"/>
-                <a:gd name="connsiteY5" fmla="*/ 292612 h 365765"/>
-                <a:gd name="connsiteX6" fmla="*/ 0 w 289306"/>
-                <a:gd name="connsiteY6" fmla="*/ 292612 h 365765"/>
-                <a:gd name="connsiteX7" fmla="*/ 0 w 289306"/>
-                <a:gd name="connsiteY7" fmla="*/ 73153 h 365765"/>
-              </a:gdLst>
-              <a:ahLst/>
-              <a:cxnLst>
-                <a:cxn ang="0">
-                  <a:pos x="connsiteX0" y="connsiteY0"/>
-                </a:cxn>
-                <a:cxn ang="0">
-                  <a:pos x="connsiteX1" y="connsiteY1"/>
-                </a:cxn>
-                <a:cxn ang="0">
-                  <a:pos x="connsiteX2" y="connsiteY2"/>
-                </a:cxn>
-                <a:cxn ang="0">
-                  <a:pos x="connsiteX3" y="connsiteY3"/>
-                </a:cxn>
-                <a:cxn ang="0">
-                  <a:pos x="connsiteX4" y="connsiteY4"/>
-                </a:cxn>
-                <a:cxn ang="0">
-                  <a:pos x="connsiteX5" y="connsiteY5"/>
-                </a:cxn>
-                <a:cxn ang="0">
-                  <a:pos x="connsiteX6" y="connsiteY6"/>
-                </a:cxn>
-                <a:cxn ang="0">
-                  <a:pos x="connsiteX7" y="connsiteY7"/>
-                </a:cxn>
-              </a:cxnLst>
-              <a:rect l="l" t="t" r="r" b="b"/>
-              <a:pathLst>
-                <a:path w="289306" h="365765">
-                  <a:moveTo>
-                    <a:pt x="0" y="73153"/>
-                  </a:moveTo>
-                  <a:lnTo>
-                    <a:pt x="144653" y="73153"/>
-                  </a:lnTo>
-                  <a:lnTo>
-                    <a:pt x="144653" y="0"/>
-                  </a:lnTo>
-                  <a:lnTo>
-                    <a:pt x="289306" y="182883"/>
-                  </a:lnTo>
-                  <a:lnTo>
-                    <a:pt x="144653" y="365765"/>
-                  </a:lnTo>
-                  <a:lnTo>
-                    <a:pt x="144653" y="292612"/>
-                  </a:lnTo>
-                  <a:lnTo>
-                    <a:pt x="0" y="292612"/>
-                  </a:lnTo>
-                  <a:lnTo>
-                    <a:pt x="0" y="73153"/>
-                  </a:lnTo>
-                  <a:close/>
-                </a:path>
-              </a:pathLst>
-            </a:custGeom>
-            <a:solidFill>
-              <a:srgbClr val="FF0000"/>
-            </a:solidFill>
-          </p:spPr>
-          <p:style>
-            <a:lnRef idx="0">
-              <a:schemeClr val="accent6">
-                <a:shade val="90000"/>
-                <a:hueOff val="379870"/>
-                <a:satOff val="-15173"/>
-                <a:lumOff val="35191"/>
-                <a:alphaOff val="0"/>
-              </a:schemeClr>
-            </a:lnRef>
-            <a:fillRef idx="3">
-              <a:scrgbClr r="0" g="0" b="0"/>
-            </a:fillRef>
-            <a:effectRef idx="3">
-              <a:schemeClr val="accent6">
-                <a:shade val="90000"/>
-                <a:hueOff val="379870"/>
-                <a:satOff val="-15173"/>
-                <a:lumOff val="35191"/>
-                <a:alphaOff val="0"/>
-              </a:schemeClr>
-            </a:effectRef>
-            <a:fontRef idx="minor">
-              <a:schemeClr val="lt1"/>
-            </a:fontRef>
-          </p:style>
-          <p:txBody>
-            <a:bodyPr spcFirstLastPara="0" vert="horz" wrap="square" lIns="-1" tIns="73152" rIns="86792" bIns="73153" numCol="1" spcCol="1270" anchor="ctr" anchorCtr="0">
-              <a:noAutofit/>
-            </a:bodyPr>
-            <a:lstStyle/>
-            <a:p>
-              <a:pPr lvl="0" algn="ctr" defTabSz="488950">
-                <a:lnSpc>
-                  <a:spcPct val="90000"/>
-                </a:lnSpc>
-                <a:spcBef>
-                  <a:spcPct val="0"/>
-                </a:spcBef>
-                <a:spcAft>
-                  <a:spcPct val="35000"/>
-                </a:spcAft>
-              </a:pPr>
-              <a:endParaRPr lang="zh-CN" altLang="en-US" sz="1100" kern="1200"/>
             </a:p>
           </p:txBody>
         </p:sp>
